--- a/20-03-2021/Presentation/Machine learning 101.pptx
+++ b/20-03-2021/Presentation/Machine learning 101.pptx
@@ -24,23 +24,24 @@
     <p:sldId id="269" r:id="rId21"/>
     <p:sldId id="270" r:id="rId22"/>
     <p:sldId id="271" r:id="rId23"/>
+    <p:sldId id="272" r:id="rId24"/>
   </p:sldIdLst>
   <p:sldSz cy="5143500" cx="9144000"/>
   <p:notesSz cx="6858000" cy="9144000"/>
   <p:embeddedFontLst>
     <p:embeddedFont>
       <p:font typeface="Raleway"/>
-      <p:regular r:id="rId24"/>
-      <p:bold r:id="rId25"/>
-      <p:italic r:id="rId26"/>
-      <p:boldItalic r:id="rId27"/>
+      <p:regular r:id="rId25"/>
+      <p:bold r:id="rId26"/>
+      <p:italic r:id="rId27"/>
+      <p:boldItalic r:id="rId28"/>
     </p:embeddedFont>
     <p:embeddedFont>
       <p:font typeface="Lato"/>
-      <p:regular r:id="rId28"/>
-      <p:bold r:id="rId29"/>
-      <p:italic r:id="rId30"/>
-      <p:boldItalic r:id="rId31"/>
+      <p:regular r:id="rId29"/>
+      <p:bold r:id="rId30"/>
+      <p:italic r:id="rId31"/>
+      <p:boldItalic r:id="rId32"/>
     </p:embeddedFont>
   </p:embeddedFontLst>
   <p:defaultTextStyle>
@@ -293,7 +294,7 @@
 
 <file path=ppt/commentAuthors.xml><?xml version="1.0" encoding="utf-8"?>
 <p:cmAuthorLst xmlns:a="http://schemas.openxmlformats.org/drawingml/2006/main" xmlns:r="http://schemas.openxmlformats.org/officeDocument/2006/relationships" xmlns:mc="http://schemas.openxmlformats.org/markup-compatibility/2006" xmlns:mv="urn:schemas-microsoft-com:mac:vml" xmlns:p="http://schemas.openxmlformats.org/presentationml/2006/main" xmlns:c="http://schemas.openxmlformats.org/drawingml/2006/chart" xmlns:dgm="http://schemas.openxmlformats.org/drawingml/2006/diagram" xmlns:o="urn:schemas-microsoft-com:office:office" xmlns:v="urn:schemas-microsoft-com:vml" xmlns:pvml="urn:schemas-microsoft-com:office:powerpoint" xmlns:com="http://schemas.openxmlformats.org/drawingml/2006/compatibility" xmlns:p14="http://schemas.microsoft.com/office/powerpoint/2010/main" xmlns:p15="http://schemas.microsoft.com/office/powerpoint/2012/main" xmlns:ahyp="http://schemas.microsoft.com/office/drawing/2018/hyperlinkcolor">
-  <p:cmAuthor clrIdx="0" id="0" initials="" lastIdx="6" name="Farouq Benarous"/>
+  <p:cmAuthor clrIdx="0" id="0" initials="" lastIdx="7" name="Farouq Benarous"/>
 </p:cmAuthorLst>
 </file>
 
@@ -349,10 +350,20 @@
 
 <file path=ppt/comments/comment6.xml><?xml version="1.0" encoding="utf-8"?>
 <p:cmLst xmlns:a="http://schemas.openxmlformats.org/drawingml/2006/main" xmlns:r="http://schemas.openxmlformats.org/officeDocument/2006/relationships" xmlns:mc="http://schemas.openxmlformats.org/markup-compatibility/2006" xmlns:mv="urn:schemas-microsoft-com:mac:vml" xmlns:p="http://schemas.openxmlformats.org/presentationml/2006/main" xmlns:c="http://schemas.openxmlformats.org/drawingml/2006/chart" xmlns:dgm="http://schemas.openxmlformats.org/drawingml/2006/diagram" xmlns:o="urn:schemas-microsoft-com:office:office" xmlns:v="urn:schemas-microsoft-com:vml" xmlns:pvml="urn:schemas-microsoft-com:office:powerpoint" xmlns:com="http://schemas.openxmlformats.org/drawingml/2006/compatibility" xmlns:p14="http://schemas.microsoft.com/office/powerpoint/2010/main" xmlns:p15="http://schemas.microsoft.com/office/powerpoint/2012/main" xmlns:ahyp="http://schemas.microsoft.com/office/drawing/2018/hyperlinkcolor">
-  <p:cm authorId="0" idx="6" dt="2021-03-08T21:11:31.510">
+  <p:cm authorId="0" idx="6" dt="2021-03-08T21:36:16.851">
     <p:pos x="6000" y="0"/>
     <p:text>* Why neuralNetwork (Motivation)
-*Explain a neuralnetwork as piece of math and not just a buzzy word</p:text>
+*Explain a neuralnetwork as piece of math and not just a buzzy word
+*Talk about the bias , variance trade-off</p:text>
+  </p:cm>
+</p:cmLst>
+</file>
+
+<file path=ppt/comments/comment7.xml><?xml version="1.0" encoding="utf-8"?>
+<p:cmLst xmlns:a="http://schemas.openxmlformats.org/drawingml/2006/main" xmlns:r="http://schemas.openxmlformats.org/officeDocument/2006/relationships" xmlns:mc="http://schemas.openxmlformats.org/markup-compatibility/2006" xmlns:mv="urn:schemas-microsoft-com:mac:vml" xmlns:p="http://schemas.openxmlformats.org/presentationml/2006/main" xmlns:c="http://schemas.openxmlformats.org/drawingml/2006/chart" xmlns:dgm="http://schemas.openxmlformats.org/drawingml/2006/diagram" xmlns:o="urn:schemas-microsoft-com:office:office" xmlns:v="urn:schemas-microsoft-com:vml" xmlns:pvml="urn:schemas-microsoft-com:office:powerpoint" xmlns:com="http://schemas.openxmlformats.org/drawingml/2006/compatibility" xmlns:p14="http://schemas.microsoft.com/office/powerpoint/2010/main" xmlns:p15="http://schemas.microsoft.com/office/powerpoint/2012/main" xmlns:ahyp="http://schemas.microsoft.com/office/drawing/2018/hyperlinkcolor">
+  <p:cm authorId="0" idx="7" dt="2021-03-09T23:47:06.235">
+    <p:pos x="6000" y="0"/>
+    <p:text>* We gonna see the linear version of it , give a hint about kernel methods</p:text>
   </p:cm>
 </p:cmLst>
 </file>
@@ -901,7 +912,7 @@
       </p:grpSpPr>
       <p:sp>
         <p:nvSpPr>
-          <p:cNvPr id="147" name="Google Shape;147;gc5276e20f2_0_58:notes"/>
+          <p:cNvPr id="147" name="Google Shape;147;gc12e0bab26_0_285:notes"/>
           <p:cNvSpPr/>
           <p:nvPr>
             <p:ph idx="2" type="sldImg"/>
@@ -936,7 +947,7 @@
       </p:sp>
       <p:sp>
         <p:nvSpPr>
-          <p:cNvPr id="148" name="Google Shape;148;gc5276e20f2_0_58:notes"/>
+          <p:cNvPr id="148" name="Google Shape;148;gc12e0bab26_0_285:notes"/>
           <p:cNvSpPr txBox="1"/>
           <p:nvPr>
             <p:ph idx="1" type="body"/>
@@ -986,7 +997,7 @@
   <p:cSld>
     <p:spTree>
       <p:nvGrpSpPr>
-        <p:cNvPr id="152" name="Shape 152"/>
+        <p:cNvPr id="153" name="Shape 153"/>
         <p:cNvGrpSpPr/>
         <p:nvPr/>
       </p:nvGrpSpPr>
@@ -1000,7 +1011,7 @@
       </p:grpSpPr>
       <p:sp>
         <p:nvSpPr>
-          <p:cNvPr id="153" name="Google Shape;153;gc12e0bab26_0_285:notes"/>
+          <p:cNvPr id="154" name="Google Shape;154;gc720029bd5_0_0:notes"/>
           <p:cNvSpPr/>
           <p:nvPr>
             <p:ph idx="2" type="sldImg"/>
@@ -1035,7 +1046,7 @@
       </p:sp>
       <p:sp>
         <p:nvSpPr>
-          <p:cNvPr id="154" name="Google Shape;154;gc12e0bab26_0_285:notes"/>
+          <p:cNvPr id="155" name="Google Shape;155;gc720029bd5_0_0:notes"/>
           <p:cNvSpPr txBox="1"/>
           <p:nvPr>
             <p:ph idx="1" type="body"/>
@@ -1099,7 +1110,7 @@
       </p:grpSpPr>
       <p:sp>
         <p:nvSpPr>
-          <p:cNvPr id="160" name="Google Shape;160;gc12e0bab26_0_233:notes"/>
+          <p:cNvPr id="160" name="Google Shape;160;gc12e0bab26_0_262:notes"/>
           <p:cNvSpPr/>
           <p:nvPr>
             <p:ph idx="2" type="sldImg"/>
@@ -1134,7 +1145,7 @@
       </p:sp>
       <p:sp>
         <p:nvSpPr>
-          <p:cNvPr id="161" name="Google Shape;161;gc12e0bab26_0_233:notes"/>
+          <p:cNvPr id="161" name="Google Shape;161;gc12e0bab26_0_262:notes"/>
           <p:cNvSpPr txBox="1"/>
           <p:nvPr>
             <p:ph idx="1" type="body"/>
@@ -1184,7 +1195,7 @@
   <p:cSld>
     <p:spTree>
       <p:nvGrpSpPr>
-        <p:cNvPr id="166" name="Shape 166"/>
+        <p:cNvPr id="165" name="Shape 165"/>
         <p:cNvGrpSpPr/>
         <p:nvPr/>
       </p:nvGrpSpPr>
@@ -1198,7 +1209,7 @@
       </p:grpSpPr>
       <p:sp>
         <p:nvSpPr>
-          <p:cNvPr id="167" name="Google Shape;167;gc12e0bab26_0_259:notes"/>
+          <p:cNvPr id="166" name="Google Shape;166;gc12e0bab26_0_259:notes"/>
           <p:cNvSpPr/>
           <p:nvPr>
             <p:ph idx="2" type="sldImg"/>
@@ -1233,7 +1244,7 @@
       </p:sp>
       <p:sp>
         <p:nvSpPr>
-          <p:cNvPr id="168" name="Google Shape;168;gc12e0bab26_0_259:notes"/>
+          <p:cNvPr id="167" name="Google Shape;167;gc12e0bab26_0_259:notes"/>
           <p:cNvSpPr txBox="1"/>
           <p:nvPr>
             <p:ph idx="1" type="body"/>
@@ -1297,7 +1308,7 @@
       </p:grpSpPr>
       <p:sp>
         <p:nvSpPr>
-          <p:cNvPr id="173" name="Google Shape;173;gc12e0bab26_0_262:notes"/>
+          <p:cNvPr id="173" name="Google Shape;173;gc12e0bab26_0_265:notes"/>
           <p:cNvSpPr/>
           <p:nvPr>
             <p:ph idx="2" type="sldImg"/>
@@ -1332,7 +1343,7 @@
       </p:sp>
       <p:sp>
         <p:nvSpPr>
-          <p:cNvPr id="174" name="Google Shape;174;gc12e0bab26_0_262:notes"/>
+          <p:cNvPr id="174" name="Google Shape;174;gc12e0bab26_0_265:notes"/>
           <p:cNvSpPr txBox="1"/>
           <p:nvPr>
             <p:ph idx="1" type="body"/>
@@ -1382,7 +1393,7 @@
   <p:cSld>
     <p:spTree>
       <p:nvGrpSpPr>
-        <p:cNvPr id="179" name="Shape 179"/>
+        <p:cNvPr id="178" name="Shape 178"/>
         <p:cNvGrpSpPr/>
         <p:nvPr/>
       </p:nvGrpSpPr>
@@ -1396,7 +1407,7 @@
       </p:grpSpPr>
       <p:sp>
         <p:nvSpPr>
-          <p:cNvPr id="180" name="Google Shape;180;gc12e0bab26_0_265:notes"/>
+          <p:cNvPr id="179" name="Google Shape;179;gc689e67e07_0_0:notes"/>
           <p:cNvSpPr/>
           <p:nvPr>
             <p:ph idx="2" type="sldImg"/>
@@ -1431,7 +1442,7 @@
       </p:sp>
       <p:sp>
         <p:nvSpPr>
-          <p:cNvPr id="181" name="Google Shape;181;gc12e0bab26_0_265:notes"/>
+          <p:cNvPr id="180" name="Google Shape;180;gc689e67e07_0_0:notes"/>
           <p:cNvSpPr txBox="1"/>
           <p:nvPr>
             <p:ph idx="1" type="body"/>
@@ -1481,7 +1492,7 @@
   <p:cSld>
     <p:spTree>
       <p:nvGrpSpPr>
-        <p:cNvPr id="185" name="Shape 185"/>
+        <p:cNvPr id="184" name="Shape 184"/>
         <p:cNvGrpSpPr/>
         <p:nvPr/>
       </p:nvGrpSpPr>
@@ -1495,7 +1506,7 @@
       </p:grpSpPr>
       <p:sp>
         <p:nvSpPr>
-          <p:cNvPr id="186" name="Google Shape;186;gc12e0bab26_0_236:notes"/>
+          <p:cNvPr id="185" name="Google Shape;185;gc12e0bab26_0_236:notes"/>
           <p:cNvSpPr/>
           <p:nvPr>
             <p:ph idx="2" type="sldImg"/>
@@ -1530,7 +1541,106 @@
       </p:sp>
       <p:sp>
         <p:nvSpPr>
-          <p:cNvPr id="187" name="Google Shape;187;gc12e0bab26_0_236:notes"/>
+          <p:cNvPr id="186" name="Google Shape;186;gc12e0bab26_0_236:notes"/>
+          <p:cNvSpPr txBox="1"/>
+          <p:nvPr>
+            <p:ph idx="1" type="body"/>
+          </p:nvPr>
+        </p:nvSpPr>
+        <p:spPr>
+          <a:xfrm>
+            <a:off x="685800" y="4343400"/>
+            <a:ext cx="5486400" cy="4114800"/>
+          </a:xfrm>
+          <a:prstGeom prst="rect">
+            <a:avLst/>
+          </a:prstGeom>
+        </p:spPr>
+        <p:txBody>
+          <a:bodyPr anchorCtr="0" anchor="t" bIns="91425" lIns="91425" spcFirstLastPara="1" rIns="91425" wrap="square" tIns="91425">
+            <a:noAutofit/>
+          </a:bodyPr>
+          <a:lstStyle/>
+          <a:p>
+            <a:pPr indent="0" lvl="0" marL="0" rtl="0" algn="l">
+              <a:spcBef>
+                <a:spcPts val="0"/>
+              </a:spcBef>
+              <a:spcAft>
+                <a:spcPts val="0"/>
+              </a:spcAft>
+              <a:buNone/>
+            </a:pPr>
+            <a:r>
+              <a:t/>
+            </a:r>
+            <a:endParaRPr/>
+          </a:p>
+        </p:txBody>
+      </p:sp>
+    </p:spTree>
+  </p:cSld>
+  <p:clrMapOvr>
+    <a:masterClrMapping/>
+  </p:clrMapOvr>
+</p:notes>
+</file>
+
+<file path=ppt/notesSlides/notesSlide17.xml><?xml version="1.0" encoding="utf-8"?>
+<p:notes xmlns:a="http://schemas.openxmlformats.org/drawingml/2006/main" xmlns:r="http://schemas.openxmlformats.org/officeDocument/2006/relationships" xmlns:mc="http://schemas.openxmlformats.org/markup-compatibility/2006" xmlns:mv="urn:schemas-microsoft-com:mac:vml" xmlns:p="http://schemas.openxmlformats.org/presentationml/2006/main" xmlns:c="http://schemas.openxmlformats.org/drawingml/2006/chart" xmlns:dgm="http://schemas.openxmlformats.org/drawingml/2006/diagram" xmlns:o="urn:schemas-microsoft-com:office:office" xmlns:v="urn:schemas-microsoft-com:vml" xmlns:pvml="urn:schemas-microsoft-com:office:powerpoint" xmlns:com="http://schemas.openxmlformats.org/drawingml/2006/compatibility" xmlns:p14="http://schemas.microsoft.com/office/powerpoint/2010/main" xmlns:p15="http://schemas.microsoft.com/office/powerpoint/2012/main" xmlns:ahyp="http://schemas.microsoft.com/office/drawing/2018/hyperlinkcolor" showMasterPhAnim="0" showMasterSp="0">
+  <p:cSld>
+    <p:spTree>
+      <p:nvGrpSpPr>
+        <p:cNvPr id="189" name="Shape 189"/>
+        <p:cNvGrpSpPr/>
+        <p:nvPr/>
+      </p:nvGrpSpPr>
+      <p:grpSpPr>
+        <a:xfrm>
+          <a:off x="0" y="0"/>
+          <a:ext cx="0" cy="0"/>
+          <a:chOff x="0" y="0"/>
+          <a:chExt cx="0" cy="0"/>
+        </a:xfrm>
+      </p:grpSpPr>
+      <p:sp>
+        <p:nvSpPr>
+          <p:cNvPr id="190" name="Google Shape;190;gc689e67e07_0_6:notes"/>
+          <p:cNvSpPr/>
+          <p:nvPr>
+            <p:ph idx="2" type="sldImg"/>
+          </p:nvPr>
+        </p:nvSpPr>
+        <p:spPr>
+          <a:xfrm>
+            <a:off x="381300" y="685800"/>
+            <a:ext cx="6096000" cy="3429000"/>
+          </a:xfrm>
+          <a:custGeom>
+            <a:rect b="b" l="l" r="r" t="t"/>
+            <a:pathLst>
+              <a:path extrusionOk="0" h="120000" w="120000">
+                <a:moveTo>
+                  <a:pt x="0" y="0"/>
+                </a:moveTo>
+                <a:lnTo>
+                  <a:pt x="120000" y="0"/>
+                </a:lnTo>
+                <a:lnTo>
+                  <a:pt x="120000" y="120000"/>
+                </a:lnTo>
+                <a:lnTo>
+                  <a:pt x="0" y="120000"/>
+                </a:lnTo>
+                <a:close/>
+              </a:path>
+            </a:pathLst>
+          </a:custGeom>
+        </p:spPr>
+      </p:sp>
+      <p:sp>
+        <p:nvSpPr>
+          <p:cNvPr id="191" name="Google Shape;191;gc689e67e07_0_6:notes"/>
           <p:cNvSpPr txBox="1"/>
           <p:nvPr>
             <p:ph idx="1" type="body"/>
@@ -8761,7 +8871,7 @@
           </a:bodyPr>
           <a:lstStyle/>
           <a:p>
-            <a:pPr indent="0" lvl="0" marL="0" rtl="0" algn="ctr">
+            <a:pPr indent="0" lvl="0" marL="0" rtl="0" algn="l">
               <a:spcBef>
                 <a:spcPts val="0"/>
               </a:spcBef>
@@ -8777,7 +8887,25 @@
                 <a:cs typeface="Lato"/>
                 <a:sym typeface="Lato"/>
               </a:rPr>
-              <a:t>Pseudo of code </a:t>
+              <a:t>The computer program </a:t>
+            </a:r>
+            <a:r>
+              <a:rPr b="1" lang="en-GB">
+                <a:latin typeface="Lato"/>
+                <a:ea typeface="Lato"/>
+                <a:cs typeface="Lato"/>
+                <a:sym typeface="Lato"/>
+              </a:rPr>
+              <a:t>A</a:t>
+            </a:r>
+            <a:r>
+              <a:rPr lang="en-GB">
+                <a:latin typeface="Lato"/>
+                <a:ea typeface="Lato"/>
+                <a:cs typeface="Lato"/>
+                <a:sym typeface="Lato"/>
+              </a:rPr>
+              <a:t> (the model) </a:t>
             </a:r>
             <a:endParaRPr>
               <a:latin typeface="Lato"/>
@@ -8791,148 +8919,6 @@
       <p:sp>
         <p:nvSpPr>
           <p:cNvPr id="151" name="Google Shape;151;p22"/>
-          <p:cNvSpPr txBox="1"/>
-          <p:nvPr/>
-        </p:nvSpPr>
-        <p:spPr>
-          <a:xfrm>
-            <a:off x="682475" y="615875"/>
-            <a:ext cx="4153200" cy="431100"/>
-          </a:xfrm>
-          <a:prstGeom prst="rect">
-            <a:avLst/>
-          </a:prstGeom>
-          <a:noFill/>
-          <a:ln>
-            <a:noFill/>
-          </a:ln>
-        </p:spPr>
-        <p:txBody>
-          <a:bodyPr anchorCtr="0" anchor="t" bIns="91425" lIns="91425" spcFirstLastPara="1" rIns="91425" wrap="square" tIns="91425">
-            <a:spAutoFit/>
-          </a:bodyPr>
-          <a:lstStyle/>
-          <a:p>
-            <a:pPr indent="0" lvl="0" marL="0" rtl="0" algn="l">
-              <a:spcBef>
-                <a:spcPts val="0"/>
-              </a:spcBef>
-              <a:spcAft>
-                <a:spcPts val="0"/>
-              </a:spcAft>
-              <a:buNone/>
-            </a:pPr>
-            <a:r>
-              <a:rPr b="1" lang="en-GB" sz="1600">
-                <a:latin typeface="Lato"/>
-                <a:ea typeface="Lato"/>
-                <a:cs typeface="Lato"/>
-                <a:sym typeface="Lato"/>
-              </a:rPr>
-              <a:t>What is machine learning  ? </a:t>
-            </a:r>
-            <a:endParaRPr b="1" sz="1500"/>
-          </a:p>
-        </p:txBody>
-      </p:sp>
-    </p:spTree>
-  </p:cSld>
-  <p:clrMapOvr>
-    <a:masterClrMapping/>
-  </p:clrMapOvr>
-</p:sld>
-</file>
-
-<file path=ppt/slides/slide11.xml><?xml version="1.0" encoding="utf-8"?>
-<p:sld xmlns:a="http://schemas.openxmlformats.org/drawingml/2006/main" xmlns:r="http://schemas.openxmlformats.org/officeDocument/2006/relationships" xmlns:mc="http://schemas.openxmlformats.org/markup-compatibility/2006" xmlns:mv="urn:schemas-microsoft-com:mac:vml" xmlns:p="http://schemas.openxmlformats.org/presentationml/2006/main" xmlns:c="http://schemas.openxmlformats.org/drawingml/2006/chart" xmlns:dgm="http://schemas.openxmlformats.org/drawingml/2006/diagram" xmlns:o="urn:schemas-microsoft-com:office:office" xmlns:v="urn:schemas-microsoft-com:vml" xmlns:pvml="urn:schemas-microsoft-com:office:powerpoint" xmlns:com="http://schemas.openxmlformats.org/drawingml/2006/compatibility" xmlns:p14="http://schemas.microsoft.com/office/powerpoint/2010/main" xmlns:p15="http://schemas.microsoft.com/office/powerpoint/2012/main" xmlns:ahyp="http://schemas.microsoft.com/office/drawing/2018/hyperlinkcolor">
-  <p:cSld>
-    <p:spTree>
-      <p:nvGrpSpPr>
-        <p:cNvPr id="155" name="Shape 155"/>
-        <p:cNvGrpSpPr/>
-        <p:nvPr/>
-      </p:nvGrpSpPr>
-      <p:grpSpPr>
-        <a:xfrm>
-          <a:off x="0" y="0"/>
-          <a:ext cx="0" cy="0"/>
-          <a:chOff x="0" y="0"/>
-          <a:chExt cx="0" cy="0"/>
-        </a:xfrm>
-      </p:grpSpPr>
-      <p:sp>
-        <p:nvSpPr>
-          <p:cNvPr id="156" name="Google Shape;156;p23"/>
-          <p:cNvSpPr txBox="1"/>
-          <p:nvPr/>
-        </p:nvSpPr>
-        <p:spPr>
-          <a:xfrm>
-            <a:off x="2668175" y="1221000"/>
-            <a:ext cx="3487200" cy="400200"/>
-          </a:xfrm>
-          <a:prstGeom prst="rect">
-            <a:avLst/>
-          </a:prstGeom>
-          <a:noFill/>
-          <a:ln>
-            <a:noFill/>
-          </a:ln>
-        </p:spPr>
-        <p:txBody>
-          <a:bodyPr anchorCtr="0" anchor="t" bIns="91425" lIns="91425" spcFirstLastPara="1" rIns="91425" wrap="square" tIns="91425">
-            <a:spAutoFit/>
-          </a:bodyPr>
-          <a:lstStyle/>
-          <a:p>
-            <a:pPr indent="0" lvl="0" marL="0" rtl="0" algn="l">
-              <a:spcBef>
-                <a:spcPts val="0"/>
-              </a:spcBef>
-              <a:spcAft>
-                <a:spcPts val="0"/>
-              </a:spcAft>
-              <a:buNone/>
-            </a:pPr>
-            <a:r>
-              <a:rPr lang="en-GB">
-                <a:latin typeface="Lato"/>
-                <a:ea typeface="Lato"/>
-                <a:cs typeface="Lato"/>
-                <a:sym typeface="Lato"/>
-              </a:rPr>
-              <a:t>The computer program </a:t>
-            </a:r>
-            <a:r>
-              <a:rPr b="1" lang="en-GB">
-                <a:latin typeface="Lato"/>
-                <a:ea typeface="Lato"/>
-                <a:cs typeface="Lato"/>
-                <a:sym typeface="Lato"/>
-              </a:rPr>
-              <a:t>A</a:t>
-            </a:r>
-            <a:r>
-              <a:rPr lang="en-GB">
-                <a:latin typeface="Lato"/>
-                <a:ea typeface="Lato"/>
-                <a:cs typeface="Lato"/>
-                <a:sym typeface="Lato"/>
-              </a:rPr>
-              <a:t> (the model) </a:t>
-            </a:r>
-            <a:endParaRPr>
-              <a:latin typeface="Lato"/>
-              <a:ea typeface="Lato"/>
-              <a:cs typeface="Lato"/>
-              <a:sym typeface="Lato"/>
-            </a:endParaRPr>
-          </a:p>
-        </p:txBody>
-      </p:sp>
-      <p:sp>
-        <p:nvSpPr>
-          <p:cNvPr id="157" name="Google Shape;157;p23"/>
           <p:cNvSpPr txBox="1"/>
           <p:nvPr/>
         </p:nvSpPr>
@@ -8979,7 +8965,7 @@
       </p:sp>
       <p:pic>
         <p:nvPicPr>
-          <p:cNvPr id="158" name="Google Shape;158;p23"/>
+          <p:cNvPr id="152" name="Google Shape;152;p22"/>
           <p:cNvPicPr preferRelativeResize="0"/>
           <p:nvPr/>
         </p:nvPicPr>
@@ -8993,8 +8979,8 @@
         </p:blipFill>
         <p:spPr>
           <a:xfrm>
-            <a:off x="1812650" y="1658925"/>
-            <a:ext cx="5089191" cy="3043474"/>
+            <a:off x="1769125" y="1666950"/>
+            <a:ext cx="5156800" cy="3083899"/>
           </a:xfrm>
           <a:prstGeom prst="rect">
             <a:avLst/>
@@ -9005,6 +8991,106 @@
           </a:ln>
         </p:spPr>
       </p:pic>
+    </p:spTree>
+  </p:cSld>
+  <p:clrMapOvr>
+    <a:masterClrMapping/>
+  </p:clrMapOvr>
+</p:sld>
+</file>
+
+<file path=ppt/slides/slide11.xml><?xml version="1.0" encoding="utf-8"?>
+<p:sld xmlns:a="http://schemas.openxmlformats.org/drawingml/2006/main" xmlns:r="http://schemas.openxmlformats.org/officeDocument/2006/relationships" xmlns:mc="http://schemas.openxmlformats.org/markup-compatibility/2006" xmlns:mv="urn:schemas-microsoft-com:mac:vml" xmlns:p="http://schemas.openxmlformats.org/presentationml/2006/main" xmlns:c="http://schemas.openxmlformats.org/drawingml/2006/chart" xmlns:dgm="http://schemas.openxmlformats.org/drawingml/2006/diagram" xmlns:o="urn:schemas-microsoft-com:office:office" xmlns:v="urn:schemas-microsoft-com:vml" xmlns:pvml="urn:schemas-microsoft-com:office:powerpoint" xmlns:com="http://schemas.openxmlformats.org/drawingml/2006/compatibility" xmlns:p14="http://schemas.microsoft.com/office/powerpoint/2010/main" xmlns:p15="http://schemas.microsoft.com/office/powerpoint/2012/main" xmlns:ahyp="http://schemas.microsoft.com/office/drawing/2018/hyperlinkcolor">
+  <p:cSld>
+    <p:spTree>
+      <p:nvGrpSpPr>
+        <p:cNvPr id="156" name="Shape 156"/>
+        <p:cNvGrpSpPr/>
+        <p:nvPr/>
+      </p:nvGrpSpPr>
+      <p:grpSpPr>
+        <a:xfrm>
+          <a:off x="0" y="0"/>
+          <a:ext cx="0" cy="0"/>
+          <a:chOff x="0" y="0"/>
+          <a:chExt cx="0" cy="0"/>
+        </a:xfrm>
+      </p:grpSpPr>
+      <p:pic>
+        <p:nvPicPr>
+          <p:cNvPr id="157" name="Google Shape;157;p23"/>
+          <p:cNvPicPr preferRelativeResize="0"/>
+          <p:nvPr/>
+        </p:nvPicPr>
+        <p:blipFill>
+          <a:blip r:embed="rId3">
+            <a:alphaModFix/>
+          </a:blip>
+          <a:stretch>
+            <a:fillRect/>
+          </a:stretch>
+        </p:blipFill>
+        <p:spPr>
+          <a:xfrm>
+            <a:off x="85800" y="1367525"/>
+            <a:ext cx="8973651" cy="3471575"/>
+          </a:xfrm>
+          <a:prstGeom prst="rect">
+            <a:avLst/>
+          </a:prstGeom>
+          <a:noFill/>
+          <a:ln>
+            <a:noFill/>
+          </a:ln>
+        </p:spPr>
+      </p:pic>
+      <p:sp>
+        <p:nvSpPr>
+          <p:cNvPr id="158" name="Google Shape;158;p23"/>
+          <p:cNvSpPr txBox="1"/>
+          <p:nvPr/>
+        </p:nvSpPr>
+        <p:spPr>
+          <a:xfrm>
+            <a:off x="699200" y="615875"/>
+            <a:ext cx="5776200" cy="431100"/>
+          </a:xfrm>
+          <a:prstGeom prst="rect">
+            <a:avLst/>
+          </a:prstGeom>
+          <a:noFill/>
+          <a:ln>
+            <a:noFill/>
+          </a:ln>
+        </p:spPr>
+        <p:txBody>
+          <a:bodyPr anchorCtr="0" anchor="t" bIns="91425" lIns="91425" spcFirstLastPara="1" rIns="91425" wrap="square" tIns="91425">
+            <a:spAutoFit/>
+          </a:bodyPr>
+          <a:lstStyle/>
+          <a:p>
+            <a:pPr indent="0" lvl="0" marL="0" rtl="0" algn="l">
+              <a:spcBef>
+                <a:spcPts val="0"/>
+              </a:spcBef>
+              <a:spcAft>
+                <a:spcPts val="0"/>
+              </a:spcAft>
+              <a:buNone/>
+            </a:pPr>
+            <a:r>
+              <a:rPr b="1" lang="en-GB" sz="1600">
+                <a:latin typeface="Lato"/>
+                <a:ea typeface="Lato"/>
+                <a:cs typeface="Lato"/>
+                <a:sym typeface="Lato"/>
+              </a:rPr>
+              <a:t>What types of models are there   ? </a:t>
+            </a:r>
+            <a:endParaRPr b="1" sz="1500"/>
+          </a:p>
+        </p:txBody>
+      </p:sp>
     </p:spTree>
   </p:cSld>
   <p:clrMapOvr>
@@ -9030,24 +9116,16 @@
           <a:chExt cx="0" cy="0"/>
         </a:xfrm>
       </p:grpSpPr>
-      <p:pic>
-        <p:nvPicPr>
+      <p:sp>
+        <p:nvSpPr>
           <p:cNvPr id="163" name="Google Shape;163;p24"/>
-          <p:cNvPicPr preferRelativeResize="0"/>
+          <p:cNvSpPr txBox="1"/>
           <p:nvPr/>
-        </p:nvPicPr>
-        <p:blipFill>
-          <a:blip r:embed="rId3">
-            <a:alphaModFix/>
-          </a:blip>
-          <a:stretch>
-            <a:fillRect/>
-          </a:stretch>
-        </p:blipFill>
+        </p:nvSpPr>
         <p:spPr>
           <a:xfrm>
-            <a:off x="85800" y="1367525"/>
-            <a:ext cx="4724876" cy="3085725"/>
+            <a:off x="2427300" y="1085075"/>
+            <a:ext cx="5536500" cy="400200"/>
           </a:xfrm>
           <a:prstGeom prst="rect">
             <a:avLst/>
@@ -9057,44 +9135,48 @@
             <a:noFill/>
           </a:ln>
         </p:spPr>
-      </p:pic>
-      <p:pic>
-        <p:nvPicPr>
-          <p:cNvPr id="164" name="Google Shape;164;p24"/>
-          <p:cNvPicPr preferRelativeResize="0"/>
-          <p:nvPr/>
-        </p:nvPicPr>
-        <p:blipFill>
-          <a:blip r:embed="rId4">
-            <a:alphaModFix/>
-          </a:blip>
-          <a:stretch>
-            <a:fillRect/>
-          </a:stretch>
-        </p:blipFill>
-        <p:spPr>
-          <a:xfrm>
-            <a:off x="4810675" y="1367525"/>
-            <a:ext cx="4203000" cy="3085725"/>
-          </a:xfrm>
-          <a:prstGeom prst="rect">
-            <a:avLst/>
-          </a:prstGeom>
-          <a:noFill/>
-          <a:ln>
-            <a:noFill/>
-          </a:ln>
-        </p:spPr>
-      </p:pic>
+        <p:txBody>
+          <a:bodyPr anchorCtr="0" anchor="t" bIns="91425" lIns="91425" spcFirstLastPara="1" rIns="91425" wrap="square" tIns="91425">
+            <a:spAutoFit/>
+          </a:bodyPr>
+          <a:lstStyle/>
+          <a:p>
+            <a:pPr indent="0" lvl="0" marL="0" rtl="0" algn="l">
+              <a:spcBef>
+                <a:spcPts val="0"/>
+              </a:spcBef>
+              <a:spcAft>
+                <a:spcPts val="0"/>
+              </a:spcAft>
+              <a:buNone/>
+            </a:pPr>
+            <a:r>
+              <a:rPr b="1" lang="en-GB">
+                <a:latin typeface="Lato"/>
+                <a:ea typeface="Lato"/>
+                <a:cs typeface="Lato"/>
+                <a:sym typeface="Lato"/>
+              </a:rPr>
+              <a:t>Connectionist Master Algorithm : Neural Network (Vanila) </a:t>
+            </a:r>
+            <a:endParaRPr b="1">
+              <a:latin typeface="Lato"/>
+              <a:ea typeface="Lato"/>
+              <a:cs typeface="Lato"/>
+              <a:sym typeface="Lato"/>
+            </a:endParaRPr>
+          </a:p>
+        </p:txBody>
+      </p:sp>
       <p:sp>
         <p:nvSpPr>
-          <p:cNvPr id="165" name="Google Shape;165;p24"/>
+          <p:cNvPr id="164" name="Google Shape;164;p24"/>
           <p:cNvSpPr txBox="1"/>
           <p:nvPr/>
         </p:nvSpPr>
         <p:spPr>
           <a:xfrm>
-            <a:off x="699200" y="615875"/>
+            <a:off x="665925" y="590900"/>
             <a:ext cx="5776200" cy="431100"/>
           </a:xfrm>
           <a:prstGeom prst="rect">
@@ -9127,7 +9209,16 @@
                 <a:cs typeface="Lato"/>
                 <a:sym typeface="Lato"/>
               </a:rPr>
-              <a:t>What types of models are there   ? </a:t>
+              <a:t>Models examples</a:t>
+            </a:r>
+            <a:r>
+              <a:rPr b="1" lang="en-GB" sz="1600">
+                <a:latin typeface="Lato"/>
+                <a:ea typeface="Lato"/>
+                <a:cs typeface="Lato"/>
+                <a:sym typeface="Lato"/>
+              </a:rPr>
+              <a:t> ? </a:t>
             </a:r>
             <a:endParaRPr b="1" sz="1500"/>
           </a:p>
@@ -9146,7 +9237,7 @@
   <p:cSld>
     <p:spTree>
       <p:nvGrpSpPr>
-        <p:cNvPr id="169" name="Shape 169"/>
+        <p:cNvPr id="168" name="Shape 168"/>
         <p:cNvGrpSpPr/>
         <p:nvPr/>
       </p:nvGrpSpPr>
@@ -9160,13 +9251,13 @@
       </p:grpSpPr>
       <p:sp>
         <p:nvSpPr>
-          <p:cNvPr id="170" name="Google Shape;170;p25"/>
+          <p:cNvPr id="169" name="Google Shape;169;p25"/>
           <p:cNvSpPr txBox="1"/>
           <p:nvPr/>
         </p:nvSpPr>
         <p:spPr>
           <a:xfrm>
-            <a:off x="2283225" y="1007600"/>
+            <a:off x="2260450" y="871050"/>
             <a:ext cx="4727400" cy="400200"/>
           </a:xfrm>
           <a:prstGeom prst="rect">
@@ -9193,7 +9284,7 @@
               <a:buNone/>
             </a:pPr>
             <a:r>
-              <a:rPr lang="en-GB">
+              <a:rPr b="1" lang="en-GB">
                 <a:latin typeface="Lato"/>
                 <a:ea typeface="Lato"/>
                 <a:cs typeface="Lato"/>
@@ -9202,7 +9293,7 @@
               <a:t>Analogizers Master Algorithm : </a:t>
             </a:r>
             <a:r>
-              <a:rPr lang="en-GB">
+              <a:rPr b="1" lang="en-GB">
                 <a:latin typeface="Lato"/>
                 <a:ea typeface="Lato"/>
                 <a:cs typeface="Lato"/>
@@ -9211,7 +9302,7 @@
               <a:t>Support</a:t>
             </a:r>
             <a:r>
-              <a:rPr lang="en-GB">
+              <a:rPr b="1" lang="en-GB">
                 <a:latin typeface="Lato"/>
                 <a:ea typeface="Lato"/>
                 <a:cs typeface="Lato"/>
@@ -9219,7 +9310,7 @@
               </a:rPr>
               <a:t> Vector machine  </a:t>
             </a:r>
-            <a:endParaRPr>
+            <a:endParaRPr b="1">
               <a:latin typeface="Lato"/>
               <a:ea typeface="Lato"/>
               <a:cs typeface="Lato"/>
@@ -9230,13 +9321,13 @@
       </p:sp>
       <p:sp>
         <p:nvSpPr>
-          <p:cNvPr id="171" name="Google Shape;171;p25"/>
+          <p:cNvPr id="170" name="Google Shape;170;p25"/>
           <p:cNvSpPr txBox="1"/>
           <p:nvPr/>
         </p:nvSpPr>
         <p:spPr>
           <a:xfrm>
-            <a:off x="699200" y="615875"/>
+            <a:off x="377300" y="561350"/>
             <a:ext cx="5776200" cy="431100"/>
           </a:xfrm>
           <a:prstGeom prst="rect">
@@ -9272,6 +9363,460 @@
               <a:t>Models examples ? </a:t>
             </a:r>
             <a:endParaRPr b="1" sz="1500"/>
+          </a:p>
+        </p:txBody>
+      </p:sp>
+      <p:sp>
+        <p:nvSpPr>
+          <p:cNvPr id="171" name="Google Shape;171;p25"/>
+          <p:cNvSpPr txBox="1"/>
+          <p:nvPr/>
+        </p:nvSpPr>
+        <p:spPr>
+          <a:xfrm>
+            <a:off x="377300" y="1362475"/>
+            <a:ext cx="8208600" cy="2770500"/>
+          </a:xfrm>
+          <a:prstGeom prst="rect">
+            <a:avLst/>
+          </a:prstGeom>
+          <a:noFill/>
+          <a:ln>
+            <a:noFill/>
+          </a:ln>
+        </p:spPr>
+        <p:txBody>
+          <a:bodyPr anchorCtr="0" anchor="t" bIns="91425" lIns="91425" spcFirstLastPara="1" rIns="91425" wrap="square" tIns="91425">
+            <a:spAutoFit/>
+          </a:bodyPr>
+          <a:lstStyle/>
+          <a:p>
+            <a:pPr indent="-317500" lvl="0" marL="457200" rtl="0" algn="l">
+              <a:lnSpc>
+                <a:spcPct val="100000"/>
+              </a:lnSpc>
+              <a:spcBef>
+                <a:spcPts val="0"/>
+              </a:spcBef>
+              <a:spcAft>
+                <a:spcPts val="0"/>
+              </a:spcAft>
+              <a:buSzPts val="1400"/>
+              <a:buFont typeface="Lato"/>
+              <a:buChar char="●"/>
+            </a:pPr>
+            <a:r>
+              <a:rPr lang="en-GB">
+                <a:latin typeface="Lato"/>
+                <a:ea typeface="Lato"/>
+                <a:cs typeface="Lato"/>
+                <a:sym typeface="Lato"/>
+              </a:rPr>
+              <a:t>What is a Support vector </a:t>
+            </a:r>
+            <a:r>
+              <a:rPr lang="en-GB">
+                <a:latin typeface="Lato"/>
+                <a:ea typeface="Lato"/>
+                <a:cs typeface="Lato"/>
+                <a:sym typeface="Lato"/>
+              </a:rPr>
+              <a:t>machine</a:t>
+            </a:r>
+            <a:r>
+              <a:rPr lang="en-GB">
+                <a:latin typeface="Lato"/>
+                <a:ea typeface="Lato"/>
+                <a:cs typeface="Lato"/>
+                <a:sym typeface="Lato"/>
+              </a:rPr>
+              <a:t> ?</a:t>
+            </a:r>
+            <a:endParaRPr>
+              <a:latin typeface="Lato"/>
+              <a:ea typeface="Lato"/>
+              <a:cs typeface="Lato"/>
+              <a:sym typeface="Lato"/>
+            </a:endParaRPr>
+          </a:p>
+          <a:p>
+            <a:pPr indent="-317500" lvl="1" marL="914400" rtl="0" algn="l">
+              <a:lnSpc>
+                <a:spcPct val="100000"/>
+              </a:lnSpc>
+              <a:spcBef>
+                <a:spcPts val="0"/>
+              </a:spcBef>
+              <a:spcAft>
+                <a:spcPts val="0"/>
+              </a:spcAft>
+              <a:buSzPts val="1400"/>
+              <a:buFont typeface="Lato"/>
+              <a:buChar char="○"/>
+            </a:pPr>
+            <a:r>
+              <a:rPr lang="en-GB">
+                <a:latin typeface="Lato"/>
+                <a:ea typeface="Lato"/>
+                <a:cs typeface="Lato"/>
+                <a:sym typeface="Lato"/>
+              </a:rPr>
+              <a:t>Developed by Rosenblatt at AT&amp;T in 1958</a:t>
+            </a:r>
+            <a:endParaRPr>
+              <a:latin typeface="Lato"/>
+              <a:ea typeface="Lato"/>
+              <a:cs typeface="Lato"/>
+              <a:sym typeface="Lato"/>
+            </a:endParaRPr>
+          </a:p>
+          <a:p>
+            <a:pPr indent="-317500" lvl="1" marL="914400" rtl="0" algn="l">
+              <a:lnSpc>
+                <a:spcPct val="100000"/>
+              </a:lnSpc>
+              <a:spcBef>
+                <a:spcPts val="0"/>
+              </a:spcBef>
+              <a:spcAft>
+                <a:spcPts val="0"/>
+              </a:spcAft>
+              <a:buSzPts val="1400"/>
+              <a:buFont typeface="Lato"/>
+              <a:buChar char="○"/>
+            </a:pPr>
+            <a:r>
+              <a:rPr lang="en-GB">
+                <a:latin typeface="Lato"/>
+                <a:ea typeface="Lato"/>
+                <a:cs typeface="Lato"/>
+                <a:sym typeface="Lato"/>
+              </a:rPr>
+              <a:t>It uses a support vectors to calibrate </a:t>
+            </a:r>
+            <a:r>
+              <a:rPr lang="en-GB">
+                <a:latin typeface="Lato"/>
+                <a:ea typeface="Lato"/>
+                <a:cs typeface="Lato"/>
+                <a:sym typeface="Lato"/>
+              </a:rPr>
+              <a:t>the dividing hyperplane</a:t>
+            </a:r>
+            <a:endParaRPr>
+              <a:latin typeface="Lato"/>
+              <a:ea typeface="Lato"/>
+              <a:cs typeface="Lato"/>
+              <a:sym typeface="Lato"/>
+            </a:endParaRPr>
+          </a:p>
+          <a:p>
+            <a:pPr indent="0" lvl="0" marL="0" rtl="0" algn="l">
+              <a:lnSpc>
+                <a:spcPct val="100000"/>
+              </a:lnSpc>
+              <a:spcBef>
+                <a:spcPts val="0"/>
+              </a:spcBef>
+              <a:spcAft>
+                <a:spcPts val="0"/>
+              </a:spcAft>
+              <a:buNone/>
+            </a:pPr>
+            <a:r>
+              <a:t/>
+            </a:r>
+            <a:endParaRPr>
+              <a:latin typeface="Lato"/>
+              <a:ea typeface="Lato"/>
+              <a:cs typeface="Lato"/>
+              <a:sym typeface="Lato"/>
+            </a:endParaRPr>
+          </a:p>
+          <a:p>
+            <a:pPr indent="-317500" lvl="0" marL="457200" rtl="0" algn="l">
+              <a:lnSpc>
+                <a:spcPct val="100000"/>
+              </a:lnSpc>
+              <a:spcBef>
+                <a:spcPts val="0"/>
+              </a:spcBef>
+              <a:spcAft>
+                <a:spcPts val="0"/>
+              </a:spcAft>
+              <a:buSzPts val="1400"/>
+              <a:buFont typeface="Lato"/>
+              <a:buChar char="●"/>
+            </a:pPr>
+            <a:r>
+              <a:rPr lang="en-GB">
+                <a:latin typeface="Lato"/>
+                <a:ea typeface="Lato"/>
+                <a:cs typeface="Lato"/>
+                <a:sym typeface="Lato"/>
+              </a:rPr>
+              <a:t>Intuition</a:t>
+            </a:r>
+            <a:r>
+              <a:rPr lang="en-GB">
+                <a:latin typeface="Lato"/>
+                <a:ea typeface="Lato"/>
+                <a:cs typeface="Lato"/>
+                <a:sym typeface="Lato"/>
+              </a:rPr>
+              <a:t> that it hinges on ? and h</a:t>
+            </a:r>
+            <a:r>
+              <a:rPr lang="en-GB">
+                <a:latin typeface="Lato"/>
+                <a:ea typeface="Lato"/>
+                <a:cs typeface="Lato"/>
+                <a:sym typeface="Lato"/>
+              </a:rPr>
+              <a:t>ow it differs from </a:t>
+            </a:r>
+            <a:r>
+              <a:rPr lang="en-GB">
+                <a:latin typeface="Lato"/>
+                <a:ea typeface="Lato"/>
+                <a:cs typeface="Lato"/>
+                <a:sym typeface="Lato"/>
+              </a:rPr>
+              <a:t>  other models ?</a:t>
+            </a:r>
+            <a:endParaRPr>
+              <a:latin typeface="Lato"/>
+              <a:ea typeface="Lato"/>
+              <a:cs typeface="Lato"/>
+              <a:sym typeface="Lato"/>
+            </a:endParaRPr>
+          </a:p>
+          <a:p>
+            <a:pPr indent="-317500" lvl="1" marL="914400" rtl="0" algn="l">
+              <a:lnSpc>
+                <a:spcPct val="100000"/>
+              </a:lnSpc>
+              <a:spcBef>
+                <a:spcPts val="0"/>
+              </a:spcBef>
+              <a:spcAft>
+                <a:spcPts val="0"/>
+              </a:spcAft>
+              <a:buSzPts val="1400"/>
+              <a:buFont typeface="Lato"/>
+              <a:buChar char="○"/>
+            </a:pPr>
+            <a:r>
+              <a:rPr lang="en-GB">
+                <a:latin typeface="Lato"/>
+                <a:ea typeface="Lato"/>
+                <a:cs typeface="Lato"/>
+                <a:sym typeface="Lato"/>
+              </a:rPr>
+              <a:t>Non-probabilistic Geometric loss function </a:t>
+            </a:r>
+            <a:endParaRPr>
+              <a:latin typeface="Lato"/>
+              <a:ea typeface="Lato"/>
+              <a:cs typeface="Lato"/>
+              <a:sym typeface="Lato"/>
+            </a:endParaRPr>
+          </a:p>
+          <a:p>
+            <a:pPr indent="-317500" lvl="1" marL="914400" rtl="0" algn="l">
+              <a:lnSpc>
+                <a:spcPct val="100000"/>
+              </a:lnSpc>
+              <a:spcBef>
+                <a:spcPts val="0"/>
+              </a:spcBef>
+              <a:spcAft>
+                <a:spcPts val="0"/>
+              </a:spcAft>
+              <a:buSzPts val="1400"/>
+              <a:buFont typeface="Lato"/>
+              <a:buChar char="○"/>
+            </a:pPr>
+            <a:r>
+              <a:rPr lang="en-GB">
+                <a:latin typeface="Lato"/>
+                <a:ea typeface="Lato"/>
+                <a:cs typeface="Lato"/>
+                <a:sym typeface="Lato"/>
+              </a:rPr>
+              <a:t>Maximizing margins(support vectors) between the classes </a:t>
+            </a:r>
+            <a:endParaRPr>
+              <a:latin typeface="Lato"/>
+              <a:ea typeface="Lato"/>
+              <a:cs typeface="Lato"/>
+              <a:sym typeface="Lato"/>
+            </a:endParaRPr>
+          </a:p>
+          <a:p>
+            <a:pPr indent="0" lvl="0" marL="0" rtl="0" algn="l">
+              <a:lnSpc>
+                <a:spcPct val="100000"/>
+              </a:lnSpc>
+              <a:spcBef>
+                <a:spcPts val="0"/>
+              </a:spcBef>
+              <a:spcAft>
+                <a:spcPts val="0"/>
+              </a:spcAft>
+              <a:buNone/>
+            </a:pPr>
+            <a:r>
+              <a:t/>
+            </a:r>
+            <a:endParaRPr>
+              <a:latin typeface="Lato"/>
+              <a:ea typeface="Lato"/>
+              <a:cs typeface="Lato"/>
+              <a:sym typeface="Lato"/>
+            </a:endParaRPr>
+          </a:p>
+          <a:p>
+            <a:pPr indent="-317500" lvl="0" marL="457200" rtl="0" algn="l">
+              <a:lnSpc>
+                <a:spcPct val="100000"/>
+              </a:lnSpc>
+              <a:spcBef>
+                <a:spcPts val="0"/>
+              </a:spcBef>
+              <a:spcAft>
+                <a:spcPts val="0"/>
+              </a:spcAft>
+              <a:buSzPts val="1400"/>
+              <a:buFont typeface="Lato"/>
+              <a:buChar char="●"/>
+            </a:pPr>
+            <a:r>
+              <a:rPr lang="en-GB">
+                <a:latin typeface="Lato"/>
+                <a:ea typeface="Lato"/>
+                <a:cs typeface="Lato"/>
+                <a:sym typeface="Lato"/>
+              </a:rPr>
+              <a:t> What’s the use cases of it  ?</a:t>
+            </a:r>
+            <a:endParaRPr>
+              <a:latin typeface="Lato"/>
+              <a:ea typeface="Lato"/>
+              <a:cs typeface="Lato"/>
+              <a:sym typeface="Lato"/>
+            </a:endParaRPr>
+          </a:p>
+          <a:p>
+            <a:pPr indent="-317500" lvl="1" marL="914400" rtl="0" algn="l">
+              <a:lnSpc>
+                <a:spcPct val="100000"/>
+              </a:lnSpc>
+              <a:spcBef>
+                <a:spcPts val="0"/>
+              </a:spcBef>
+              <a:spcAft>
+                <a:spcPts val="0"/>
+              </a:spcAft>
+              <a:buSzPts val="1400"/>
+              <a:buFont typeface="Lato"/>
+              <a:buChar char="○"/>
+            </a:pPr>
+            <a:r>
+              <a:rPr lang="en-GB">
+                <a:latin typeface="Lato"/>
+                <a:ea typeface="Lato"/>
+                <a:cs typeface="Lato"/>
+                <a:sym typeface="Lato"/>
+              </a:rPr>
+              <a:t>Regression and classification and even unsupervised learning</a:t>
+            </a:r>
+            <a:endParaRPr>
+              <a:latin typeface="Lato"/>
+              <a:ea typeface="Lato"/>
+              <a:cs typeface="Lato"/>
+              <a:sym typeface="Lato"/>
+            </a:endParaRPr>
+          </a:p>
+          <a:p>
+            <a:pPr indent="-317500" lvl="1" marL="914400" rtl="0" algn="l">
+              <a:lnSpc>
+                <a:spcPct val="100000"/>
+              </a:lnSpc>
+              <a:spcBef>
+                <a:spcPts val="0"/>
+              </a:spcBef>
+              <a:spcAft>
+                <a:spcPts val="0"/>
+              </a:spcAft>
+              <a:buSzPts val="1400"/>
+              <a:buFont typeface="Lato"/>
+              <a:buChar char="○"/>
+            </a:pPr>
+            <a:r>
+              <a:rPr lang="en-GB">
+                <a:latin typeface="Lato"/>
+                <a:ea typeface="Lato"/>
+                <a:cs typeface="Lato"/>
+                <a:sym typeface="Lato"/>
+              </a:rPr>
+              <a:t>It’s simpler and works better with less data, compared to the </a:t>
+            </a:r>
+            <a:r>
+              <a:rPr lang="en-GB">
+                <a:latin typeface="Lato"/>
+                <a:ea typeface="Lato"/>
+                <a:cs typeface="Lato"/>
+                <a:sym typeface="Lato"/>
+              </a:rPr>
+              <a:t>amount</a:t>
+            </a:r>
+            <a:r>
+              <a:rPr lang="en-GB">
+                <a:latin typeface="Lato"/>
+                <a:ea typeface="Lato"/>
+                <a:cs typeface="Lato"/>
+                <a:sym typeface="Lato"/>
+              </a:rPr>
+              <a:t> of data needed for NN  </a:t>
+            </a:r>
+            <a:endParaRPr>
+              <a:latin typeface="Lato"/>
+              <a:ea typeface="Lato"/>
+              <a:cs typeface="Lato"/>
+              <a:sym typeface="Lato"/>
+            </a:endParaRPr>
+          </a:p>
+          <a:p>
+            <a:pPr indent="-317500" lvl="1" marL="914400" rtl="0" algn="l">
+              <a:lnSpc>
+                <a:spcPct val="100000"/>
+              </a:lnSpc>
+              <a:spcBef>
+                <a:spcPts val="0"/>
+              </a:spcBef>
+              <a:spcAft>
+                <a:spcPts val="0"/>
+              </a:spcAft>
+              <a:buSzPts val="1400"/>
+              <a:buFont typeface="Lato"/>
+              <a:buChar char="○"/>
+            </a:pPr>
+            <a:r>
+              <a:rPr lang="en-GB">
+                <a:latin typeface="Lato"/>
+                <a:ea typeface="Lato"/>
+                <a:cs typeface="Lato"/>
+                <a:sym typeface="Lato"/>
+              </a:rPr>
+              <a:t>It does not work well on data sets with a lot of noise</a:t>
+            </a:r>
+            <a:endParaRPr>
+              <a:latin typeface="Lato"/>
+              <a:ea typeface="Lato"/>
+              <a:cs typeface="Lato"/>
+              <a:sym typeface="Lato"/>
+            </a:endParaRPr>
           </a:p>
         </p:txBody>
       </p:sp>
@@ -9308,184 +9853,6 @@
         </p:nvSpPr>
         <p:spPr>
           <a:xfrm>
-            <a:off x="2427300" y="1085075"/>
-            <a:ext cx="4727400" cy="400200"/>
-          </a:xfrm>
-          <a:prstGeom prst="rect">
-            <a:avLst/>
-          </a:prstGeom>
-          <a:noFill/>
-          <a:ln>
-            <a:noFill/>
-          </a:ln>
-        </p:spPr>
-        <p:txBody>
-          <a:bodyPr anchorCtr="0" anchor="t" bIns="91425" lIns="91425" spcFirstLastPara="1" rIns="91425" wrap="square" tIns="91425">
-            <a:spAutoFit/>
-          </a:bodyPr>
-          <a:lstStyle/>
-          <a:p>
-            <a:pPr indent="0" lvl="0" marL="0" rtl="0" algn="l">
-              <a:spcBef>
-                <a:spcPts val="0"/>
-              </a:spcBef>
-              <a:spcAft>
-                <a:spcPts val="0"/>
-              </a:spcAft>
-              <a:buNone/>
-            </a:pPr>
-            <a:r>
-              <a:rPr lang="en-GB">
-                <a:latin typeface="Lato"/>
-                <a:ea typeface="Lato"/>
-                <a:cs typeface="Lato"/>
-                <a:sym typeface="Lato"/>
-              </a:rPr>
-              <a:t>Connectionist Master Algorithm : Neural Network </a:t>
-            </a:r>
-            <a:endParaRPr>
-              <a:latin typeface="Lato"/>
-              <a:ea typeface="Lato"/>
-              <a:cs typeface="Lato"/>
-              <a:sym typeface="Lato"/>
-            </a:endParaRPr>
-          </a:p>
-        </p:txBody>
-      </p:sp>
-      <p:sp>
-        <p:nvSpPr>
-          <p:cNvPr id="177" name="Google Shape;177;p26"/>
-          <p:cNvSpPr txBox="1"/>
-          <p:nvPr/>
-        </p:nvSpPr>
-        <p:spPr>
-          <a:xfrm>
-            <a:off x="665925" y="590900"/>
-            <a:ext cx="5776200" cy="431100"/>
-          </a:xfrm>
-          <a:prstGeom prst="rect">
-            <a:avLst/>
-          </a:prstGeom>
-          <a:noFill/>
-          <a:ln>
-            <a:noFill/>
-          </a:ln>
-        </p:spPr>
-        <p:txBody>
-          <a:bodyPr anchorCtr="0" anchor="t" bIns="91425" lIns="91425" spcFirstLastPara="1" rIns="91425" wrap="square" tIns="91425">
-            <a:spAutoFit/>
-          </a:bodyPr>
-          <a:lstStyle/>
-          <a:p>
-            <a:pPr indent="0" lvl="0" marL="0" rtl="0" algn="l">
-              <a:spcBef>
-                <a:spcPts val="0"/>
-              </a:spcBef>
-              <a:spcAft>
-                <a:spcPts val="0"/>
-              </a:spcAft>
-              <a:buNone/>
-            </a:pPr>
-            <a:r>
-              <a:rPr b="1" lang="en-GB" sz="1600">
-                <a:latin typeface="Lato"/>
-                <a:ea typeface="Lato"/>
-                <a:cs typeface="Lato"/>
-                <a:sym typeface="Lato"/>
-              </a:rPr>
-              <a:t>Models examples</a:t>
-            </a:r>
-            <a:r>
-              <a:rPr b="1" lang="en-GB" sz="1600">
-                <a:latin typeface="Lato"/>
-                <a:ea typeface="Lato"/>
-                <a:cs typeface="Lato"/>
-                <a:sym typeface="Lato"/>
-              </a:rPr>
-              <a:t> ? </a:t>
-            </a:r>
-            <a:endParaRPr b="1" sz="1500"/>
-          </a:p>
-        </p:txBody>
-      </p:sp>
-      <p:sp>
-        <p:nvSpPr>
-          <p:cNvPr id="178" name="Google Shape;178;p26"/>
-          <p:cNvSpPr txBox="1"/>
-          <p:nvPr/>
-        </p:nvSpPr>
-        <p:spPr>
-          <a:xfrm>
-            <a:off x="3012850" y="1631275"/>
-            <a:ext cx="3000000" cy="323100"/>
-          </a:xfrm>
-          <a:prstGeom prst="rect">
-            <a:avLst/>
-          </a:prstGeom>
-          <a:noFill/>
-          <a:ln>
-            <a:noFill/>
-          </a:ln>
-        </p:spPr>
-        <p:txBody>
-          <a:bodyPr anchorCtr="0" anchor="t" bIns="91425" lIns="91425" spcFirstLastPara="1" rIns="91425" wrap="square" tIns="91425">
-            <a:spAutoFit/>
-          </a:bodyPr>
-          <a:lstStyle/>
-          <a:p>
-            <a:pPr indent="0" lvl="0" marL="0" rtl="0" algn="l">
-              <a:lnSpc>
-                <a:spcPct val="115000"/>
-              </a:lnSpc>
-              <a:spcBef>
-                <a:spcPts val="0"/>
-              </a:spcBef>
-              <a:spcAft>
-                <a:spcPts val="0"/>
-              </a:spcAft>
-              <a:buNone/>
-            </a:pPr>
-            <a:r>
-              <a:rPr b="1" lang="en-GB" sz="900"/>
-              <a:t>Vanilla neural network </a:t>
-            </a:r>
-            <a:endParaRPr sz="900"/>
-          </a:p>
-        </p:txBody>
-      </p:sp>
-    </p:spTree>
-  </p:cSld>
-  <p:clrMapOvr>
-    <a:masterClrMapping/>
-  </p:clrMapOvr>
-</p:sld>
-</file>
-
-<file path=ppt/slides/slide15.xml><?xml version="1.0" encoding="utf-8"?>
-<p:sld xmlns:a="http://schemas.openxmlformats.org/drawingml/2006/main" xmlns:r="http://schemas.openxmlformats.org/officeDocument/2006/relationships" xmlns:mc="http://schemas.openxmlformats.org/markup-compatibility/2006" xmlns:mv="urn:schemas-microsoft-com:mac:vml" xmlns:p="http://schemas.openxmlformats.org/presentationml/2006/main" xmlns:c="http://schemas.openxmlformats.org/drawingml/2006/chart" xmlns:dgm="http://schemas.openxmlformats.org/drawingml/2006/diagram" xmlns:o="urn:schemas-microsoft-com:office:office" xmlns:v="urn:schemas-microsoft-com:vml" xmlns:pvml="urn:schemas-microsoft-com:office:powerpoint" xmlns:com="http://schemas.openxmlformats.org/drawingml/2006/compatibility" xmlns:p14="http://schemas.microsoft.com/office/powerpoint/2010/main" xmlns:p15="http://schemas.microsoft.com/office/powerpoint/2012/main" xmlns:ahyp="http://schemas.microsoft.com/office/drawing/2018/hyperlinkcolor">
-  <p:cSld>
-    <p:spTree>
-      <p:nvGrpSpPr>
-        <p:cNvPr id="182" name="Shape 182"/>
-        <p:cNvGrpSpPr/>
-        <p:nvPr/>
-      </p:nvGrpSpPr>
-      <p:grpSpPr>
-        <a:xfrm>
-          <a:off x="0" y="0"/>
-          <a:ext cx="0" cy="0"/>
-          <a:chOff x="0" y="0"/>
-          <a:chExt cx="0" cy="0"/>
-        </a:xfrm>
-      </p:grpSpPr>
-      <p:sp>
-        <p:nvSpPr>
-          <p:cNvPr id="183" name="Google Shape;183;p27"/>
-          <p:cNvSpPr txBox="1"/>
-          <p:nvPr/>
-        </p:nvSpPr>
-        <p:spPr>
-          <a:xfrm>
             <a:off x="2266575" y="1113500"/>
             <a:ext cx="6439200" cy="400200"/>
           </a:xfrm>
@@ -9513,7 +9880,7 @@
               <a:buNone/>
             </a:pPr>
             <a:r>
-              <a:rPr lang="en-GB">
+              <a:rPr b="1" lang="en-GB">
                 <a:latin typeface="Lato"/>
                 <a:ea typeface="Lato"/>
                 <a:cs typeface="Lato"/>
@@ -9522,7 +9889,7 @@
               <a:t>Evolutionaries</a:t>
             </a:r>
             <a:r>
-              <a:rPr lang="en-GB">
+              <a:rPr b="1" lang="en-GB">
                 <a:latin typeface="Lato"/>
                 <a:ea typeface="Lato"/>
                 <a:cs typeface="Lato"/>
@@ -9530,7 +9897,7 @@
               </a:rPr>
               <a:t> Master Algorithm : (pick a genetic algorithm)</a:t>
             </a:r>
-            <a:endParaRPr>
+            <a:endParaRPr b="1">
               <a:latin typeface="Lato"/>
               <a:ea typeface="Lato"/>
               <a:cs typeface="Lato"/>
@@ -9541,7 +9908,7 @@
       </p:sp>
       <p:sp>
         <p:nvSpPr>
-          <p:cNvPr id="184" name="Google Shape;184;p27"/>
+          <p:cNvPr id="177" name="Google Shape;177;p26"/>
           <p:cNvSpPr txBox="1"/>
           <p:nvPr/>
         </p:nvSpPr>
@@ -9594,12 +9961,12 @@
 </p:sld>
 </file>
 
-<file path=ppt/slides/slide16.xml><?xml version="1.0" encoding="utf-8"?>
+<file path=ppt/slides/slide15.xml><?xml version="1.0" encoding="utf-8"?>
 <p:sld xmlns:a="http://schemas.openxmlformats.org/drawingml/2006/main" xmlns:r="http://schemas.openxmlformats.org/officeDocument/2006/relationships" xmlns:mc="http://schemas.openxmlformats.org/markup-compatibility/2006" xmlns:mv="urn:schemas-microsoft-com:mac:vml" xmlns:p="http://schemas.openxmlformats.org/presentationml/2006/main" xmlns:c="http://schemas.openxmlformats.org/drawingml/2006/chart" xmlns:dgm="http://schemas.openxmlformats.org/drawingml/2006/diagram" xmlns:o="urn:schemas-microsoft-com:office:office" xmlns:v="urn:schemas-microsoft-com:vml" xmlns:pvml="urn:schemas-microsoft-com:office:powerpoint" xmlns:com="http://schemas.openxmlformats.org/drawingml/2006/compatibility" xmlns:p14="http://schemas.microsoft.com/office/powerpoint/2010/main" xmlns:p15="http://schemas.microsoft.com/office/powerpoint/2012/main" xmlns:ahyp="http://schemas.microsoft.com/office/drawing/2018/hyperlinkcolor">
   <p:cSld>
     <p:spTree>
       <p:nvGrpSpPr>
-        <p:cNvPr id="188" name="Shape 188"/>
+        <p:cNvPr id="181" name="Shape 181"/>
         <p:cNvGrpSpPr/>
         <p:nvPr/>
       </p:nvGrpSpPr>
@@ -9613,7 +9980,149 @@
       </p:grpSpPr>
       <p:sp>
         <p:nvSpPr>
-          <p:cNvPr id="189" name="Google Shape;189;p28"/>
+          <p:cNvPr id="182" name="Google Shape;182;p27"/>
+          <p:cNvSpPr txBox="1"/>
+          <p:nvPr/>
+        </p:nvSpPr>
+        <p:spPr>
+          <a:xfrm>
+            <a:off x="2668175" y="1221000"/>
+            <a:ext cx="3487200" cy="400200"/>
+          </a:xfrm>
+          <a:prstGeom prst="rect">
+            <a:avLst/>
+          </a:prstGeom>
+          <a:noFill/>
+          <a:ln>
+            <a:noFill/>
+          </a:ln>
+        </p:spPr>
+        <p:txBody>
+          <a:bodyPr anchorCtr="0" anchor="t" bIns="91425" lIns="91425" spcFirstLastPara="1" rIns="91425" wrap="square" tIns="91425">
+            <a:spAutoFit/>
+          </a:bodyPr>
+          <a:lstStyle/>
+          <a:p>
+            <a:pPr indent="0" lvl="0" marL="0" rtl="0" algn="ctr">
+              <a:spcBef>
+                <a:spcPts val="0"/>
+              </a:spcBef>
+              <a:spcAft>
+                <a:spcPts val="0"/>
+              </a:spcAft>
+              <a:buNone/>
+            </a:pPr>
+            <a:r>
+              <a:rPr b="1" lang="en-GB">
+                <a:latin typeface="Lato"/>
+                <a:ea typeface="Lato"/>
+                <a:cs typeface="Lato"/>
+                <a:sym typeface="Lato"/>
+              </a:rPr>
+              <a:t>Bias </a:t>
+            </a:r>
+            <a:r>
+              <a:rPr b="1" lang="en-GB">
+                <a:latin typeface="Lato"/>
+                <a:ea typeface="Lato"/>
+                <a:cs typeface="Lato"/>
+                <a:sym typeface="Lato"/>
+              </a:rPr>
+              <a:t>vs </a:t>
+            </a:r>
+            <a:r>
+              <a:rPr b="1" lang="en-GB">
+                <a:latin typeface="Lato"/>
+                <a:ea typeface="Lato"/>
+                <a:cs typeface="Lato"/>
+                <a:sym typeface="Lato"/>
+              </a:rPr>
+              <a:t>variance tradeoff</a:t>
+            </a:r>
+            <a:endParaRPr b="1">
+              <a:latin typeface="Lato"/>
+              <a:ea typeface="Lato"/>
+              <a:cs typeface="Lato"/>
+              <a:sym typeface="Lato"/>
+            </a:endParaRPr>
+          </a:p>
+        </p:txBody>
+      </p:sp>
+      <p:sp>
+        <p:nvSpPr>
+          <p:cNvPr id="183" name="Google Shape;183;p27"/>
+          <p:cNvSpPr txBox="1"/>
+          <p:nvPr/>
+        </p:nvSpPr>
+        <p:spPr>
+          <a:xfrm>
+            <a:off x="682475" y="615875"/>
+            <a:ext cx="4153200" cy="431100"/>
+          </a:xfrm>
+          <a:prstGeom prst="rect">
+            <a:avLst/>
+          </a:prstGeom>
+          <a:noFill/>
+          <a:ln>
+            <a:noFill/>
+          </a:ln>
+        </p:spPr>
+        <p:txBody>
+          <a:bodyPr anchorCtr="0" anchor="t" bIns="91425" lIns="91425" spcFirstLastPara="1" rIns="91425" wrap="square" tIns="91425">
+            <a:spAutoFit/>
+          </a:bodyPr>
+          <a:lstStyle/>
+          <a:p>
+            <a:pPr indent="0" lvl="0" marL="0" rtl="0" algn="l">
+              <a:spcBef>
+                <a:spcPts val="0"/>
+              </a:spcBef>
+              <a:spcAft>
+                <a:spcPts val="0"/>
+              </a:spcAft>
+              <a:buNone/>
+            </a:pPr>
+            <a:r>
+              <a:rPr b="1" lang="en-GB" sz="1600">
+                <a:latin typeface="Lato"/>
+                <a:ea typeface="Lato"/>
+                <a:cs typeface="Lato"/>
+                <a:sym typeface="Lato"/>
+              </a:rPr>
+              <a:t>What is machine learning  ? </a:t>
+            </a:r>
+            <a:endParaRPr b="1" sz="1500"/>
+          </a:p>
+        </p:txBody>
+      </p:sp>
+    </p:spTree>
+  </p:cSld>
+  <p:clrMapOvr>
+    <a:masterClrMapping/>
+  </p:clrMapOvr>
+</p:sld>
+</file>
+
+<file path=ppt/slides/slide16.xml><?xml version="1.0" encoding="utf-8"?>
+<p:sld xmlns:a="http://schemas.openxmlformats.org/drawingml/2006/main" xmlns:r="http://schemas.openxmlformats.org/officeDocument/2006/relationships" xmlns:mc="http://schemas.openxmlformats.org/markup-compatibility/2006" xmlns:mv="urn:schemas-microsoft-com:mac:vml" xmlns:p="http://schemas.openxmlformats.org/presentationml/2006/main" xmlns:c="http://schemas.openxmlformats.org/drawingml/2006/chart" xmlns:dgm="http://schemas.openxmlformats.org/drawingml/2006/diagram" xmlns:o="urn:schemas-microsoft-com:office:office" xmlns:v="urn:schemas-microsoft-com:vml" xmlns:pvml="urn:schemas-microsoft-com:office:powerpoint" xmlns:com="http://schemas.openxmlformats.org/drawingml/2006/compatibility" xmlns:p14="http://schemas.microsoft.com/office/powerpoint/2010/main" xmlns:p15="http://schemas.microsoft.com/office/powerpoint/2012/main" xmlns:ahyp="http://schemas.microsoft.com/office/drawing/2018/hyperlinkcolor">
+  <p:cSld>
+    <p:spTree>
+      <p:nvGrpSpPr>
+        <p:cNvPr id="187" name="Shape 187"/>
+        <p:cNvGrpSpPr/>
+        <p:nvPr/>
+      </p:nvGrpSpPr>
+      <p:grpSpPr>
+        <a:xfrm>
+          <a:off x="0" y="0"/>
+          <a:ext cx="0" cy="0"/>
+          <a:chOff x="0" y="0"/>
+          <a:chExt cx="0" cy="0"/>
+        </a:xfrm>
+      </p:grpSpPr>
+      <p:sp>
+        <p:nvSpPr>
+          <p:cNvPr id="188" name="Google Shape;188;p28"/>
           <p:cNvSpPr txBox="1"/>
           <p:nvPr/>
         </p:nvSpPr>
@@ -9662,6 +10171,78 @@
                 <a:sym typeface="Lato"/>
               </a:rPr>
               <a:t>? </a:t>
+            </a:r>
+            <a:endParaRPr b="1" sz="1500"/>
+          </a:p>
+        </p:txBody>
+      </p:sp>
+    </p:spTree>
+  </p:cSld>
+  <p:clrMapOvr>
+    <a:masterClrMapping/>
+  </p:clrMapOvr>
+</p:sld>
+</file>
+
+<file path=ppt/slides/slide17.xml><?xml version="1.0" encoding="utf-8"?>
+<p:sld xmlns:a="http://schemas.openxmlformats.org/drawingml/2006/main" xmlns:r="http://schemas.openxmlformats.org/officeDocument/2006/relationships" xmlns:mc="http://schemas.openxmlformats.org/markup-compatibility/2006" xmlns:mv="urn:schemas-microsoft-com:mac:vml" xmlns:p="http://schemas.openxmlformats.org/presentationml/2006/main" xmlns:c="http://schemas.openxmlformats.org/drawingml/2006/chart" xmlns:dgm="http://schemas.openxmlformats.org/drawingml/2006/diagram" xmlns:o="urn:schemas-microsoft-com:office:office" xmlns:v="urn:schemas-microsoft-com:vml" xmlns:pvml="urn:schemas-microsoft-com:office:powerpoint" xmlns:com="http://schemas.openxmlformats.org/drawingml/2006/compatibility" xmlns:p14="http://schemas.microsoft.com/office/powerpoint/2010/main" xmlns:p15="http://schemas.microsoft.com/office/powerpoint/2012/main" xmlns:ahyp="http://schemas.microsoft.com/office/drawing/2018/hyperlinkcolor">
+  <p:cSld>
+    <p:spTree>
+      <p:nvGrpSpPr>
+        <p:cNvPr id="192" name="Shape 192"/>
+        <p:cNvGrpSpPr/>
+        <p:nvPr/>
+      </p:nvGrpSpPr>
+      <p:grpSpPr>
+        <a:xfrm>
+          <a:off x="0" y="0"/>
+          <a:ext cx="0" cy="0"/>
+          <a:chOff x="0" y="0"/>
+          <a:chExt cx="0" cy="0"/>
+        </a:xfrm>
+      </p:grpSpPr>
+      <p:sp>
+        <p:nvSpPr>
+          <p:cNvPr id="193" name="Google Shape;193;p29"/>
+          <p:cNvSpPr txBox="1"/>
+          <p:nvPr/>
+        </p:nvSpPr>
+        <p:spPr>
+          <a:xfrm>
+            <a:off x="699200" y="615875"/>
+            <a:ext cx="7539600" cy="431100"/>
+          </a:xfrm>
+          <a:prstGeom prst="rect">
+            <a:avLst/>
+          </a:prstGeom>
+          <a:noFill/>
+          <a:ln>
+            <a:noFill/>
+          </a:ln>
+        </p:spPr>
+        <p:txBody>
+          <a:bodyPr anchorCtr="0" anchor="t" bIns="91425" lIns="91425" spcFirstLastPara="1" rIns="91425" wrap="square" tIns="91425">
+            <a:spAutoFit/>
+          </a:bodyPr>
+          <a:lstStyle/>
+          <a:p>
+            <a:pPr indent="0" lvl="0" marL="0" rtl="0" algn="ctr">
+              <a:spcBef>
+                <a:spcPts val="0"/>
+              </a:spcBef>
+              <a:spcAft>
+                <a:spcPts val="0"/>
+              </a:spcAft>
+              <a:buNone/>
+            </a:pPr>
+            <a:r>
+              <a:rPr b="1" lang="en-GB" sz="1600">
+                <a:latin typeface="Lato"/>
+                <a:ea typeface="Lato"/>
+                <a:cs typeface="Lato"/>
+                <a:sym typeface="Lato"/>
+              </a:rPr>
+              <a:t>Recap </a:t>
             </a:r>
             <a:endParaRPr b="1" sz="1500"/>
           </a:p>
@@ -9742,7 +10323,7 @@
                 <a:cs typeface="Lato"/>
                 <a:sym typeface="Lato"/>
               </a:rPr>
-              <a:t>presentation</a:t>
+              <a:t>workshop</a:t>
             </a:r>
             <a:r>
               <a:rPr lang="en-GB">
@@ -10708,7 +11289,7 @@
         <p:spPr>
           <a:xfrm>
             <a:off x="649875" y="1203800"/>
-            <a:ext cx="5442600" cy="4063500"/>
+            <a:ext cx="5442600" cy="3848100"/>
           </a:xfrm>
           <a:prstGeom prst="rect">
             <a:avLst/>
@@ -10853,7 +11434,7 @@
                 <a:cs typeface="Lato"/>
                 <a:sym typeface="Lato"/>
               </a:rPr>
-              <a:t>Transcription </a:t>
+              <a:t>Machine translation </a:t>
             </a:r>
             <a:endParaRPr>
               <a:latin typeface="Lato"/>
@@ -10881,7 +11462,7 @@
                 <a:cs typeface="Lato"/>
                 <a:sym typeface="Lato"/>
               </a:rPr>
-              <a:t>Machine translation </a:t>
+              <a:t>Structured input </a:t>
             </a:r>
             <a:endParaRPr>
               <a:latin typeface="Lato"/>
@@ -10909,7 +11490,7 @@
                 <a:cs typeface="Lato"/>
                 <a:sym typeface="Lato"/>
               </a:rPr>
-              <a:t>Structured input </a:t>
+              <a:t>Anomaly detection </a:t>
             </a:r>
             <a:endParaRPr>
               <a:latin typeface="Lato"/>
@@ -10937,7 +11518,7 @@
                 <a:cs typeface="Lato"/>
                 <a:sym typeface="Lato"/>
               </a:rPr>
-              <a:t>Anomaly detection </a:t>
+              <a:t>Synthesis and sampling </a:t>
             </a:r>
             <a:endParaRPr>
               <a:latin typeface="Lato"/>
@@ -10965,7 +11546,7 @@
                 <a:cs typeface="Lato"/>
                 <a:sym typeface="Lato"/>
               </a:rPr>
-              <a:t>Synthesis and sampling </a:t>
+              <a:t>Imputation of missing value</a:t>
             </a:r>
             <a:endParaRPr>
               <a:latin typeface="Lato"/>
@@ -10993,7 +11574,7 @@
                 <a:cs typeface="Lato"/>
                 <a:sym typeface="Lato"/>
               </a:rPr>
-              <a:t>Imputation of missing value</a:t>
+              <a:t>Denoising </a:t>
             </a:r>
             <a:endParaRPr>
               <a:latin typeface="Lato"/>
@@ -11003,53 +11584,17 @@
             </a:endParaRPr>
           </a:p>
           <a:p>
-            <a:pPr indent="-317500" lvl="1" marL="914400" rtl="0" algn="l">
-              <a:spcBef>
-                <a:spcPts val="0"/>
-              </a:spcBef>
-              <a:spcAft>
-                <a:spcPts val="0"/>
-              </a:spcAft>
-              <a:buSzPts val="1400"/>
-              <a:buFont typeface="Lato"/>
-              <a:buChar char="○"/>
+            <a:pPr indent="0" lvl="0" marL="0" rtl="0" algn="l">
+              <a:spcBef>
+                <a:spcPts val="0"/>
+              </a:spcBef>
+              <a:spcAft>
+                <a:spcPts val="0"/>
+              </a:spcAft>
+              <a:buNone/>
             </a:pPr>
             <a:r>
-              <a:rPr lang="en-GB">
-                <a:latin typeface="Lato"/>
-                <a:ea typeface="Lato"/>
-                <a:cs typeface="Lato"/>
-                <a:sym typeface="Lato"/>
-              </a:rPr>
-              <a:t>Denoising </a:t>
-            </a:r>
-            <a:endParaRPr>
-              <a:latin typeface="Lato"/>
-              <a:ea typeface="Lato"/>
-              <a:cs typeface="Lato"/>
-              <a:sym typeface="Lato"/>
-            </a:endParaRPr>
-          </a:p>
-          <a:p>
-            <a:pPr indent="-317500" lvl="1" marL="914400" rtl="0" algn="l">
-              <a:spcBef>
-                <a:spcPts val="0"/>
-              </a:spcBef>
-              <a:spcAft>
-                <a:spcPts val="0"/>
-              </a:spcAft>
-              <a:buSzPts val="1400"/>
-              <a:buFont typeface="Lato"/>
-              <a:buChar char="○"/>
-            </a:pPr>
-            <a:r>
-              <a:rPr lang="en-GB">
-                <a:latin typeface="Lato"/>
-                <a:ea typeface="Lato"/>
-                <a:cs typeface="Lato"/>
-                <a:sym typeface="Lato"/>
-              </a:rPr>
-              <a:t>PDF estimation (probability density functions)</a:t>
+              <a:t/>
             </a:r>
             <a:endParaRPr>
               <a:latin typeface="Lato"/>
@@ -11543,8 +12088,8 @@
         </p:nvSpPr>
         <p:spPr>
           <a:xfrm>
-            <a:off x="680250" y="1887400"/>
-            <a:ext cx="7783500" cy="1477500"/>
+            <a:off x="897525" y="1976325"/>
+            <a:ext cx="7566300" cy="1477500"/>
           </a:xfrm>
           <a:prstGeom prst="rect">
             <a:avLst/>
@@ -11954,7 +12499,7 @@
             <a:tbl>
               <a:tblPr>
                 <a:noFill/>
-                <a:tableStyleId>{53791A02-E7DA-49B2-A242-FF2989A80FCB}</a:tableStyleId>
+                <a:tableStyleId>{2FC4B9FE-E94F-41F1-9049-A494CBA73F5C}</a:tableStyleId>
               </a:tblPr>
               <a:tblGrid>
                 <a:gridCol w="1121400"/>

--- a/20-03-2021/Presentation/Machine learning 101.pptx
+++ b/20-03-2021/Presentation/Machine learning 101.pptx
@@ -58,6 +58,18 @@
       <p:bold r:id="rId43"/>
       <p:italic r:id="rId44"/>
       <p:boldItalic r:id="rId45"/>
+    </p:embeddedFont>
+    <p:embeddedFont>
+      <p:font typeface="Montserrat"/>
+      <p:regular r:id="rId46"/>
+      <p:bold r:id="rId47"/>
+      <p:italic r:id="rId48"/>
+      <p:boldItalic r:id="rId49"/>
+    </p:embeddedFont>
+    <p:embeddedFont>
+      <p:font typeface="Montserrat ExtraBold"/>
+      <p:bold r:id="rId50"/>
+      <p:boldItalic r:id="rId51"/>
     </p:embeddedFont>
   </p:embeddedFontLst>
   <p:defaultTextStyle>
@@ -310,37 +322,72 @@
 
 <file path=ppt/commentAuthors.xml><?xml version="1.0" encoding="utf-8"?>
 <p:cmAuthorLst xmlns:a="http://schemas.openxmlformats.org/drawingml/2006/main" xmlns:r="http://schemas.openxmlformats.org/officeDocument/2006/relationships" xmlns:mc="http://schemas.openxmlformats.org/markup-compatibility/2006" xmlns:mv="urn:schemas-microsoft-com:mac:vml" xmlns:p="http://schemas.openxmlformats.org/presentationml/2006/main" xmlns:c="http://schemas.openxmlformats.org/drawingml/2006/chart" xmlns:dgm="http://schemas.openxmlformats.org/drawingml/2006/diagram" xmlns:o="urn:schemas-microsoft-com:office:office" xmlns:v="urn:schemas-microsoft-com:vml" xmlns:pvml="urn:schemas-microsoft-com:office:powerpoint" xmlns:com="http://schemas.openxmlformats.org/drawingml/2006/compatibility" xmlns:p14="http://schemas.microsoft.com/office/powerpoint/2010/main" xmlns:p15="http://schemas.microsoft.com/office/powerpoint/2012/main" xmlns:ahyp="http://schemas.microsoft.com/office/drawing/2018/hyperlinkcolor">
-  <p:cmAuthor clrIdx="0" id="0" initials="" lastIdx="17" name="Farouq Benarous"/>
+  <p:cmAuthor clrIdx="0" id="0" initials="" lastIdx="9" name="Farouq Benarous"/>
 </p:cmAuthorLst>
 </file>
 
 <file path=ppt/comments/comment1.xml><?xml version="1.0" encoding="utf-8"?>
 <p:cmLst xmlns:a="http://schemas.openxmlformats.org/drawingml/2006/main" xmlns:r="http://schemas.openxmlformats.org/officeDocument/2006/relationships" xmlns:mc="http://schemas.openxmlformats.org/markup-compatibility/2006" xmlns:mv="urn:schemas-microsoft-com:mac:vml" xmlns:p="http://schemas.openxmlformats.org/presentationml/2006/main" xmlns:c="http://schemas.openxmlformats.org/drawingml/2006/chart" xmlns:dgm="http://schemas.openxmlformats.org/drawingml/2006/diagram" xmlns:o="urn:schemas-microsoft-com:office:office" xmlns:v="urn:schemas-microsoft-com:vml" xmlns:pvml="urn:schemas-microsoft-com:office:powerpoint" xmlns:com="http://schemas.openxmlformats.org/drawingml/2006/compatibility" xmlns:p14="http://schemas.microsoft.com/office/powerpoint/2010/main" xmlns:p15="http://schemas.microsoft.com/office/powerpoint/2012/main" xmlns:ahyp="http://schemas.microsoft.com/office/drawing/2018/hyperlinkcolor">
-  <p:cm authorId="0" idx="1" dt="2021-03-16T21:40:49.548">
+  <p:cm authorId="0" idx="1" dt="2021-03-14T14:57:06.236">
     <p:pos x="6000" y="0"/>
-    <p:text>* Present the speakers 
-* Pool : Get to know the audience (Cs , engineering , math , backgrounds ,  .. )
-* Pool : feedback on language level
-* Pool : feedback how do you find it ?</p:text>
-  </p:cm>
-  <p:cm authorId="0" idx="2" dt="2021-03-16T21:16:14.133">
-    <p:pos x="6000" y="0"/>
-    <p:text>The main goal is to goal of the workshop is to give you an overview of machine learning , and also we gonna  dive into the theory of it and explain different components that it hinges on , and of course we will see some code and how we can put that theory into practice</p:text>
-  </p:cm>
-  <p:cm authorId="0" idx="3" dt="2021-03-16T21:40:00.876">
-    <p:pos x="6000" y="0"/>
-    <p:text>_Marked as resolved_</p:text>
-  </p:cm>
-  <p:cm authorId="0" idx="4" dt="2021-03-16T21:40:49.548">
-    <p:pos x="6000" y="0"/>
-    <p:text>_Re-opened_</p:text>
+    <p:text>They do interact  bi-dirrectionally   with them</p:text>
   </p:cm>
 </p:cmLst>
 </file>
 
-<file path=ppt/comments/comment10.xml><?xml version="1.0" encoding="utf-8"?>
+<file path=ppt/comments/comment2.xml><?xml version="1.0" encoding="utf-8"?>
 <p:cmLst xmlns:a="http://schemas.openxmlformats.org/drawingml/2006/main" xmlns:r="http://schemas.openxmlformats.org/officeDocument/2006/relationships" xmlns:mc="http://schemas.openxmlformats.org/markup-compatibility/2006" xmlns:mv="urn:schemas-microsoft-com:mac:vml" xmlns:p="http://schemas.openxmlformats.org/presentationml/2006/main" xmlns:c="http://schemas.openxmlformats.org/drawingml/2006/chart" xmlns:dgm="http://schemas.openxmlformats.org/drawingml/2006/diagram" xmlns:o="urn:schemas-microsoft-com:office:office" xmlns:v="urn:schemas-microsoft-com:vml" xmlns:pvml="urn:schemas-microsoft-com:office:powerpoint" xmlns:com="http://schemas.openxmlformats.org/drawingml/2006/compatibility" xmlns:p14="http://schemas.microsoft.com/office/powerpoint/2010/main" xmlns:p15="http://schemas.microsoft.com/office/powerpoint/2012/main" xmlns:ahyp="http://schemas.microsoft.com/office/drawing/2018/hyperlinkcolor">
-  <p:cm authorId="0" idx="13" dt="2021-03-14T16:11:49.500">
+  <p:cm authorId="0" idx="2" dt="2021-03-13T15:33:36.248">
+    <p:pos x="6000" y="0"/>
+    <p:text>Anomaly detection : Medical data , intrusion detection 
+De-noising : Networking , scientific experiments</p:text>
+  </p:cm>
+</p:cmLst>
+</file>
+
+<file path=ppt/comments/comment3.xml><?xml version="1.0" encoding="utf-8"?>
+<p:cmLst xmlns:a="http://schemas.openxmlformats.org/drawingml/2006/main" xmlns:r="http://schemas.openxmlformats.org/officeDocument/2006/relationships" xmlns:mc="http://schemas.openxmlformats.org/markup-compatibility/2006" xmlns:mv="urn:schemas-microsoft-com:mac:vml" xmlns:p="http://schemas.openxmlformats.org/presentationml/2006/main" xmlns:c="http://schemas.openxmlformats.org/drawingml/2006/chart" xmlns:dgm="http://schemas.openxmlformats.org/drawingml/2006/diagram" xmlns:o="urn:schemas-microsoft-com:office:office" xmlns:v="urn:schemas-microsoft-com:vml" xmlns:pvml="urn:schemas-microsoft-com:office:powerpoint" xmlns:com="http://schemas.openxmlformats.org/drawingml/2006/compatibility" xmlns:p14="http://schemas.microsoft.com/office/powerpoint/2010/main" xmlns:p15="http://schemas.microsoft.com/office/powerpoint/2012/main" xmlns:ahyp="http://schemas.microsoft.com/office/drawing/2018/hyperlinkcolor">
+  <p:cm authorId="0" idx="3" dt="2021-03-16T17:05:46.439">
+    <p:pos x="6000" y="0"/>
+    <p:text>* Give an example of hard to define loss function  elf-driving car
+* Give a bit of context for optimisation
+* regulazer is to prevent over learning</p:text>
+  </p:cm>
+</p:cmLst>
+</file>
+
+<file path=ppt/comments/comment4.xml><?xml version="1.0" encoding="utf-8"?>
+<p:cmLst xmlns:a="http://schemas.openxmlformats.org/drawingml/2006/main" xmlns:r="http://schemas.openxmlformats.org/officeDocument/2006/relationships" xmlns:mc="http://schemas.openxmlformats.org/markup-compatibility/2006" xmlns:mv="urn:schemas-microsoft-com:mac:vml" xmlns:p="http://schemas.openxmlformats.org/presentationml/2006/main" xmlns:c="http://schemas.openxmlformats.org/drawingml/2006/chart" xmlns:dgm="http://schemas.openxmlformats.org/drawingml/2006/diagram" xmlns:o="urn:schemas-microsoft-com:office:office" xmlns:v="urn:schemas-microsoft-com:vml" xmlns:pvml="urn:schemas-microsoft-com:office:powerpoint" xmlns:com="http://schemas.openxmlformats.org/drawingml/2006/compatibility" xmlns:p14="http://schemas.microsoft.com/office/powerpoint/2010/main" xmlns:p15="http://schemas.microsoft.com/office/powerpoint/2012/main" xmlns:ahyp="http://schemas.microsoft.com/office/drawing/2018/hyperlinkcolor">
+  <p:cm authorId="0" idx="4" dt="2021-03-06T22:37:50.536">
+    <p:pos x="6000" y="0"/>
+    <p:text>* Structured data example</p:text>
+  </p:cm>
+</p:cmLst>
+</file>
+
+<file path=ppt/comments/comment5.xml><?xml version="1.0" encoding="utf-8"?>
+<p:cmLst xmlns:a="http://schemas.openxmlformats.org/drawingml/2006/main" xmlns:r="http://schemas.openxmlformats.org/officeDocument/2006/relationships" xmlns:mc="http://schemas.openxmlformats.org/markup-compatibility/2006" xmlns:mv="urn:schemas-microsoft-com:mac:vml" xmlns:p="http://schemas.openxmlformats.org/presentationml/2006/main" xmlns:c="http://schemas.openxmlformats.org/drawingml/2006/chart" xmlns:dgm="http://schemas.openxmlformats.org/drawingml/2006/diagram" xmlns:o="urn:schemas-microsoft-com:office:office" xmlns:v="urn:schemas-microsoft-com:vml" xmlns:pvml="urn:schemas-microsoft-com:office:powerpoint" xmlns:com="http://schemas.openxmlformats.org/drawingml/2006/compatibility" xmlns:p14="http://schemas.microsoft.com/office/powerpoint/2010/main" xmlns:p15="http://schemas.microsoft.com/office/powerpoint/2012/main" xmlns:ahyp="http://schemas.microsoft.com/office/drawing/2018/hyperlinkcolor">
+  <p:cm authorId="0" idx="5" dt="2021-03-08T20:05:35.132">
+    <p:pos x="6000" y="0"/>
+    <p:text>* Give an example of hard to define loss function  self-driving car
+* Give a bit of context for optimisation</p:text>
+  </p:cm>
+</p:cmLst>
+</file>
+
+<file path=ppt/comments/comment6.xml><?xml version="1.0" encoding="utf-8"?>
+<p:cmLst xmlns:a="http://schemas.openxmlformats.org/drawingml/2006/main" xmlns:r="http://schemas.openxmlformats.org/officeDocument/2006/relationships" xmlns:mc="http://schemas.openxmlformats.org/markup-compatibility/2006" xmlns:mv="urn:schemas-microsoft-com:mac:vml" xmlns:p="http://schemas.openxmlformats.org/presentationml/2006/main" xmlns:c="http://schemas.openxmlformats.org/drawingml/2006/chart" xmlns:dgm="http://schemas.openxmlformats.org/drawingml/2006/diagram" xmlns:o="urn:schemas-microsoft-com:office:office" xmlns:v="urn:schemas-microsoft-com:vml" xmlns:pvml="urn:schemas-microsoft-com:office:powerpoint" xmlns:com="http://schemas.openxmlformats.org/drawingml/2006/compatibility" xmlns:p14="http://schemas.microsoft.com/office/powerpoint/2010/main" xmlns:p15="http://schemas.microsoft.com/office/powerpoint/2012/main" xmlns:ahyp="http://schemas.microsoft.com/office/drawing/2018/hyperlinkcolor">
+  <p:cm authorId="0" idx="6" dt="2021-03-16T21:11:04.590">
+    <p:pos x="6000" y="0"/>
+    <p:text>* Give example of weather to explain structure vs probabilistic inference 
+* evolve the structure</p:text>
+  </p:cm>
+</p:cmLst>
+</file>
+
+<file path=ppt/comments/comment7.xml><?xml version="1.0" encoding="utf-8"?>
+<p:cmLst xmlns:a="http://schemas.openxmlformats.org/drawingml/2006/main" xmlns:r="http://schemas.openxmlformats.org/officeDocument/2006/relationships" xmlns:mc="http://schemas.openxmlformats.org/markup-compatibility/2006" xmlns:mv="urn:schemas-microsoft-com:mac:vml" xmlns:p="http://schemas.openxmlformats.org/presentationml/2006/main" xmlns:c="http://schemas.openxmlformats.org/drawingml/2006/chart" xmlns:dgm="http://schemas.openxmlformats.org/drawingml/2006/diagram" xmlns:o="urn:schemas-microsoft-com:office:office" xmlns:v="urn:schemas-microsoft-com:vml" xmlns:pvml="urn:schemas-microsoft-com:office:powerpoint" xmlns:com="http://schemas.openxmlformats.org/drawingml/2006/compatibility" xmlns:p14="http://schemas.microsoft.com/office/powerpoint/2010/main" xmlns:p15="http://schemas.microsoft.com/office/powerpoint/2012/main" xmlns:ahyp="http://schemas.microsoft.com/office/drawing/2018/hyperlinkcolor">
+  <p:cm authorId="0" idx="7" dt="2021-03-14T16:11:49.500">
     <p:pos x="6000" y="0"/>
     <p:text>* Elon.m  the brain being as factory
 * Quantic effects in the brain
@@ -349,9 +396,9 @@
 </p:cmLst>
 </file>
 
-<file path=ppt/comments/comment11.xml><?xml version="1.0" encoding="utf-8"?>
+<file path=ppt/comments/comment8.xml><?xml version="1.0" encoding="utf-8"?>
 <p:cmLst xmlns:a="http://schemas.openxmlformats.org/drawingml/2006/main" xmlns:r="http://schemas.openxmlformats.org/officeDocument/2006/relationships" xmlns:mc="http://schemas.openxmlformats.org/markup-compatibility/2006" xmlns:mv="urn:schemas-microsoft-com:mac:vml" xmlns:p="http://schemas.openxmlformats.org/presentationml/2006/main" xmlns:c="http://schemas.openxmlformats.org/drawingml/2006/chart" xmlns:dgm="http://schemas.openxmlformats.org/drawingml/2006/diagram" xmlns:o="urn:schemas-microsoft-com:office:office" xmlns:v="urn:schemas-microsoft-com:vml" xmlns:pvml="urn:schemas-microsoft-com:office:powerpoint" xmlns:com="http://schemas.openxmlformats.org/drawingml/2006/compatibility" xmlns:p14="http://schemas.microsoft.com/office/powerpoint/2010/main" xmlns:p15="http://schemas.microsoft.com/office/powerpoint/2012/main" xmlns:ahyp="http://schemas.microsoft.com/office/drawing/2018/hyperlinkcolor">
-  <p:cm authorId="0" idx="14" dt="2021-03-16T20:43:25.707">
+  <p:cm authorId="0" idx="8" dt="2021-03-16T20:43:25.707">
     <p:pos x="6000" y="0"/>
     <p:text>* The NN is gonna produce a probability in the end
 * Cross entropy: cross entropy refers to the difference between two probability distributions
@@ -360,112 +407,12 @@
 </p:cmLst>
 </file>
 
-<file path=ppt/comments/comment12.xml><?xml version="1.0" encoding="utf-8"?>
+<file path=ppt/comments/comment9.xml><?xml version="1.0" encoding="utf-8"?>
 <p:cmLst xmlns:a="http://schemas.openxmlformats.org/drawingml/2006/main" xmlns:r="http://schemas.openxmlformats.org/officeDocument/2006/relationships" xmlns:mc="http://schemas.openxmlformats.org/markup-compatibility/2006" xmlns:mv="urn:schemas-microsoft-com:mac:vml" xmlns:p="http://schemas.openxmlformats.org/presentationml/2006/main" xmlns:c="http://schemas.openxmlformats.org/drawingml/2006/chart" xmlns:dgm="http://schemas.openxmlformats.org/drawingml/2006/diagram" xmlns:o="urn:schemas-microsoft-com:office:office" xmlns:v="urn:schemas-microsoft-com:vml" xmlns:pvml="urn:schemas-microsoft-com:office:powerpoint" xmlns:com="http://schemas.openxmlformats.org/drawingml/2006/compatibility" xmlns:p14="http://schemas.microsoft.com/office/powerpoint/2010/main" xmlns:p15="http://schemas.microsoft.com/office/powerpoint/2012/main" xmlns:ahyp="http://schemas.microsoft.com/office/drawing/2018/hyperlinkcolor">
-  <p:cm authorId="0" idx="15" dt="2021-03-13T16:54:29.175">
-    <p:pos x="6000" y="0"/>
-    <p:text>* probalistic ones ,can be used as interval of confidence  to classify 
-* We gonna see the linear version of it , give a hint about kernel methods</p:text>
-  </p:cm>
-</p:cmLst>
-</file>
-
-<file path=ppt/comments/comment13.xml><?xml version="1.0" encoding="utf-8"?>
-<p:cmLst xmlns:a="http://schemas.openxmlformats.org/drawingml/2006/main" xmlns:r="http://schemas.openxmlformats.org/officeDocument/2006/relationships" xmlns:mc="http://schemas.openxmlformats.org/markup-compatibility/2006" xmlns:mv="urn:schemas-microsoft-com:mac:vml" xmlns:p="http://schemas.openxmlformats.org/presentationml/2006/main" xmlns:c="http://schemas.openxmlformats.org/drawingml/2006/chart" xmlns:dgm="http://schemas.openxmlformats.org/drawingml/2006/diagram" xmlns:o="urn:schemas-microsoft-com:office:office" xmlns:v="urn:schemas-microsoft-com:vml" xmlns:pvml="urn:schemas-microsoft-com:office:powerpoint" xmlns:com="http://schemas.openxmlformats.org/drawingml/2006/compatibility" xmlns:p14="http://schemas.microsoft.com/office/powerpoint/2010/main" xmlns:p15="http://schemas.microsoft.com/office/powerpoint/2012/main" xmlns:ahyp="http://schemas.microsoft.com/office/drawing/2018/hyperlinkcolor">
-  <p:cm authorId="0" idx="16" dt="2021-03-16T15:01:54.919">
+  <p:cm authorId="0" idx="9" dt="2021-03-16T15:01:54.919">
     <p:pos x="6000" y="0"/>
     <p:text>add -equations of the error
 -graph show the 2 regimes</p:text>
-  </p:cm>
-</p:cmLst>
-</file>
-
-<file path=ppt/comments/comment14.xml><?xml version="1.0" encoding="utf-8"?>
-<p:cmLst xmlns:a="http://schemas.openxmlformats.org/drawingml/2006/main" xmlns:r="http://schemas.openxmlformats.org/officeDocument/2006/relationships" xmlns:mc="http://schemas.openxmlformats.org/markup-compatibility/2006" xmlns:mv="urn:schemas-microsoft-com:mac:vml" xmlns:p="http://schemas.openxmlformats.org/presentationml/2006/main" xmlns:c="http://schemas.openxmlformats.org/drawingml/2006/chart" xmlns:dgm="http://schemas.openxmlformats.org/drawingml/2006/diagram" xmlns:o="urn:schemas-microsoft-com:office:office" xmlns:v="urn:schemas-microsoft-com:vml" xmlns:pvml="urn:schemas-microsoft-com:office:powerpoint" xmlns:com="http://schemas.openxmlformats.org/drawingml/2006/compatibility" xmlns:p14="http://schemas.microsoft.com/office/powerpoint/2010/main" xmlns:p15="http://schemas.microsoft.com/office/powerpoint/2012/main" xmlns:ahyp="http://schemas.microsoft.com/office/drawing/2018/hyperlinkcolor">
-  <p:cm authorId="0" idx="17" dt="2021-03-15T17:45:14.471">
-    <p:pos x="6000" y="0"/>
-    <p:text>Talk about alchemy</p:text>
-  </p:cm>
-</p:cmLst>
-</file>
-
-<file path=ppt/comments/comment2.xml><?xml version="1.0" encoding="utf-8"?>
-<p:cmLst xmlns:a="http://schemas.openxmlformats.org/drawingml/2006/main" xmlns:r="http://schemas.openxmlformats.org/officeDocument/2006/relationships" xmlns:mc="http://schemas.openxmlformats.org/markup-compatibility/2006" xmlns:mv="urn:schemas-microsoft-com:mac:vml" xmlns:p="http://schemas.openxmlformats.org/presentationml/2006/main" xmlns:c="http://schemas.openxmlformats.org/drawingml/2006/chart" xmlns:dgm="http://schemas.openxmlformats.org/drawingml/2006/diagram" xmlns:o="urn:schemas-microsoft-com:office:office" xmlns:v="urn:schemas-microsoft-com:vml" xmlns:pvml="urn:schemas-microsoft-com:office:powerpoint" xmlns:com="http://schemas.openxmlformats.org/drawingml/2006/compatibility" xmlns:p14="http://schemas.microsoft.com/office/powerpoint/2010/main" xmlns:p15="http://schemas.microsoft.com/office/powerpoint/2012/main" xmlns:ahyp="http://schemas.microsoft.com/office/drawing/2018/hyperlinkcolor">
-  <p:cm authorId="0" idx="5" dt="2021-03-14T14:57:06.236">
-    <p:pos x="6000" y="0"/>
-    <p:text>They do interact  bi-dirrectionally   with them</p:text>
-  </p:cm>
-</p:cmLst>
-</file>
-
-<file path=ppt/comments/comment3.xml><?xml version="1.0" encoding="utf-8"?>
-<p:cmLst xmlns:a="http://schemas.openxmlformats.org/drawingml/2006/main" xmlns:r="http://schemas.openxmlformats.org/officeDocument/2006/relationships" xmlns:mc="http://schemas.openxmlformats.org/markup-compatibility/2006" xmlns:mv="urn:schemas-microsoft-com:mac:vml" xmlns:p="http://schemas.openxmlformats.org/presentationml/2006/main" xmlns:c="http://schemas.openxmlformats.org/drawingml/2006/chart" xmlns:dgm="http://schemas.openxmlformats.org/drawingml/2006/diagram" xmlns:o="urn:schemas-microsoft-com:office:office" xmlns:v="urn:schemas-microsoft-com:vml" xmlns:pvml="urn:schemas-microsoft-com:office:powerpoint" xmlns:com="http://schemas.openxmlformats.org/drawingml/2006/compatibility" xmlns:p14="http://schemas.microsoft.com/office/powerpoint/2010/main" xmlns:p15="http://schemas.microsoft.com/office/powerpoint/2012/main" xmlns:ahyp="http://schemas.microsoft.com/office/drawing/2018/hyperlinkcolor">
-  <p:cm authorId="0" idx="6" dt="2021-03-16T01:40:00.800">
-    <p:pos x="6000" y="0"/>
-    <p:text>-Explain the why do we need it with some
--talk about history
--improve -&gt; approximations</p:text>
-  </p:cm>
-</p:cmLst>
-</file>
-
-<file path=ppt/comments/comment4.xml><?xml version="1.0" encoding="utf-8"?>
-<p:cmLst xmlns:a="http://schemas.openxmlformats.org/drawingml/2006/main" xmlns:r="http://schemas.openxmlformats.org/officeDocument/2006/relationships" xmlns:mc="http://schemas.openxmlformats.org/markup-compatibility/2006" xmlns:mv="urn:schemas-microsoft-com:mac:vml" xmlns:p="http://schemas.openxmlformats.org/presentationml/2006/main" xmlns:c="http://schemas.openxmlformats.org/drawingml/2006/chart" xmlns:dgm="http://schemas.openxmlformats.org/drawingml/2006/diagram" xmlns:o="urn:schemas-microsoft-com:office:office" xmlns:v="urn:schemas-microsoft-com:vml" xmlns:pvml="urn:schemas-microsoft-com:office:powerpoint" xmlns:com="http://schemas.openxmlformats.org/drawingml/2006/compatibility" xmlns:p14="http://schemas.microsoft.com/office/powerpoint/2010/main" xmlns:p15="http://schemas.microsoft.com/office/powerpoint/2012/main" xmlns:ahyp="http://schemas.microsoft.com/office/drawing/2018/hyperlinkcolor">
-  <p:cm authorId="0" idx="7" dt="2021-03-13T15:33:36.248">
-    <p:pos x="6000" y="0"/>
-    <p:text>Anomaly detection : Medical data , intrusion detection 
-De-noising : Networking , scientific experiments</p:text>
-  </p:cm>
-</p:cmLst>
-</file>
-
-<file path=ppt/comments/comment5.xml><?xml version="1.0" encoding="utf-8"?>
-<p:cmLst xmlns:a="http://schemas.openxmlformats.org/drawingml/2006/main" xmlns:r="http://schemas.openxmlformats.org/officeDocument/2006/relationships" xmlns:mc="http://schemas.openxmlformats.org/markup-compatibility/2006" xmlns:mv="urn:schemas-microsoft-com:mac:vml" xmlns:p="http://schemas.openxmlformats.org/presentationml/2006/main" xmlns:c="http://schemas.openxmlformats.org/drawingml/2006/chart" xmlns:dgm="http://schemas.openxmlformats.org/drawingml/2006/diagram" xmlns:o="urn:schemas-microsoft-com:office:office" xmlns:v="urn:schemas-microsoft-com:vml" xmlns:pvml="urn:schemas-microsoft-com:office:powerpoint" xmlns:com="http://schemas.openxmlformats.org/drawingml/2006/compatibility" xmlns:p14="http://schemas.microsoft.com/office/powerpoint/2010/main" xmlns:p15="http://schemas.microsoft.com/office/powerpoint/2012/main" xmlns:ahyp="http://schemas.microsoft.com/office/drawing/2018/hyperlinkcolor">
-  <p:cm authorId="0" idx="8" dt="2021-03-16T17:05:46.439">
-    <p:pos x="6000" y="0"/>
-    <p:text>* Give an example of hard to define loss function  elf-driving car
-* Give a bit of context for optimisation
-* regulazer is to prevent over learning</p:text>
-  </p:cm>
-</p:cmLst>
-</file>
-
-<file path=ppt/comments/comment6.xml><?xml version="1.0" encoding="utf-8"?>
-<p:cmLst xmlns:a="http://schemas.openxmlformats.org/drawingml/2006/main" xmlns:r="http://schemas.openxmlformats.org/officeDocument/2006/relationships" xmlns:mc="http://schemas.openxmlformats.org/markup-compatibility/2006" xmlns:mv="urn:schemas-microsoft-com:mac:vml" xmlns:p="http://schemas.openxmlformats.org/presentationml/2006/main" xmlns:c="http://schemas.openxmlformats.org/drawingml/2006/chart" xmlns:dgm="http://schemas.openxmlformats.org/drawingml/2006/diagram" xmlns:o="urn:schemas-microsoft-com:office:office" xmlns:v="urn:schemas-microsoft-com:vml" xmlns:pvml="urn:schemas-microsoft-com:office:powerpoint" xmlns:com="http://schemas.openxmlformats.org/drawingml/2006/compatibility" xmlns:p14="http://schemas.microsoft.com/office/powerpoint/2010/main" xmlns:p15="http://schemas.microsoft.com/office/powerpoint/2012/main" xmlns:ahyp="http://schemas.microsoft.com/office/drawing/2018/hyperlinkcolor">
-  <p:cm authorId="0" idx="9" dt="2021-03-06T22:37:50.536">
-    <p:pos x="6000" y="0"/>
-    <p:text>* Structured data example</p:text>
-  </p:cm>
-</p:cmLst>
-</file>
-
-<file path=ppt/comments/comment7.xml><?xml version="1.0" encoding="utf-8"?>
-<p:cmLst xmlns:a="http://schemas.openxmlformats.org/drawingml/2006/main" xmlns:r="http://schemas.openxmlformats.org/officeDocument/2006/relationships" xmlns:mc="http://schemas.openxmlformats.org/markup-compatibility/2006" xmlns:mv="urn:schemas-microsoft-com:mac:vml" xmlns:p="http://schemas.openxmlformats.org/presentationml/2006/main" xmlns:c="http://schemas.openxmlformats.org/drawingml/2006/chart" xmlns:dgm="http://schemas.openxmlformats.org/drawingml/2006/diagram" xmlns:o="urn:schemas-microsoft-com:office:office" xmlns:v="urn:schemas-microsoft-com:vml" xmlns:pvml="urn:schemas-microsoft-com:office:powerpoint" xmlns:com="http://schemas.openxmlformats.org/drawingml/2006/compatibility" xmlns:p14="http://schemas.microsoft.com/office/powerpoint/2010/main" xmlns:p15="http://schemas.microsoft.com/office/powerpoint/2012/main" xmlns:ahyp="http://schemas.microsoft.com/office/drawing/2018/hyperlinkcolor">
-  <p:cm authorId="0" idx="10" dt="2021-03-08T20:05:35.132">
-    <p:pos x="6000" y="0"/>
-    <p:text>* Give an example of hard to define loss function  self-driving car
-* Give a bit of context for optimisation</p:text>
-  </p:cm>
-</p:cmLst>
-</file>
-
-<file path=ppt/comments/comment8.xml><?xml version="1.0" encoding="utf-8"?>
-<p:cmLst xmlns:a="http://schemas.openxmlformats.org/drawingml/2006/main" xmlns:r="http://schemas.openxmlformats.org/officeDocument/2006/relationships" xmlns:mc="http://schemas.openxmlformats.org/markup-compatibility/2006" xmlns:mv="urn:schemas-microsoft-com:mac:vml" xmlns:p="http://schemas.openxmlformats.org/presentationml/2006/main" xmlns:c="http://schemas.openxmlformats.org/drawingml/2006/chart" xmlns:dgm="http://schemas.openxmlformats.org/drawingml/2006/diagram" xmlns:o="urn:schemas-microsoft-com:office:office" xmlns:v="urn:schemas-microsoft-com:vml" xmlns:pvml="urn:schemas-microsoft-com:office:powerpoint" xmlns:com="http://schemas.openxmlformats.org/drawingml/2006/compatibility" xmlns:p14="http://schemas.microsoft.com/office/powerpoint/2010/main" xmlns:p15="http://schemas.microsoft.com/office/powerpoint/2012/main" xmlns:ahyp="http://schemas.microsoft.com/office/drawing/2018/hyperlinkcolor">
-  <p:cm authorId="0" idx="11" dt="2021-03-16T21:17:30.753">
-    <p:pos x="6000" y="0"/>
-    <p:text>Add more notes here
-The main take away from this slide is that, All of these different categories of model all of them do hinge on very solid scientific intuition, so we should not qualify or disqualify models because of its engineering success
-And also when it comes to practice they are not disentangled they do overlap and  co-evolve</p:text>
-  </p:cm>
-</p:cmLst>
-</file>
-
-<file path=ppt/comments/comment9.xml><?xml version="1.0" encoding="utf-8"?>
-<p:cmLst xmlns:a="http://schemas.openxmlformats.org/drawingml/2006/main" xmlns:r="http://schemas.openxmlformats.org/officeDocument/2006/relationships" xmlns:mc="http://schemas.openxmlformats.org/markup-compatibility/2006" xmlns:mv="urn:schemas-microsoft-com:mac:vml" xmlns:p="http://schemas.openxmlformats.org/presentationml/2006/main" xmlns:c="http://schemas.openxmlformats.org/drawingml/2006/chart" xmlns:dgm="http://schemas.openxmlformats.org/drawingml/2006/diagram" xmlns:o="urn:schemas-microsoft-com:office:office" xmlns:v="urn:schemas-microsoft-com:vml" xmlns:pvml="urn:schemas-microsoft-com:office:powerpoint" xmlns:com="http://schemas.openxmlformats.org/drawingml/2006/compatibility" xmlns:p14="http://schemas.microsoft.com/office/powerpoint/2010/main" xmlns:p15="http://schemas.microsoft.com/office/powerpoint/2012/main" xmlns:ahyp="http://schemas.microsoft.com/office/drawing/2018/hyperlinkcolor">
-  <p:cm authorId="0" idx="12" dt="2021-03-16T21:11:04.590">
-    <p:pos x="6000" y="0"/>
-    <p:text>* Give example of weather to explain structure vs probabilistic inference 
-* evolve the structure</p:text>
   </p:cm>
 </p:cmLst>
 </file>
@@ -971,6 +918,294 @@
           </a:bodyPr>
           <a:lstStyle/>
           <a:p>
+            <a:pPr indent="-295275" lvl="0" marL="457200" rtl="0" algn="l">
+              <a:lnSpc>
+                <a:spcPct val="142857"/>
+              </a:lnSpc>
+              <a:spcBef>
+                <a:spcPts val="0"/>
+              </a:spcBef>
+              <a:spcAft>
+                <a:spcPts val="0"/>
+              </a:spcAft>
+              <a:buClr>
+                <a:srgbClr val="3C4043"/>
+              </a:buClr>
+              <a:buSzPts val="1050"/>
+              <a:buFont typeface="Roboto"/>
+              <a:buChar char="●"/>
+            </a:pPr>
+            <a:r>
+              <a:rPr lang="en-GB" sz="1050">
+                <a:solidFill>
+                  <a:srgbClr val="3C4043"/>
+                </a:solidFill>
+                <a:highlight>
+                  <a:schemeClr val="lt1"/>
+                </a:highlight>
+                <a:latin typeface="Roboto"/>
+                <a:ea typeface="Roboto"/>
+                <a:cs typeface="Roboto"/>
+                <a:sym typeface="Roboto"/>
+              </a:rPr>
+              <a:t>We gonna try to make it as interactive as possible so feel free to ask any questions in the chat bar and we will stop </a:t>
+            </a:r>
+            <a:endParaRPr sz="1050">
+              <a:solidFill>
+                <a:srgbClr val="3C4043"/>
+              </a:solidFill>
+              <a:highlight>
+                <a:schemeClr val="lt1"/>
+              </a:highlight>
+              <a:latin typeface="Roboto"/>
+              <a:ea typeface="Roboto"/>
+              <a:cs typeface="Roboto"/>
+              <a:sym typeface="Roboto"/>
+            </a:endParaRPr>
+          </a:p>
+          <a:p>
+            <a:pPr indent="-295275" lvl="0" marL="457200" rtl="0" algn="l">
+              <a:lnSpc>
+                <a:spcPct val="142857"/>
+              </a:lnSpc>
+              <a:spcBef>
+                <a:spcPts val="0"/>
+              </a:spcBef>
+              <a:spcAft>
+                <a:spcPts val="0"/>
+              </a:spcAft>
+              <a:buClr>
+                <a:srgbClr val="3C4043"/>
+              </a:buClr>
+              <a:buSzPts val="1050"/>
+              <a:buFont typeface="Roboto"/>
+              <a:buChar char="●"/>
+            </a:pPr>
+            <a:r>
+              <a:rPr lang="en-GB" sz="1050">
+                <a:solidFill>
+                  <a:srgbClr val="3C4043"/>
+                </a:solidFill>
+                <a:highlight>
+                  <a:schemeClr val="lt1"/>
+                </a:highlight>
+                <a:latin typeface="Roboto"/>
+                <a:ea typeface="Roboto"/>
+                <a:cs typeface="Roboto"/>
+                <a:sym typeface="Roboto"/>
+              </a:rPr>
+              <a:t>We gonna send certificate of attendance</a:t>
+            </a:r>
+            <a:endParaRPr sz="1050">
+              <a:solidFill>
+                <a:srgbClr val="3C4043"/>
+              </a:solidFill>
+              <a:highlight>
+                <a:schemeClr val="lt1"/>
+              </a:highlight>
+              <a:latin typeface="Roboto"/>
+              <a:ea typeface="Roboto"/>
+              <a:cs typeface="Roboto"/>
+              <a:sym typeface="Roboto"/>
+            </a:endParaRPr>
+          </a:p>
+          <a:p>
+            <a:pPr indent="-295275" lvl="0" marL="457200" rtl="0" algn="l">
+              <a:lnSpc>
+                <a:spcPct val="142857"/>
+              </a:lnSpc>
+              <a:spcBef>
+                <a:spcPts val="0"/>
+              </a:spcBef>
+              <a:spcAft>
+                <a:spcPts val="0"/>
+              </a:spcAft>
+              <a:buClr>
+                <a:srgbClr val="3C4043"/>
+              </a:buClr>
+              <a:buSzPts val="1050"/>
+              <a:buFont typeface="Roboto"/>
+              <a:buChar char="●"/>
+            </a:pPr>
+            <a:r>
+              <a:rPr lang="en-GB" sz="1050">
+                <a:solidFill>
+                  <a:srgbClr val="3C4043"/>
+                </a:solidFill>
+                <a:highlight>
+                  <a:schemeClr val="lt1"/>
+                </a:highlight>
+                <a:latin typeface="Roboto"/>
+                <a:ea typeface="Roboto"/>
+                <a:cs typeface="Roboto"/>
+                <a:sym typeface="Roboto"/>
+              </a:rPr>
+              <a:t>This Is being recorded</a:t>
+            </a:r>
+            <a:endParaRPr sz="1050">
+              <a:solidFill>
+                <a:srgbClr val="3C4043"/>
+              </a:solidFill>
+              <a:highlight>
+                <a:srgbClr val="FFFFFF"/>
+              </a:highlight>
+              <a:latin typeface="Roboto"/>
+              <a:ea typeface="Roboto"/>
+              <a:cs typeface="Roboto"/>
+              <a:sym typeface="Roboto"/>
+            </a:endParaRPr>
+          </a:p>
+          <a:p>
+            <a:pPr indent="-295275" lvl="0" marL="457200" rtl="0" algn="l">
+              <a:lnSpc>
+                <a:spcPct val="142857"/>
+              </a:lnSpc>
+              <a:spcBef>
+                <a:spcPts val="0"/>
+              </a:spcBef>
+              <a:spcAft>
+                <a:spcPts val="0"/>
+              </a:spcAft>
+              <a:buClr>
+                <a:srgbClr val="3C4043"/>
+              </a:buClr>
+              <a:buSzPts val="1050"/>
+              <a:buFont typeface="Roboto"/>
+              <a:buChar char="●"/>
+            </a:pPr>
+            <a:r>
+              <a:rPr lang="en-GB" sz="1050">
+                <a:solidFill>
+                  <a:srgbClr val="3C4043"/>
+                </a:solidFill>
+                <a:highlight>
+                  <a:srgbClr val="FFFFFF"/>
+                </a:highlight>
+                <a:latin typeface="Roboto"/>
+                <a:ea typeface="Roboto"/>
+                <a:cs typeface="Roboto"/>
+                <a:sym typeface="Roboto"/>
+              </a:rPr>
+              <a:t>Pools , background of the audience : </a:t>
+            </a:r>
+            <a:r>
+              <a:rPr lang="en-GB" sz="1000">
+                <a:solidFill>
+                  <a:schemeClr val="dk1"/>
+                </a:solidFill>
+              </a:rPr>
+              <a:t>Get to know the audience (Computer science, Engineering , Math , Biology,other , .. )</a:t>
+            </a:r>
+            <a:endParaRPr sz="1050">
+              <a:solidFill>
+                <a:srgbClr val="3C4043"/>
+              </a:solidFill>
+              <a:highlight>
+                <a:srgbClr val="FFFFFF"/>
+              </a:highlight>
+              <a:latin typeface="Roboto"/>
+              <a:ea typeface="Roboto"/>
+              <a:cs typeface="Roboto"/>
+              <a:sym typeface="Roboto"/>
+            </a:endParaRPr>
+          </a:p>
+          <a:p>
+            <a:pPr indent="-295275" lvl="0" marL="457200" rtl="0" algn="l">
+              <a:lnSpc>
+                <a:spcPct val="142857"/>
+              </a:lnSpc>
+              <a:spcBef>
+                <a:spcPts val="0"/>
+              </a:spcBef>
+              <a:spcAft>
+                <a:spcPts val="0"/>
+              </a:spcAft>
+              <a:buClr>
+                <a:srgbClr val="3C4043"/>
+              </a:buClr>
+              <a:buSzPts val="1050"/>
+              <a:buFont typeface="Roboto"/>
+              <a:buChar char="●"/>
+            </a:pPr>
+            <a:r>
+              <a:rPr lang="en-GB" sz="1050">
+                <a:solidFill>
+                  <a:srgbClr val="3C4043"/>
+                </a:solidFill>
+                <a:highlight>
+                  <a:srgbClr val="FFFFFF"/>
+                </a:highlight>
+                <a:latin typeface="Roboto"/>
+                <a:ea typeface="Roboto"/>
+                <a:cs typeface="Roboto"/>
+                <a:sym typeface="Roboto"/>
+              </a:rPr>
+              <a:t>Github repo : </a:t>
+            </a:r>
+            <a:r>
+              <a:rPr lang="en-GB" sz="1050" u="sng">
+                <a:solidFill>
+                  <a:schemeClr val="hlink"/>
+                </a:solidFill>
+                <a:highlight>
+                  <a:srgbClr val="FFFFFF"/>
+                </a:highlight>
+                <a:latin typeface="Roboto"/>
+                <a:ea typeface="Roboto"/>
+                <a:cs typeface="Roboto"/>
+                <a:sym typeface="Roboto"/>
+                <a:hlinkClick r:id="rId2"/>
+              </a:rPr>
+              <a:t>https://github.com/farouqBenarous/Machine_Learning_101_Workshop</a:t>
+            </a:r>
+            <a:endParaRPr sz="1050">
+              <a:solidFill>
+                <a:srgbClr val="3C4043"/>
+              </a:solidFill>
+              <a:highlight>
+                <a:srgbClr val="FFFFFF"/>
+              </a:highlight>
+              <a:latin typeface="Roboto"/>
+              <a:ea typeface="Roboto"/>
+              <a:cs typeface="Roboto"/>
+              <a:sym typeface="Roboto"/>
+            </a:endParaRPr>
+          </a:p>
+          <a:p>
+            <a:pPr indent="0" lvl="0" marL="0" rtl="0" algn="l">
+              <a:lnSpc>
+                <a:spcPct val="142857"/>
+              </a:lnSpc>
+              <a:spcBef>
+                <a:spcPts val="0"/>
+              </a:spcBef>
+              <a:spcAft>
+                <a:spcPts val="0"/>
+              </a:spcAft>
+              <a:buClr>
+                <a:schemeClr val="dk1"/>
+              </a:buClr>
+              <a:buSzPts val="1100"/>
+              <a:buFont typeface="Arial"/>
+              <a:buNone/>
+            </a:pPr>
+            <a:r>
+              <a:t/>
+            </a:r>
+            <a:endParaRPr sz="1050">
+              <a:solidFill>
+                <a:srgbClr val="3C4043"/>
+              </a:solidFill>
+              <a:highlight>
+                <a:srgbClr val="FFFFFF"/>
+              </a:highlight>
+              <a:latin typeface="Roboto"/>
+              <a:ea typeface="Roboto"/>
+              <a:cs typeface="Roboto"/>
+              <a:sym typeface="Roboto"/>
+            </a:endParaRPr>
+          </a:p>
+          <a:p>
             <a:pPr indent="0" lvl="0" marL="0" rtl="0" algn="l">
               <a:lnSpc>
                 <a:spcPct val="142857"/>
@@ -1073,7 +1308,7 @@
   <p:cSld>
     <p:spTree>
       <p:nvGrpSpPr>
-        <p:cNvPr id="159" name="Shape 159"/>
+        <p:cNvPr id="164" name="Shape 164"/>
         <p:cNvGrpSpPr/>
         <p:nvPr/>
       </p:nvGrpSpPr>
@@ -1087,7 +1322,7 @@
       </p:grpSpPr>
       <p:sp>
         <p:nvSpPr>
-          <p:cNvPr id="160" name="Google Shape;160;gc5276e20f2_0_12:notes"/>
+          <p:cNvPr id="165" name="Google Shape;165;gc5276e20f2_0_12:notes"/>
           <p:cNvSpPr/>
           <p:nvPr>
             <p:ph idx="2" type="sldImg"/>
@@ -1122,7 +1357,7 @@
       </p:sp>
       <p:sp>
         <p:nvSpPr>
-          <p:cNvPr id="161" name="Google Shape;161;gc5276e20f2_0_12:notes"/>
+          <p:cNvPr id="166" name="Google Shape;166;gc5276e20f2_0_12:notes"/>
           <p:cNvSpPr txBox="1"/>
           <p:nvPr>
             <p:ph idx="1" type="body"/>
@@ -1253,7 +1488,7 @@
   <p:cSld>
     <p:spTree>
       <p:nvGrpSpPr>
-        <p:cNvPr id="170" name="Shape 170"/>
+        <p:cNvPr id="175" name="Shape 175"/>
         <p:cNvGrpSpPr/>
         <p:nvPr/>
       </p:nvGrpSpPr>
@@ -1267,7 +1502,7 @@
       </p:grpSpPr>
       <p:sp>
         <p:nvSpPr>
-          <p:cNvPr id="171" name="Google Shape;171;gc636dceecc_0_60:notes"/>
+          <p:cNvPr id="176" name="Google Shape;176;gc636dceecc_0_60:notes"/>
           <p:cNvSpPr/>
           <p:nvPr>
             <p:ph idx="2" type="sldImg"/>
@@ -1302,7 +1537,7 @@
       </p:sp>
       <p:sp>
         <p:nvSpPr>
-          <p:cNvPr id="172" name="Google Shape;172;gc636dceecc_0_60:notes"/>
+          <p:cNvPr id="177" name="Google Shape;177;gc636dceecc_0_60:notes"/>
           <p:cNvSpPr txBox="1"/>
           <p:nvPr>
             <p:ph idx="1" type="body"/>
@@ -1354,7 +1589,7 @@
   <p:cSld>
     <p:spTree>
       <p:nvGrpSpPr>
-        <p:cNvPr id="178" name="Shape 178"/>
+        <p:cNvPr id="183" name="Shape 183"/>
         <p:cNvGrpSpPr/>
         <p:nvPr/>
       </p:nvGrpSpPr>
@@ -1368,7 +1603,7 @@
       </p:grpSpPr>
       <p:sp>
         <p:nvSpPr>
-          <p:cNvPr id="179" name="Google Shape;179;gc636dceecc_0_71:notes"/>
+          <p:cNvPr id="184" name="Google Shape;184;gc636dceecc_0_71:notes"/>
           <p:cNvSpPr/>
           <p:nvPr>
             <p:ph idx="2" type="sldImg"/>
@@ -1403,7 +1638,7 @@
       </p:sp>
       <p:sp>
         <p:nvSpPr>
-          <p:cNvPr id="180" name="Google Shape;180;gc636dceecc_0_71:notes"/>
+          <p:cNvPr id="185" name="Google Shape;185;gc636dceecc_0_71:notes"/>
           <p:cNvSpPr txBox="1"/>
           <p:nvPr>
             <p:ph idx="1" type="body"/>
@@ -1440,7 +1675,7 @@
             </a:r>
             <a:r>
               <a:rPr lang="en-GB"/>
-              <a:t>none-</a:t>
+              <a:t>non-</a:t>
             </a:r>
             <a:r>
               <a:rPr lang="en-GB"/>
@@ -1456,29 +1691,36 @@
               <a:spcAft>
                 <a:spcPts val="0"/>
               </a:spcAft>
+              <a:buClr>
+                <a:schemeClr val="dk1"/>
+              </a:buClr>
               <a:buSzPts val="1100"/>
               <a:buChar char="-"/>
             </a:pPr>
             <a:r>
+              <a:rPr lang="en-GB">
+                <a:solidFill>
+                  <a:schemeClr val="dk1"/>
+                </a:solidFill>
+              </a:rPr>
+              <a:t>It is valid critics to say that you are solving just locally </a:t>
+            </a:r>
+            <a:endParaRPr/>
+          </a:p>
+          <a:p>
+            <a:pPr indent="-298450" lvl="0" marL="457200" rtl="0" algn="l">
+              <a:spcBef>
+                <a:spcPts val="0"/>
+              </a:spcBef>
+              <a:spcAft>
+                <a:spcPts val="0"/>
+              </a:spcAft>
+              <a:buSzPts val="1100"/>
+              <a:buChar char="-"/>
+            </a:pPr>
+            <a:r>
               <a:rPr lang="en-GB"/>
               <a:t>In practice local optimization is enough for most of the problems</a:t>
-            </a:r>
-            <a:endParaRPr/>
-          </a:p>
-          <a:p>
-            <a:pPr indent="-298450" lvl="0" marL="457200" rtl="0" algn="l">
-              <a:spcBef>
-                <a:spcPts val="0"/>
-              </a:spcBef>
-              <a:spcAft>
-                <a:spcPts val="0"/>
-              </a:spcAft>
-              <a:buSzPts val="1100"/>
-              <a:buChar char="-"/>
-            </a:pPr>
-            <a:r>
-              <a:rPr lang="en-GB"/>
-              <a:t>It is valid critics to say that you are solving just locally </a:t>
             </a:r>
             <a:endParaRPr/>
           </a:p>
@@ -1497,7 +1739,7 @@
   <p:cSld>
     <p:spTree>
       <p:nvGrpSpPr>
-        <p:cNvPr id="185" name="Shape 185"/>
+        <p:cNvPr id="190" name="Shape 190"/>
         <p:cNvGrpSpPr/>
         <p:nvPr/>
       </p:nvGrpSpPr>
@@ -1511,7 +1753,7 @@
       </p:grpSpPr>
       <p:sp>
         <p:nvSpPr>
-          <p:cNvPr id="186" name="Google Shape;186;gc12e0bab26_0_285:notes"/>
+          <p:cNvPr id="191" name="Google Shape;191;gc12e0bab26_0_285:notes"/>
           <p:cNvSpPr/>
           <p:nvPr>
             <p:ph idx="2" type="sldImg"/>
@@ -1546,7 +1788,7 @@
       </p:sp>
       <p:sp>
         <p:nvSpPr>
-          <p:cNvPr id="187" name="Google Shape;187;gc12e0bab26_0_285:notes"/>
+          <p:cNvPr id="192" name="Google Shape;192;gc12e0bab26_0_285:notes"/>
           <p:cNvSpPr txBox="1"/>
           <p:nvPr>
             <p:ph idx="1" type="body"/>
@@ -2344,7 +2586,7 @@
                 <a:cs typeface="Roboto"/>
                 <a:sym typeface="Roboto"/>
               </a:rPr>
-              <a:t> They </a:t>
+              <a:t> Evolving </a:t>
             </a:r>
             <a:r>
               <a:rPr lang="en-GB" sz="1050">
@@ -2359,7 +2601,7 @@
                 <a:cs typeface="Roboto"/>
                 <a:sym typeface="Roboto"/>
               </a:rPr>
-              <a:t>created</a:t>
+              <a:t>structures of the brain </a:t>
             </a:r>
             <a:r>
               <a:rPr lang="en-GB" sz="1050">
@@ -2374,7 +2616,7 @@
                 <a:cs typeface="Roboto"/>
                 <a:sym typeface="Roboto"/>
               </a:rPr>
-              <a:t> Genetic algorithms,programming  </a:t>
+              <a:t> </a:t>
             </a:r>
             <a:endParaRPr sz="1050">
               <a:solidFill>
@@ -2390,17 +2632,64 @@
             </a:endParaRPr>
           </a:p>
           <a:p>
-            <a:pPr indent="0" lvl="0" marL="0" rtl="0" algn="l">
-              <a:spcBef>
-                <a:spcPts val="0"/>
-              </a:spcBef>
-              <a:spcAft>
-                <a:spcPts val="0"/>
-              </a:spcAft>
-              <a:buNone/>
-            </a:pPr>
-            <a:r>
-              <a:t/>
+            <a:pPr indent="-295275" lvl="0" marL="457200" rtl="0" algn="l">
+              <a:spcBef>
+                <a:spcPts val="0"/>
+              </a:spcBef>
+              <a:spcAft>
+                <a:spcPts val="0"/>
+              </a:spcAft>
+              <a:buClr>
+                <a:srgbClr val="3C4043"/>
+              </a:buClr>
+              <a:buSzPts val="1050"/>
+              <a:buFont typeface="Roboto"/>
+              <a:buChar char="-"/>
+            </a:pPr>
+            <a:r>
+              <a:rPr lang="en-GB" sz="1050">
+                <a:solidFill>
+                  <a:srgbClr val="3C4043"/>
+                </a:solidFill>
+                <a:highlight>
+                  <a:srgbClr val="FFFFFF"/>
+                </a:highlight>
+                <a:latin typeface="Roboto"/>
+                <a:ea typeface="Roboto"/>
+                <a:cs typeface="Roboto"/>
+                <a:sym typeface="Roboto"/>
+              </a:rPr>
+              <a:t> They </a:t>
+            </a:r>
+            <a:r>
+              <a:rPr lang="en-GB" sz="1050">
+                <a:solidFill>
+                  <a:srgbClr val="3C4043"/>
+                </a:solidFill>
+                <a:highlight>
+                  <a:srgbClr val="FFFFFF"/>
+                </a:highlight>
+                <a:latin typeface="Roboto"/>
+                <a:ea typeface="Roboto"/>
+                <a:cs typeface="Roboto"/>
+                <a:sym typeface="Roboto"/>
+              </a:rPr>
+              <a:t>created</a:t>
+            </a:r>
+            <a:r>
+              <a:rPr lang="en-GB" sz="1050">
+                <a:solidFill>
+                  <a:srgbClr val="3C4043"/>
+                </a:solidFill>
+                <a:highlight>
+                  <a:srgbClr val="FFFFFF"/>
+                </a:highlight>
+                <a:latin typeface="Roboto"/>
+                <a:ea typeface="Roboto"/>
+                <a:cs typeface="Roboto"/>
+                <a:sym typeface="Roboto"/>
+              </a:rPr>
+              <a:t> Genetic algorithms,programming  </a:t>
             </a:r>
             <a:endParaRPr sz="1050">
               <a:solidFill>
@@ -2426,19 +2715,7 @@
               <a:buNone/>
             </a:pPr>
             <a:r>
-              <a:rPr lang="en-GB" sz="1050">
-                <a:solidFill>
-                  <a:srgbClr val="3C4043"/>
-                </a:solidFill>
-                <a:highlight>
-                  <a:srgbClr val="FFFFFF"/>
-                </a:highlight>
-                <a:latin typeface="Roboto"/>
-                <a:ea typeface="Roboto"/>
-                <a:cs typeface="Roboto"/>
-                <a:sym typeface="Roboto"/>
-              </a:rPr>
-              <a:t>Basesians:</a:t>
+              <a:t/>
             </a:r>
             <a:endParaRPr sz="1050">
               <a:solidFill>
@@ -2454,19 +2731,14 @@
             </a:endParaRPr>
           </a:p>
           <a:p>
-            <a:pPr indent="-295275" lvl="0" marL="457200" rtl="0" algn="l">
-              <a:spcBef>
-                <a:spcPts val="0"/>
-              </a:spcBef>
-              <a:spcAft>
-                <a:spcPts val="0"/>
-              </a:spcAft>
-              <a:buClr>
-                <a:srgbClr val="3C4043"/>
-              </a:buClr>
-              <a:buSzPts val="1050"/>
-              <a:buFont typeface="Roboto"/>
-              <a:buChar char="-"/>
+            <a:pPr indent="0" lvl="0" marL="0" rtl="0" algn="l">
+              <a:spcBef>
+                <a:spcPts val="0"/>
+              </a:spcBef>
+              <a:spcAft>
+                <a:spcPts val="0"/>
+              </a:spcAft>
+              <a:buNone/>
             </a:pPr>
             <a:r>
               <a:rPr lang="en-GB" sz="1050">
@@ -2481,37 +2753,7 @@
                 <a:cs typeface="Roboto"/>
                 <a:sym typeface="Roboto"/>
               </a:rPr>
-              <a:t>Basians are concerned with all the other issues we mentioned with </a:t>
-            </a:r>
-            <a:r>
-              <a:rPr lang="en-GB" sz="1050">
-                <a:solidFill>
-                  <a:srgbClr val="3C4043"/>
-                </a:solidFill>
-                <a:highlight>
-                  <a:srgbClr val="FFFFFF"/>
-                </a:highlight>
-                <a:latin typeface="Roboto"/>
-                <a:ea typeface="Roboto"/>
-                <a:cs typeface="Roboto"/>
-                <a:sym typeface="Roboto"/>
-              </a:rPr>
-              <a:t>uncertainty</a:t>
-            </a:r>
-            <a:r>
-              <a:rPr lang="en-GB" sz="1050">
-                <a:solidFill>
-                  <a:srgbClr val="3C4043"/>
-                </a:solidFill>
-                <a:highlight>
-                  <a:srgbClr val="FFFFFF"/>
-                </a:highlight>
-                <a:latin typeface="Roboto"/>
-                <a:ea typeface="Roboto"/>
-                <a:cs typeface="Roboto"/>
-                <a:sym typeface="Roboto"/>
-              </a:rPr>
-              <a:t> </a:t>
+              <a:t>Basesians:</a:t>
             </a:r>
             <a:endParaRPr sz="1050">
               <a:solidFill>
@@ -2554,7 +2796,7 @@
                 <a:cs typeface="Roboto"/>
                 <a:sym typeface="Roboto"/>
               </a:rPr>
-              <a:t>Learning </a:t>
+              <a:t>Basians are concerned with all the other issues we mentioned with </a:t>
             </a:r>
             <a:r>
               <a:rPr lang="en-GB" sz="1050">
@@ -2569,37 +2811,7 @@
                 <a:cs typeface="Roboto"/>
                 <a:sym typeface="Roboto"/>
               </a:rPr>
-              <a:t>itself</a:t>
-            </a:r>
-            <a:r>
-              <a:rPr lang="en-GB" sz="1050">
-                <a:solidFill>
-                  <a:srgbClr val="3C4043"/>
-                </a:solidFill>
-                <a:highlight>
-                  <a:srgbClr val="FFFFFF"/>
-                </a:highlight>
-                <a:latin typeface="Roboto"/>
-                <a:ea typeface="Roboto"/>
-                <a:cs typeface="Roboto"/>
-                <a:sym typeface="Roboto"/>
-              </a:rPr>
-              <a:t> is a type of uncertain </a:t>
-            </a:r>
-            <a:r>
-              <a:rPr lang="en-GB" sz="1050">
-                <a:solidFill>
-                  <a:srgbClr val="3C4043"/>
-                </a:solidFill>
-                <a:highlight>
-                  <a:srgbClr val="FFFFFF"/>
-                </a:highlight>
-                <a:latin typeface="Roboto"/>
-                <a:ea typeface="Roboto"/>
-                <a:cs typeface="Roboto"/>
-                <a:sym typeface="Roboto"/>
-              </a:rPr>
-              <a:t>inference</a:t>
+              <a:t>uncertainty</a:t>
             </a:r>
             <a:r>
               <a:rPr lang="en-GB" sz="1050">
@@ -2657,7 +2869,67 @@
                 <a:cs typeface="Roboto"/>
                 <a:sym typeface="Roboto"/>
               </a:rPr>
-              <a:t>So the problem becomes how we can deal with these uncertainties without falling apart </a:t>
+              <a:t>Learning </a:t>
+            </a:r>
+            <a:r>
+              <a:rPr lang="en-GB" sz="1050">
+                <a:solidFill>
+                  <a:srgbClr val="3C4043"/>
+                </a:solidFill>
+                <a:highlight>
+                  <a:srgbClr val="FFFFFF"/>
+                </a:highlight>
+                <a:latin typeface="Roboto"/>
+                <a:ea typeface="Roboto"/>
+                <a:cs typeface="Roboto"/>
+                <a:sym typeface="Roboto"/>
+              </a:rPr>
+              <a:t>itself</a:t>
+            </a:r>
+            <a:r>
+              <a:rPr lang="en-GB" sz="1050">
+                <a:solidFill>
+                  <a:srgbClr val="3C4043"/>
+                </a:solidFill>
+                <a:highlight>
+                  <a:srgbClr val="FFFFFF"/>
+                </a:highlight>
+                <a:latin typeface="Roboto"/>
+                <a:ea typeface="Roboto"/>
+                <a:cs typeface="Roboto"/>
+                <a:sym typeface="Roboto"/>
+              </a:rPr>
+              <a:t> is a type of uncertain </a:t>
+            </a:r>
+            <a:r>
+              <a:rPr lang="en-GB" sz="1050">
+                <a:solidFill>
+                  <a:srgbClr val="3C4043"/>
+                </a:solidFill>
+                <a:highlight>
+                  <a:srgbClr val="FFFFFF"/>
+                </a:highlight>
+                <a:latin typeface="Roboto"/>
+                <a:ea typeface="Roboto"/>
+                <a:cs typeface="Roboto"/>
+                <a:sym typeface="Roboto"/>
+              </a:rPr>
+              <a:t>inference</a:t>
+            </a:r>
+            <a:r>
+              <a:rPr lang="en-GB" sz="1050">
+                <a:solidFill>
+                  <a:srgbClr val="3C4043"/>
+                </a:solidFill>
+                <a:highlight>
+                  <a:srgbClr val="FFFFFF"/>
+                </a:highlight>
+                <a:latin typeface="Roboto"/>
+                <a:ea typeface="Roboto"/>
+                <a:cs typeface="Roboto"/>
+                <a:sym typeface="Roboto"/>
+              </a:rPr>
+              <a:t> </a:t>
             </a:r>
             <a:endParaRPr sz="1050">
               <a:solidFill>
@@ -2700,7 +2972,7 @@
                 <a:cs typeface="Roboto"/>
                 <a:sym typeface="Roboto"/>
               </a:rPr>
-              <a:t>The naming is from bayes </a:t>
+              <a:t>The world is full of </a:t>
             </a:r>
             <a:r>
               <a:rPr lang="en-GB" sz="1050">
@@ -2708,119 +2980,14 @@
                   <a:srgbClr val="3C4043"/>
                 </a:solidFill>
                 <a:highlight>
-                  <a:srgbClr val="FFFFFF"/>
+                  <a:schemeClr val="lt1"/>
                 </a:highlight>
                 <a:latin typeface="Roboto"/>
                 <a:ea typeface="Roboto"/>
                 <a:cs typeface="Roboto"/>
                 <a:sym typeface="Roboto"/>
               </a:rPr>
-              <a:t>theorem</a:t>
-            </a:r>
-            <a:r>
-              <a:rPr lang="en-GB" sz="1050">
-                <a:solidFill>
-                  <a:srgbClr val="3C4043"/>
-                </a:solidFill>
-                <a:highlight>
-                  <a:srgbClr val="FFFFFF"/>
-                </a:highlight>
-                <a:latin typeface="Roboto"/>
-                <a:ea typeface="Roboto"/>
-                <a:cs typeface="Roboto"/>
-                <a:sym typeface="Roboto"/>
-              </a:rPr>
-              <a:t> , the </a:t>
-            </a:r>
-            <a:r>
-              <a:rPr lang="en-GB" sz="1050">
-                <a:solidFill>
-                  <a:srgbClr val="3C4043"/>
-                </a:solidFill>
-                <a:highlight>
-                  <a:srgbClr val="FFFFFF"/>
-                </a:highlight>
-                <a:latin typeface="Roboto"/>
-                <a:ea typeface="Roboto"/>
-                <a:cs typeface="Roboto"/>
-                <a:sym typeface="Roboto"/>
-              </a:rPr>
-              <a:t>theorem</a:t>
-            </a:r>
-            <a:r>
-              <a:rPr lang="en-GB" sz="1050">
-                <a:solidFill>
-                  <a:srgbClr val="3C4043"/>
-                </a:solidFill>
-                <a:highlight>
-                  <a:srgbClr val="FFFFFF"/>
-                </a:highlight>
-                <a:latin typeface="Roboto"/>
-                <a:ea typeface="Roboto"/>
-                <a:cs typeface="Roboto"/>
-                <a:sym typeface="Roboto"/>
-              </a:rPr>
-              <a:t> tells us how we can </a:t>
-            </a:r>
-            <a:r>
-              <a:rPr lang="en-GB" sz="1050">
-                <a:solidFill>
-                  <a:srgbClr val="3C4043"/>
-                </a:solidFill>
-                <a:highlight>
-                  <a:srgbClr val="FFFFFF"/>
-                </a:highlight>
-                <a:latin typeface="Roboto"/>
-                <a:ea typeface="Roboto"/>
-                <a:cs typeface="Roboto"/>
-                <a:sym typeface="Roboto"/>
-              </a:rPr>
-              <a:t>incorporate</a:t>
-            </a:r>
-            <a:r>
-              <a:rPr lang="en-GB" sz="1050">
-                <a:solidFill>
-                  <a:srgbClr val="3C4043"/>
-                </a:solidFill>
-                <a:highlight>
-                  <a:srgbClr val="FFFFFF"/>
-                </a:highlight>
-                <a:latin typeface="Roboto"/>
-                <a:ea typeface="Roboto"/>
-                <a:cs typeface="Roboto"/>
-                <a:sym typeface="Roboto"/>
-              </a:rPr>
-              <a:t> /embed new </a:t>
-            </a:r>
-            <a:r>
-              <a:rPr lang="en-GB" sz="1050">
-                <a:solidFill>
-                  <a:srgbClr val="3C4043"/>
-                </a:solidFill>
-                <a:highlight>
-                  <a:srgbClr val="FFFFFF"/>
-                </a:highlight>
-                <a:latin typeface="Roboto"/>
-                <a:ea typeface="Roboto"/>
-                <a:cs typeface="Roboto"/>
-                <a:sym typeface="Roboto"/>
-              </a:rPr>
-              <a:t>evidence</a:t>
-            </a:r>
-            <a:r>
-              <a:rPr lang="en-GB" sz="1050">
-                <a:solidFill>
-                  <a:srgbClr val="3C4043"/>
-                </a:solidFill>
-                <a:highlight>
-                  <a:srgbClr val="FFFFFF"/>
-                </a:highlight>
-                <a:latin typeface="Roboto"/>
-                <a:ea typeface="Roboto"/>
-                <a:cs typeface="Roboto"/>
-                <a:sym typeface="Roboto"/>
-              </a:rPr>
-              <a:t> in our beliefs </a:t>
+              <a:t>uncertainties that comes from different sources: incomplete observations , poor modeling , transition of dynamics   </a:t>
             </a:r>
             <a:endParaRPr sz="1050">
               <a:solidFill>
@@ -2836,17 +3003,34 @@
             </a:endParaRPr>
           </a:p>
           <a:p>
-            <a:pPr indent="0" lvl="0" marL="0" rtl="0" algn="l">
-              <a:spcBef>
-                <a:spcPts val="0"/>
-              </a:spcBef>
-              <a:spcAft>
-                <a:spcPts val="0"/>
-              </a:spcAft>
-              <a:buNone/>
-            </a:pPr>
-            <a:r>
-              <a:t/>
+            <a:pPr indent="-295275" lvl="0" marL="457200" rtl="0" algn="l">
+              <a:spcBef>
+                <a:spcPts val="0"/>
+              </a:spcBef>
+              <a:spcAft>
+                <a:spcPts val="0"/>
+              </a:spcAft>
+              <a:buClr>
+                <a:srgbClr val="3C4043"/>
+              </a:buClr>
+              <a:buSzPts val="1050"/>
+              <a:buFont typeface="Roboto"/>
+              <a:buChar char="-"/>
+            </a:pPr>
+            <a:r>
+              <a:rPr lang="en-GB" sz="1050">
+                <a:solidFill>
+                  <a:srgbClr val="3C4043"/>
+                </a:solidFill>
+                <a:highlight>
+                  <a:srgbClr val="FFFFFF"/>
+                </a:highlight>
+                <a:latin typeface="Roboto"/>
+                <a:ea typeface="Roboto"/>
+                <a:cs typeface="Roboto"/>
+                <a:sym typeface="Roboto"/>
+              </a:rPr>
+              <a:t>So the problem becomes how we can deal quantify with these uncertainties without falling apart </a:t>
             </a:r>
             <a:endParaRPr sz="1050">
               <a:solidFill>
@@ -2862,14 +3046,19 @@
             </a:endParaRPr>
           </a:p>
           <a:p>
-            <a:pPr indent="0" lvl="0" marL="0" rtl="0" algn="l">
-              <a:spcBef>
-                <a:spcPts val="0"/>
-              </a:spcBef>
-              <a:spcAft>
-                <a:spcPts val="0"/>
-              </a:spcAft>
-              <a:buNone/>
+            <a:pPr indent="-295275" lvl="0" marL="457200" rtl="0" algn="l">
+              <a:spcBef>
+                <a:spcPts val="0"/>
+              </a:spcBef>
+              <a:spcAft>
+                <a:spcPts val="0"/>
+              </a:spcAft>
+              <a:buClr>
+                <a:srgbClr val="3C4043"/>
+              </a:buClr>
+              <a:buSzPts val="1050"/>
+              <a:buFont typeface="Roboto"/>
+              <a:buChar char="-"/>
             </a:pPr>
             <a:r>
               <a:rPr lang="en-GB" sz="1050">
@@ -2884,7 +3073,127 @@
                 <a:cs typeface="Roboto"/>
                 <a:sym typeface="Roboto"/>
               </a:rPr>
-              <a:t>Analogierzersz:</a:t>
+              <a:t>The naming is from bayes </a:t>
+            </a:r>
+            <a:r>
+              <a:rPr lang="en-GB" sz="1050">
+                <a:solidFill>
+                  <a:srgbClr val="3C4043"/>
+                </a:solidFill>
+                <a:highlight>
+                  <a:srgbClr val="FFFFFF"/>
+                </a:highlight>
+                <a:latin typeface="Roboto"/>
+                <a:ea typeface="Roboto"/>
+                <a:cs typeface="Roboto"/>
+                <a:sym typeface="Roboto"/>
+              </a:rPr>
+              <a:t>theorem</a:t>
+            </a:r>
+            <a:r>
+              <a:rPr lang="en-GB" sz="1050">
+                <a:solidFill>
+                  <a:srgbClr val="3C4043"/>
+                </a:solidFill>
+                <a:highlight>
+                  <a:srgbClr val="FFFFFF"/>
+                </a:highlight>
+                <a:latin typeface="Roboto"/>
+                <a:ea typeface="Roboto"/>
+                <a:cs typeface="Roboto"/>
+                <a:sym typeface="Roboto"/>
+              </a:rPr>
+              <a:t> , the </a:t>
+            </a:r>
+            <a:r>
+              <a:rPr lang="en-GB" sz="1050">
+                <a:solidFill>
+                  <a:srgbClr val="3C4043"/>
+                </a:solidFill>
+                <a:highlight>
+                  <a:srgbClr val="FFFFFF"/>
+                </a:highlight>
+                <a:latin typeface="Roboto"/>
+                <a:ea typeface="Roboto"/>
+                <a:cs typeface="Roboto"/>
+                <a:sym typeface="Roboto"/>
+              </a:rPr>
+              <a:t>theorem</a:t>
+            </a:r>
+            <a:r>
+              <a:rPr lang="en-GB" sz="1050">
+                <a:solidFill>
+                  <a:srgbClr val="3C4043"/>
+                </a:solidFill>
+                <a:highlight>
+                  <a:srgbClr val="FFFFFF"/>
+                </a:highlight>
+                <a:latin typeface="Roboto"/>
+                <a:ea typeface="Roboto"/>
+                <a:cs typeface="Roboto"/>
+                <a:sym typeface="Roboto"/>
+              </a:rPr>
+              <a:t> tells us how we can </a:t>
+            </a:r>
+            <a:r>
+              <a:rPr lang="en-GB" sz="1050">
+                <a:solidFill>
+                  <a:srgbClr val="3C4043"/>
+                </a:solidFill>
+                <a:highlight>
+                  <a:srgbClr val="FFFFFF"/>
+                </a:highlight>
+                <a:latin typeface="Roboto"/>
+                <a:ea typeface="Roboto"/>
+                <a:cs typeface="Roboto"/>
+                <a:sym typeface="Roboto"/>
+              </a:rPr>
+              <a:t>incorporate</a:t>
+            </a:r>
+            <a:r>
+              <a:rPr lang="en-GB" sz="1050">
+                <a:solidFill>
+                  <a:srgbClr val="3C4043"/>
+                </a:solidFill>
+                <a:highlight>
+                  <a:srgbClr val="FFFFFF"/>
+                </a:highlight>
+                <a:latin typeface="Roboto"/>
+                <a:ea typeface="Roboto"/>
+                <a:cs typeface="Roboto"/>
+                <a:sym typeface="Roboto"/>
+              </a:rPr>
+              <a:t> /embed new </a:t>
+            </a:r>
+            <a:r>
+              <a:rPr lang="en-GB" sz="1050">
+                <a:solidFill>
+                  <a:srgbClr val="3C4043"/>
+                </a:solidFill>
+                <a:highlight>
+                  <a:srgbClr val="FFFFFF"/>
+                </a:highlight>
+                <a:latin typeface="Roboto"/>
+                <a:ea typeface="Roboto"/>
+                <a:cs typeface="Roboto"/>
+                <a:sym typeface="Roboto"/>
+              </a:rPr>
+              <a:t>evidence</a:t>
+            </a:r>
+            <a:r>
+              <a:rPr lang="en-GB" sz="1050">
+                <a:solidFill>
+                  <a:srgbClr val="3C4043"/>
+                </a:solidFill>
+                <a:highlight>
+                  <a:srgbClr val="FFFFFF"/>
+                </a:highlight>
+                <a:latin typeface="Roboto"/>
+                <a:ea typeface="Roboto"/>
+                <a:cs typeface="Roboto"/>
+                <a:sym typeface="Roboto"/>
+              </a:rPr>
+              <a:t> in our beliefs </a:t>
             </a:r>
             <a:endParaRPr sz="1050">
               <a:solidFill>
@@ -2900,34 +3209,17 @@
             </a:endParaRPr>
           </a:p>
           <a:p>
-            <a:pPr indent="-295275" lvl="0" marL="457200" rtl="0" algn="l">
-              <a:spcBef>
-                <a:spcPts val="0"/>
-              </a:spcBef>
-              <a:spcAft>
-                <a:spcPts val="0"/>
-              </a:spcAft>
-              <a:buClr>
-                <a:srgbClr val="3C4043"/>
-              </a:buClr>
-              <a:buSzPts val="1050"/>
-              <a:buFont typeface="Roboto"/>
-              <a:buChar char="-"/>
-            </a:pPr>
-            <a:r>
-              <a:rPr lang="en-GB" sz="1050">
-                <a:solidFill>
-                  <a:srgbClr val="3C4043"/>
-                </a:solidFill>
-                <a:highlight>
-                  <a:srgbClr val="FFFFFF"/>
-                </a:highlight>
-                <a:latin typeface="Roboto"/>
-                <a:ea typeface="Roboto"/>
-                <a:cs typeface="Roboto"/>
-                <a:sym typeface="Roboto"/>
-              </a:rPr>
-              <a:t>Comes from analogy which is making abstractions </a:t>
+            <a:pPr indent="0" lvl="0" marL="0" rtl="0" algn="l">
+              <a:spcBef>
+                <a:spcPts val="0"/>
+              </a:spcBef>
+              <a:spcAft>
+                <a:spcPts val="0"/>
+              </a:spcAft>
+              <a:buNone/>
+            </a:pPr>
+            <a:r>
+              <a:t/>
             </a:r>
             <a:endParaRPr sz="1050">
               <a:solidFill>
@@ -2943,19 +3235,14 @@
             </a:endParaRPr>
           </a:p>
           <a:p>
-            <a:pPr indent="-295275" lvl="0" marL="457200" rtl="0" algn="l">
-              <a:spcBef>
-                <a:spcPts val="0"/>
-              </a:spcBef>
-              <a:spcAft>
-                <a:spcPts val="0"/>
-              </a:spcAft>
-              <a:buClr>
-                <a:srgbClr val="3C4043"/>
-              </a:buClr>
-              <a:buSzPts val="1050"/>
-              <a:buFont typeface="Roboto"/>
-              <a:buChar char="-"/>
+            <a:pPr indent="0" lvl="0" marL="0" rtl="0" algn="l">
+              <a:spcBef>
+                <a:spcPts val="0"/>
+              </a:spcBef>
+              <a:spcAft>
+                <a:spcPts val="0"/>
+              </a:spcAft>
+              <a:buNone/>
             </a:pPr>
             <a:r>
               <a:rPr lang="en-GB" sz="1050">
@@ -2970,67 +3257,7 @@
                 <a:cs typeface="Roboto"/>
                 <a:sym typeface="Roboto"/>
               </a:rPr>
-              <a:t>The key of learning is </a:t>
-            </a:r>
-            <a:r>
-              <a:rPr lang="en-GB" sz="1050">
-                <a:solidFill>
-                  <a:srgbClr val="3C4043"/>
-                </a:solidFill>
-                <a:highlight>
-                  <a:srgbClr val="FFFFFF"/>
-                </a:highlight>
-                <a:latin typeface="Roboto"/>
-                <a:ea typeface="Roboto"/>
-                <a:cs typeface="Roboto"/>
-                <a:sym typeface="Roboto"/>
-              </a:rPr>
-              <a:t>recognizing</a:t>
-            </a:r>
-            <a:r>
-              <a:rPr lang="en-GB" sz="1050">
-                <a:solidFill>
-                  <a:srgbClr val="3C4043"/>
-                </a:solidFill>
-                <a:highlight>
-                  <a:srgbClr val="FFFFFF"/>
-                </a:highlight>
-                <a:latin typeface="Roboto"/>
-                <a:ea typeface="Roboto"/>
-                <a:cs typeface="Roboto"/>
-                <a:sym typeface="Roboto"/>
-              </a:rPr>
-              <a:t> </a:t>
-            </a:r>
-            <a:r>
-              <a:rPr lang="en-GB" sz="1050">
-                <a:solidFill>
-                  <a:srgbClr val="3C4043"/>
-                </a:solidFill>
-                <a:highlight>
-                  <a:srgbClr val="FFFFFF"/>
-                </a:highlight>
-                <a:latin typeface="Roboto"/>
-                <a:ea typeface="Roboto"/>
-                <a:cs typeface="Roboto"/>
-                <a:sym typeface="Roboto"/>
-              </a:rPr>
-              <a:t>similarities</a:t>
-            </a:r>
-            <a:r>
-              <a:rPr lang="en-GB" sz="1050">
-                <a:solidFill>
-                  <a:srgbClr val="3C4043"/>
-                </a:solidFill>
-                <a:highlight>
-                  <a:srgbClr val="FFFFFF"/>
-                </a:highlight>
-                <a:latin typeface="Roboto"/>
-                <a:ea typeface="Roboto"/>
-                <a:cs typeface="Roboto"/>
-                <a:sym typeface="Roboto"/>
-              </a:rPr>
-              <a:t> </a:t>
+              <a:t>Analogierzersz:</a:t>
             </a:r>
             <a:endParaRPr sz="1050">
               <a:solidFill>
@@ -3073,97 +3300,7 @@
                 <a:cs typeface="Roboto"/>
                 <a:sym typeface="Roboto"/>
               </a:rPr>
-              <a:t>As example if two </a:t>
-            </a:r>
-            <a:r>
-              <a:rPr lang="en-GB" sz="1050">
-                <a:solidFill>
-                  <a:srgbClr val="3C4043"/>
-                </a:solidFill>
-                <a:highlight>
-                  <a:srgbClr val="FFFFFF"/>
-                </a:highlight>
-                <a:latin typeface="Roboto"/>
-                <a:ea typeface="Roboto"/>
-                <a:cs typeface="Roboto"/>
-                <a:sym typeface="Roboto"/>
-              </a:rPr>
-              <a:t>patients</a:t>
-            </a:r>
-            <a:r>
-              <a:rPr lang="en-GB" sz="1050">
-                <a:solidFill>
-                  <a:srgbClr val="3C4043"/>
-                </a:solidFill>
-                <a:highlight>
-                  <a:srgbClr val="FFFFFF"/>
-                </a:highlight>
-                <a:latin typeface="Roboto"/>
-                <a:ea typeface="Roboto"/>
-                <a:cs typeface="Roboto"/>
-                <a:sym typeface="Roboto"/>
-              </a:rPr>
-              <a:t> have same </a:t>
-            </a:r>
-            <a:r>
-              <a:rPr lang="en-GB" sz="1050">
-                <a:solidFill>
-                  <a:srgbClr val="3C4043"/>
-                </a:solidFill>
-                <a:highlight>
-                  <a:srgbClr val="FFFFFF"/>
-                </a:highlight>
-                <a:latin typeface="Roboto"/>
-                <a:ea typeface="Roboto"/>
-                <a:cs typeface="Roboto"/>
-                <a:sym typeface="Roboto"/>
-              </a:rPr>
-              <a:t>symptoms</a:t>
-            </a:r>
-            <a:r>
-              <a:rPr lang="en-GB" sz="1050">
-                <a:solidFill>
-                  <a:srgbClr val="3C4043"/>
-                </a:solidFill>
-                <a:highlight>
-                  <a:srgbClr val="FFFFFF"/>
-                </a:highlight>
-                <a:latin typeface="Roboto"/>
-                <a:ea typeface="Roboto"/>
-                <a:cs typeface="Roboto"/>
-                <a:sym typeface="Roboto"/>
-              </a:rPr>
-              <a:t> they might have the same </a:t>
-            </a:r>
-            <a:r>
-              <a:rPr lang="en-GB" sz="1050">
-                <a:solidFill>
-                  <a:srgbClr val="3C4043"/>
-                </a:solidFill>
-                <a:highlight>
-                  <a:srgbClr val="FFFFFF"/>
-                </a:highlight>
-                <a:latin typeface="Roboto"/>
-                <a:ea typeface="Roboto"/>
-                <a:cs typeface="Roboto"/>
-                <a:sym typeface="Roboto"/>
-              </a:rPr>
-              <a:t>disease</a:t>
-            </a:r>
-            <a:r>
-              <a:rPr lang="en-GB" sz="1050">
-                <a:solidFill>
-                  <a:srgbClr val="3C4043"/>
-                </a:solidFill>
-                <a:highlight>
-                  <a:srgbClr val="FFFFFF"/>
-                </a:highlight>
-                <a:latin typeface="Roboto"/>
-                <a:ea typeface="Roboto"/>
-                <a:cs typeface="Roboto"/>
-                <a:sym typeface="Roboto"/>
-              </a:rPr>
-              <a:t>, the key is to decide how similar the situations are </a:t>
+              <a:t>Comes from analogy which is making abstractions </a:t>
             </a:r>
             <a:endParaRPr sz="1050">
               <a:solidFill>
@@ -3179,7 +3316,7 @@
             </a:endParaRPr>
           </a:p>
           <a:p>
-            <a:pPr indent="0" lvl="0" marL="0" rtl="0" algn="l">
+            <a:pPr indent="-295275" lvl="0" marL="457200" rtl="0" algn="l">
               <a:spcBef>
                 <a:spcPts val="0"/>
               </a:spcBef>
@@ -3187,14 +3324,86 @@
                 <a:spcPts val="0"/>
               </a:spcAft>
               <a:buClr>
-                <a:schemeClr val="dk1"/>
+                <a:srgbClr val="3C4043"/>
               </a:buClr>
-              <a:buSzPts val="1100"/>
-              <a:buFont typeface="Arial"/>
-              <a:buNone/>
-            </a:pPr>
-            <a:r>
-              <a:t/>
+              <a:buSzPts val="1050"/>
+              <a:buFont typeface="Roboto"/>
+              <a:buChar char="-"/>
+            </a:pPr>
+            <a:r>
+              <a:rPr lang="en-GB" sz="1050">
+                <a:solidFill>
+                  <a:srgbClr val="3C4043"/>
+                </a:solidFill>
+                <a:highlight>
+                  <a:srgbClr val="FFFFFF"/>
+                </a:highlight>
+                <a:latin typeface="Roboto"/>
+                <a:ea typeface="Roboto"/>
+                <a:cs typeface="Roboto"/>
+                <a:sym typeface="Roboto"/>
+              </a:rPr>
+              <a:t>The key of learning is </a:t>
+            </a:r>
+            <a:r>
+              <a:rPr lang="en-GB" sz="1050">
+                <a:solidFill>
+                  <a:srgbClr val="3C4043"/>
+                </a:solidFill>
+                <a:highlight>
+                  <a:srgbClr val="FFFFFF"/>
+                </a:highlight>
+                <a:latin typeface="Roboto"/>
+                <a:ea typeface="Roboto"/>
+                <a:cs typeface="Roboto"/>
+                <a:sym typeface="Roboto"/>
+              </a:rPr>
+              <a:t>recognizing</a:t>
+            </a:r>
+            <a:r>
+              <a:rPr lang="en-GB" sz="1050">
+                <a:solidFill>
+                  <a:srgbClr val="3C4043"/>
+                </a:solidFill>
+                <a:highlight>
+                  <a:srgbClr val="FFFFFF"/>
+                </a:highlight>
+                <a:latin typeface="Roboto"/>
+                <a:ea typeface="Roboto"/>
+                <a:cs typeface="Roboto"/>
+                <a:sym typeface="Roboto"/>
+              </a:rPr>
+              <a:t> </a:t>
+            </a:r>
+            <a:r>
+              <a:rPr lang="en-GB" sz="1050">
+                <a:solidFill>
+                  <a:srgbClr val="3C4043"/>
+                </a:solidFill>
+                <a:highlight>
+                  <a:srgbClr val="FFFFFF"/>
+                </a:highlight>
+                <a:latin typeface="Roboto"/>
+                <a:ea typeface="Roboto"/>
+                <a:cs typeface="Roboto"/>
+                <a:sym typeface="Roboto"/>
+              </a:rPr>
+              <a:t>similarities</a:t>
+            </a:r>
+            <a:r>
+              <a:rPr lang="en-GB" sz="1050">
+                <a:solidFill>
+                  <a:srgbClr val="3C4043"/>
+                </a:solidFill>
+                <a:highlight>
+                  <a:srgbClr val="FFFFFF"/>
+                </a:highlight>
+                <a:latin typeface="Roboto"/>
+                <a:ea typeface="Roboto"/>
+                <a:cs typeface="Roboto"/>
+                <a:sym typeface="Roboto"/>
+              </a:rPr>
+              <a:t> </a:t>
             </a:r>
             <a:endParaRPr sz="1050">
               <a:solidFill>
@@ -3210,7 +3419,7 @@
             </a:endParaRPr>
           </a:p>
           <a:p>
-            <a:pPr indent="0" lvl="0" marL="0" rtl="0" algn="l">
+            <a:pPr indent="-295275" lvl="0" marL="457200" rtl="0" algn="l">
               <a:spcBef>
                 <a:spcPts val="0"/>
               </a:spcBef>
@@ -3218,11 +3427,11 @@
                 <a:spcPts val="0"/>
               </a:spcAft>
               <a:buClr>
-                <a:schemeClr val="dk1"/>
+                <a:srgbClr val="3C4043"/>
               </a:buClr>
-              <a:buSzPts val="1100"/>
-              <a:buFont typeface="Arial"/>
-              <a:buNone/>
+              <a:buSzPts val="1050"/>
+              <a:buFont typeface="Roboto"/>
+              <a:buChar char="-"/>
             </a:pPr>
             <a:r>
               <a:rPr lang="en-GB" sz="1050">
@@ -3237,7 +3446,97 @@
                 <a:cs typeface="Roboto"/>
                 <a:sym typeface="Roboto"/>
               </a:rPr>
-              <a:t>The main take away from this slide is that, All of these different categories of model all of them do hinge on very solid scientific intuition, so we should not qualify or disqualify models because of its engineering success</a:t>
+              <a:t>As example if two </a:t>
+            </a:r>
+            <a:r>
+              <a:rPr lang="en-GB" sz="1050">
+                <a:solidFill>
+                  <a:srgbClr val="3C4043"/>
+                </a:solidFill>
+                <a:highlight>
+                  <a:srgbClr val="FFFFFF"/>
+                </a:highlight>
+                <a:latin typeface="Roboto"/>
+                <a:ea typeface="Roboto"/>
+                <a:cs typeface="Roboto"/>
+                <a:sym typeface="Roboto"/>
+              </a:rPr>
+              <a:t>patients</a:t>
+            </a:r>
+            <a:r>
+              <a:rPr lang="en-GB" sz="1050">
+                <a:solidFill>
+                  <a:srgbClr val="3C4043"/>
+                </a:solidFill>
+                <a:highlight>
+                  <a:srgbClr val="FFFFFF"/>
+                </a:highlight>
+                <a:latin typeface="Roboto"/>
+                <a:ea typeface="Roboto"/>
+                <a:cs typeface="Roboto"/>
+                <a:sym typeface="Roboto"/>
+              </a:rPr>
+              <a:t> have same </a:t>
+            </a:r>
+            <a:r>
+              <a:rPr lang="en-GB" sz="1050">
+                <a:solidFill>
+                  <a:srgbClr val="3C4043"/>
+                </a:solidFill>
+                <a:highlight>
+                  <a:srgbClr val="FFFFFF"/>
+                </a:highlight>
+                <a:latin typeface="Roboto"/>
+                <a:ea typeface="Roboto"/>
+                <a:cs typeface="Roboto"/>
+                <a:sym typeface="Roboto"/>
+              </a:rPr>
+              <a:t>symptoms</a:t>
+            </a:r>
+            <a:r>
+              <a:rPr lang="en-GB" sz="1050">
+                <a:solidFill>
+                  <a:srgbClr val="3C4043"/>
+                </a:solidFill>
+                <a:highlight>
+                  <a:srgbClr val="FFFFFF"/>
+                </a:highlight>
+                <a:latin typeface="Roboto"/>
+                <a:ea typeface="Roboto"/>
+                <a:cs typeface="Roboto"/>
+                <a:sym typeface="Roboto"/>
+              </a:rPr>
+              <a:t> they might have the same </a:t>
+            </a:r>
+            <a:r>
+              <a:rPr lang="en-GB" sz="1050">
+                <a:solidFill>
+                  <a:srgbClr val="3C4043"/>
+                </a:solidFill>
+                <a:highlight>
+                  <a:srgbClr val="FFFFFF"/>
+                </a:highlight>
+                <a:latin typeface="Roboto"/>
+                <a:ea typeface="Roboto"/>
+                <a:cs typeface="Roboto"/>
+                <a:sym typeface="Roboto"/>
+              </a:rPr>
+              <a:t>disease</a:t>
+            </a:r>
+            <a:r>
+              <a:rPr lang="en-GB" sz="1050">
+                <a:solidFill>
+                  <a:srgbClr val="3C4043"/>
+                </a:solidFill>
+                <a:highlight>
+                  <a:srgbClr val="FFFFFF"/>
+                </a:highlight>
+                <a:latin typeface="Roboto"/>
+                <a:ea typeface="Roboto"/>
+                <a:cs typeface="Roboto"/>
+                <a:sym typeface="Roboto"/>
+              </a:rPr>
+              <a:t>, the key is to decide how similar the situations are </a:t>
             </a:r>
             <a:endParaRPr sz="1050">
               <a:solidFill>
@@ -3270,6 +3569,80 @@
             <a:r>
               <a:t/>
             </a:r>
+            <a:endParaRPr sz="1050">
+              <a:solidFill>
+                <a:srgbClr val="3C4043"/>
+              </a:solidFill>
+              <a:highlight>
+                <a:srgbClr val="FFFFFF"/>
+              </a:highlight>
+              <a:latin typeface="Roboto"/>
+              <a:ea typeface="Roboto"/>
+              <a:cs typeface="Roboto"/>
+              <a:sym typeface="Roboto"/>
+            </a:endParaRPr>
+          </a:p>
+          <a:p>
+            <a:pPr indent="-295275" lvl="0" marL="457200" rtl="0" algn="l">
+              <a:spcBef>
+                <a:spcPts val="0"/>
+              </a:spcBef>
+              <a:spcAft>
+                <a:spcPts val="0"/>
+              </a:spcAft>
+              <a:buClr>
+                <a:srgbClr val="3C4043"/>
+              </a:buClr>
+              <a:buSzPts val="1050"/>
+              <a:buFont typeface="Roboto"/>
+              <a:buChar char="●"/>
+            </a:pPr>
+            <a:r>
+              <a:rPr lang="en-GB" sz="1050">
+                <a:solidFill>
+                  <a:srgbClr val="3C4043"/>
+                </a:solidFill>
+                <a:highlight>
+                  <a:srgbClr val="FFFFFF"/>
+                </a:highlight>
+                <a:latin typeface="Roboto"/>
+                <a:ea typeface="Roboto"/>
+                <a:cs typeface="Roboto"/>
+                <a:sym typeface="Roboto"/>
+              </a:rPr>
+              <a:t>The main take away from this slide is that, All of these different categories of model all of them do hinge on very solid scientific intuition, so we should not qualify or disqualify models because of its engineering success</a:t>
+            </a:r>
+            <a:endParaRPr sz="1050">
+              <a:solidFill>
+                <a:srgbClr val="3C4043"/>
+              </a:solidFill>
+              <a:highlight>
+                <a:srgbClr val="FFFFFF"/>
+              </a:highlight>
+              <a:latin typeface="Roboto"/>
+              <a:ea typeface="Roboto"/>
+              <a:cs typeface="Roboto"/>
+              <a:sym typeface="Roboto"/>
+            </a:endParaRPr>
+          </a:p>
+          <a:p>
+            <a:pPr indent="0" lvl="0" marL="0" rtl="0" algn="l">
+              <a:spcBef>
+                <a:spcPts val="0"/>
+              </a:spcBef>
+              <a:spcAft>
+                <a:spcPts val="0"/>
+              </a:spcAft>
+              <a:buClr>
+                <a:schemeClr val="dk1"/>
+              </a:buClr>
+              <a:buSzPts val="1100"/>
+              <a:buFont typeface="Arial"/>
+              <a:buNone/>
+            </a:pPr>
+            <a:r>
+              <a:t/>
+            </a:r>
             <a:endParaRPr>
               <a:solidFill>
                 <a:schemeClr val="dk1"/>
@@ -3277,14 +3650,19 @@
             </a:endParaRPr>
           </a:p>
           <a:p>
-            <a:pPr indent="0" lvl="0" marL="0" rtl="0" algn="l">
-              <a:spcBef>
-                <a:spcPts val="0"/>
-              </a:spcBef>
-              <a:spcAft>
-                <a:spcPts val="0"/>
-              </a:spcAft>
-              <a:buNone/>
+            <a:pPr indent="-295275" lvl="0" marL="457200" rtl="0" algn="l">
+              <a:spcBef>
+                <a:spcPts val="0"/>
+              </a:spcBef>
+              <a:spcAft>
+                <a:spcPts val="0"/>
+              </a:spcAft>
+              <a:buClr>
+                <a:srgbClr val="3C4043"/>
+              </a:buClr>
+              <a:buSzPts val="1050"/>
+              <a:buFont typeface="Roboto"/>
+              <a:buChar char="●"/>
             </a:pPr>
             <a:r>
               <a:rPr lang="en-GB" sz="1050">
@@ -3318,7 +3696,7 @@
   <p:cSld>
     <p:spTree>
       <p:nvGrpSpPr>
-        <p:cNvPr id="192" name="Shape 192"/>
+        <p:cNvPr id="197" name="Shape 197"/>
         <p:cNvGrpSpPr/>
         <p:nvPr/>
       </p:nvGrpSpPr>
@@ -3332,7 +3710,7 @@
       </p:grpSpPr>
       <p:sp>
         <p:nvSpPr>
-          <p:cNvPr id="193" name="Google Shape;193;gc720029bd5_0_0:notes"/>
+          <p:cNvPr id="198" name="Google Shape;198;gc720029bd5_0_0:notes"/>
           <p:cNvSpPr/>
           <p:nvPr>
             <p:ph idx="2" type="sldImg"/>
@@ -3367,7 +3745,7 @@
       </p:sp>
       <p:sp>
         <p:nvSpPr>
-          <p:cNvPr id="194" name="Google Shape;194;gc720029bd5_0_0:notes"/>
+          <p:cNvPr id="199" name="Google Shape;199;gc720029bd5_0_0:notes"/>
           <p:cNvSpPr txBox="1"/>
           <p:nvPr>
             <p:ph idx="1" type="body"/>
@@ -3496,7 +3874,7 @@
   <p:cSld>
     <p:spTree>
       <p:nvGrpSpPr>
-        <p:cNvPr id="198" name="Shape 198"/>
+        <p:cNvPr id="203" name="Shape 203"/>
         <p:cNvGrpSpPr/>
         <p:nvPr/>
       </p:nvGrpSpPr>
@@ -3510,7 +3888,7 @@
       </p:grpSpPr>
       <p:sp>
         <p:nvSpPr>
-          <p:cNvPr id="199" name="Google Shape;199;gc12e0bab26_0_262:notes"/>
+          <p:cNvPr id="204" name="Google Shape;204;gc12e0bab26_0_262:notes"/>
           <p:cNvSpPr/>
           <p:nvPr>
             <p:ph idx="2" type="sldImg"/>
@@ -3545,7 +3923,7 @@
       </p:sp>
       <p:sp>
         <p:nvSpPr>
-          <p:cNvPr id="200" name="Google Shape;200;gc12e0bab26_0_262:notes"/>
+          <p:cNvPr id="205" name="Google Shape;205;gc12e0bab26_0_262:notes"/>
           <p:cNvSpPr txBox="1"/>
           <p:nvPr>
             <p:ph idx="1" type="body"/>
@@ -3595,7 +3973,7 @@
   <p:cSld>
     <p:spTree>
       <p:nvGrpSpPr>
-        <p:cNvPr id="206" name="Shape 206"/>
+        <p:cNvPr id="211" name="Shape 211"/>
         <p:cNvGrpSpPr/>
         <p:nvPr/>
       </p:nvGrpSpPr>
@@ -3609,7 +3987,7 @@
       </p:grpSpPr>
       <p:sp>
         <p:nvSpPr>
-          <p:cNvPr id="207" name="Google Shape;207;gc720029bd5_0_12:notes"/>
+          <p:cNvPr id="212" name="Google Shape;212;gc720029bd5_0_12:notes"/>
           <p:cNvSpPr/>
           <p:nvPr>
             <p:ph idx="2" type="sldImg"/>
@@ -3644,7 +4022,7 @@
       </p:sp>
       <p:sp>
         <p:nvSpPr>
-          <p:cNvPr id="208" name="Google Shape;208;gc720029bd5_0_12:notes"/>
+          <p:cNvPr id="213" name="Google Shape;213;gc720029bd5_0_12:notes"/>
           <p:cNvSpPr txBox="1"/>
           <p:nvPr>
             <p:ph idx="1" type="body"/>
@@ -3759,7 +4137,37 @@
                 <a:cs typeface="Roboto"/>
                 <a:sym typeface="Roboto"/>
               </a:rPr>
-              <a:t>* Quantic effects in the brain</a:t>
+              <a:t>* </a:t>
+            </a:r>
+            <a:r>
+              <a:rPr lang="en-GB" sz="1050">
+                <a:solidFill>
+                  <a:srgbClr val="3C4043"/>
+                </a:solidFill>
+                <a:highlight>
+                  <a:srgbClr val="FFFFFF"/>
+                </a:highlight>
+                <a:latin typeface="Roboto"/>
+                <a:ea typeface="Roboto"/>
+                <a:cs typeface="Roboto"/>
+                <a:sym typeface="Roboto"/>
+              </a:rPr>
+              <a:t>Quantum</a:t>
+            </a:r>
+            <a:r>
+              <a:rPr lang="en-GB" sz="1050">
+                <a:solidFill>
+                  <a:srgbClr val="3C4043"/>
+                </a:solidFill>
+                <a:highlight>
+                  <a:srgbClr val="FFFFFF"/>
+                </a:highlight>
+                <a:latin typeface="Roboto"/>
+                <a:ea typeface="Roboto"/>
+                <a:cs typeface="Roboto"/>
+                <a:sym typeface="Roboto"/>
+              </a:rPr>
+              <a:t> effects in the brain</a:t>
             </a:r>
             <a:endParaRPr sz="1050">
               <a:solidFill>
@@ -3821,7 +4229,37 @@
                 <a:cs typeface="Roboto"/>
                 <a:sym typeface="Roboto"/>
               </a:rPr>
-              <a:t>*The main take way is that Artificial neural network are a mathematical representation of what we have understood from the brain, however there's still so much we don't now that need to be discovered</a:t>
+              <a:t>*The main </a:t>
+            </a:r>
+            <a:r>
+              <a:rPr lang="en-GB" sz="1050">
+                <a:solidFill>
+                  <a:srgbClr val="3C4043"/>
+                </a:solidFill>
+                <a:highlight>
+                  <a:srgbClr val="FFFFFF"/>
+                </a:highlight>
+                <a:latin typeface="Roboto"/>
+                <a:ea typeface="Roboto"/>
+                <a:cs typeface="Roboto"/>
+                <a:sym typeface="Roboto"/>
+              </a:rPr>
+              <a:t>takeaway</a:t>
+            </a:r>
+            <a:r>
+              <a:rPr lang="en-GB" sz="1050">
+                <a:solidFill>
+                  <a:srgbClr val="3C4043"/>
+                </a:solidFill>
+                <a:highlight>
+                  <a:srgbClr val="FFFFFF"/>
+                </a:highlight>
+                <a:latin typeface="Roboto"/>
+                <a:ea typeface="Roboto"/>
+                <a:cs typeface="Roboto"/>
+                <a:sym typeface="Roboto"/>
+              </a:rPr>
+              <a:t> is that Artificial neural network are a mathematical representation of what we have understood from the brain, however there's still so much we don't now that need to be discovered</a:t>
             </a:r>
             <a:endParaRPr/>
           </a:p>
@@ -3840,7 +4278,7 @@
   <p:cSld>
     <p:spTree>
       <p:nvGrpSpPr>
-        <p:cNvPr id="215" name="Shape 215"/>
+        <p:cNvPr id="220" name="Shape 220"/>
         <p:cNvGrpSpPr/>
         <p:nvPr/>
       </p:nvGrpSpPr>
@@ -3854,7 +4292,7 @@
       </p:grpSpPr>
       <p:sp>
         <p:nvSpPr>
-          <p:cNvPr id="216" name="Google Shape;216;gc720029bd5_0_28:notes"/>
+          <p:cNvPr id="221" name="Google Shape;221;gc720029bd5_0_28:notes"/>
           <p:cNvSpPr/>
           <p:nvPr>
             <p:ph idx="2" type="sldImg"/>
@@ -3889,7 +4327,7 @@
       </p:sp>
       <p:sp>
         <p:nvSpPr>
-          <p:cNvPr id="217" name="Google Shape;217;gc720029bd5_0_28:notes"/>
+          <p:cNvPr id="222" name="Google Shape;222;gc720029bd5_0_28:notes"/>
           <p:cNvSpPr txBox="1"/>
           <p:nvPr>
             <p:ph idx="1" type="body"/>
@@ -3939,7 +4377,7 @@
   <p:cSld>
     <p:spTree>
       <p:nvGrpSpPr>
-        <p:cNvPr id="223" name="Shape 223"/>
+        <p:cNvPr id="228" name="Shape 228"/>
         <p:cNvGrpSpPr/>
         <p:nvPr/>
       </p:nvGrpSpPr>
@@ -3953,7 +4391,7 @@
       </p:grpSpPr>
       <p:sp>
         <p:nvSpPr>
-          <p:cNvPr id="224" name="Google Shape;224;gc720029bd5_0_65:notes"/>
+          <p:cNvPr id="229" name="Google Shape;229;gc720029bd5_0_65:notes"/>
           <p:cNvSpPr/>
           <p:nvPr>
             <p:ph idx="2" type="sldImg"/>
@@ -3988,7 +4426,7 @@
       </p:sp>
       <p:sp>
         <p:nvSpPr>
-          <p:cNvPr id="225" name="Google Shape;225;gc720029bd5_0_65:notes"/>
+          <p:cNvPr id="230" name="Google Shape;230;gc720029bd5_0_65:notes"/>
           <p:cNvSpPr txBox="1"/>
           <p:nvPr>
             <p:ph idx="1" type="body"/>
@@ -4184,7 +4622,7 @@
   <p:cSld>
     <p:spTree>
       <p:nvGrpSpPr>
-        <p:cNvPr id="230" name="Shape 230"/>
+        <p:cNvPr id="235" name="Shape 235"/>
         <p:cNvGrpSpPr/>
         <p:nvPr/>
       </p:nvGrpSpPr>
@@ -4198,7 +4636,7 @@
       </p:grpSpPr>
       <p:sp>
         <p:nvSpPr>
-          <p:cNvPr id="231" name="Google Shape;231;gc12e0bab26_0_259:notes"/>
+          <p:cNvPr id="236" name="Google Shape;236;gc8f5bd19ad_0_2:notes"/>
           <p:cNvSpPr/>
           <p:nvPr>
             <p:ph idx="2" type="sldImg"/>
@@ -4233,7 +4671,7 @@
       </p:sp>
       <p:sp>
         <p:nvSpPr>
-          <p:cNvPr id="232" name="Google Shape;232;gc12e0bab26_0_259:notes"/>
+          <p:cNvPr id="237" name="Google Shape;237;gc8f5bd19ad_0_2:notes"/>
           <p:cNvSpPr txBox="1"/>
           <p:nvPr>
             <p:ph idx="1" type="body"/>
@@ -4254,98 +4692,44 @@
           </a:bodyPr>
           <a:lstStyle/>
           <a:p>
-            <a:pPr indent="0" lvl="0" marL="0" rtl="0" algn="l">
-              <a:spcBef>
-                <a:spcPts val="0"/>
-              </a:spcBef>
-              <a:spcAft>
-                <a:spcPts val="0"/>
-              </a:spcAft>
-              <a:buNone/>
-            </a:pPr>
-            <a:r>
-              <a:rPr lang="en-GB" sz="1050">
-                <a:solidFill>
-                  <a:srgbClr val="3C4043"/>
-                </a:solidFill>
-                <a:highlight>
-                  <a:srgbClr val="FFFFFF"/>
-                </a:highlight>
-                <a:latin typeface="Roboto"/>
-                <a:ea typeface="Roboto"/>
-                <a:cs typeface="Roboto"/>
-                <a:sym typeface="Roboto"/>
-              </a:rPr>
-              <a:t>* probalistic ones ,can be used as interval of confidence to classify</a:t>
-            </a:r>
-            <a:endParaRPr sz="1050">
-              <a:solidFill>
-                <a:srgbClr val="3C4043"/>
-              </a:solidFill>
-              <a:highlight>
-                <a:srgbClr val="FFFFFF"/>
-              </a:highlight>
-              <a:latin typeface="Roboto"/>
-              <a:ea typeface="Roboto"/>
-              <a:cs typeface="Roboto"/>
-              <a:sym typeface="Roboto"/>
-            </a:endParaRPr>
-          </a:p>
-          <a:p>
-            <a:pPr indent="0" lvl="0" marL="0" rtl="0" algn="l">
-              <a:spcBef>
-                <a:spcPts val="0"/>
-              </a:spcBef>
-              <a:spcAft>
-                <a:spcPts val="0"/>
-              </a:spcAft>
-              <a:buClr>
-                <a:schemeClr val="dk1"/>
-              </a:buClr>
+            <a:pPr indent="-298450" lvl="0" marL="457200" rtl="0" algn="l">
+              <a:spcBef>
+                <a:spcPts val="0"/>
+              </a:spcBef>
+              <a:spcAft>
+                <a:spcPts val="0"/>
+              </a:spcAft>
               <a:buSzPts val="1100"/>
-              <a:buFont typeface="Arial"/>
-              <a:buNone/>
-            </a:pPr>
-            <a:r>
-              <a:t/>
-            </a:r>
-            <a:endParaRPr sz="1050">
-              <a:solidFill>
-                <a:srgbClr val="3C4043"/>
-              </a:solidFill>
-              <a:highlight>
-                <a:srgbClr val="FFFFFF"/>
-              </a:highlight>
-              <a:latin typeface="Roboto"/>
-              <a:ea typeface="Roboto"/>
-              <a:cs typeface="Roboto"/>
-              <a:sym typeface="Roboto"/>
-            </a:endParaRPr>
-          </a:p>
-          <a:p>
-            <a:pPr indent="0" lvl="0" marL="0" rtl="0" algn="l">
-              <a:spcBef>
-                <a:spcPts val="0"/>
-              </a:spcBef>
-              <a:spcAft>
-                <a:spcPts val="0"/>
-              </a:spcAft>
-              <a:buNone/>
-            </a:pPr>
-            <a:r>
-              <a:rPr lang="en-GB" sz="1050">
-                <a:solidFill>
-                  <a:srgbClr val="3C4043"/>
-                </a:solidFill>
-                <a:highlight>
-                  <a:srgbClr val="FFFFFF"/>
-                </a:highlight>
-                <a:latin typeface="Roboto"/>
-                <a:ea typeface="Roboto"/>
-                <a:cs typeface="Roboto"/>
-                <a:sym typeface="Roboto"/>
-              </a:rPr>
-              <a:t>* We gonna see the linear version of it , give a hint about kernel methods</a:t>
+              <a:buChar char="●"/>
+            </a:pPr>
+            <a:r>
+              <a:rPr lang="en-GB"/>
+              <a:t>From stanford , explain the features </a:t>
+            </a:r>
+            <a:r>
+              <a:rPr lang="en-GB"/>
+              <a:t>semantically</a:t>
+            </a:r>
+            <a:r>
+              <a:rPr lang="en-GB"/>
+              <a:t> </a:t>
+            </a:r>
+            <a:endParaRPr/>
+          </a:p>
+          <a:p>
+            <a:pPr indent="-298450" lvl="0" marL="457200" rtl="0" algn="l">
+              <a:spcBef>
+                <a:spcPts val="0"/>
+              </a:spcBef>
+              <a:spcAft>
+                <a:spcPts val="0"/>
+              </a:spcAft>
+              <a:buSzPts val="1100"/>
+              <a:buChar char="●"/>
+            </a:pPr>
+            <a:r>
+              <a:rPr lang="en-GB"/>
+              <a:t>Ansdewr the cristics for deep learning about explainibilty </a:t>
             </a:r>
             <a:endParaRPr/>
           </a:p>
@@ -4364,7 +4748,7 @@
   <p:cSld>
     <p:spTree>
       <p:nvGrpSpPr>
-        <p:cNvPr id="87" name="Shape 87"/>
+        <p:cNvPr id="92" name="Shape 92"/>
         <p:cNvGrpSpPr/>
         <p:nvPr/>
       </p:nvGrpSpPr>
@@ -4378,7 +4762,7 @@
       </p:grpSpPr>
       <p:sp>
         <p:nvSpPr>
-          <p:cNvPr id="88" name="Google Shape;88;gc12e0bab26_0_202:notes"/>
+          <p:cNvPr id="93" name="Google Shape;93;gc12e0bab26_0_202:notes"/>
           <p:cNvSpPr/>
           <p:nvPr>
             <p:ph idx="2" type="sldImg"/>
@@ -4413,7 +4797,7 @@
       </p:sp>
       <p:sp>
         <p:nvSpPr>
-          <p:cNvPr id="89" name="Google Shape;89;gc12e0bab26_0_202:notes"/>
+          <p:cNvPr id="94" name="Google Shape;94;gc12e0bab26_0_202:notes"/>
           <p:cNvSpPr txBox="1"/>
           <p:nvPr>
             <p:ph idx="1" type="body"/>
@@ -4463,7 +4847,7 @@
   <p:cSld>
     <p:spTree>
       <p:nvGrpSpPr>
-        <p:cNvPr id="237" name="Shape 237"/>
+        <p:cNvPr id="243" name="Shape 243"/>
         <p:cNvGrpSpPr/>
         <p:nvPr/>
       </p:nvGrpSpPr>
@@ -4477,7 +4861,7 @@
       </p:grpSpPr>
       <p:sp>
         <p:nvSpPr>
-          <p:cNvPr id="238" name="Google Shape;238;gc12e0bab26_0_265:notes"/>
+          <p:cNvPr id="244" name="Google Shape;244;gc12e0bab26_0_259:notes"/>
           <p:cNvSpPr/>
           <p:nvPr>
             <p:ph idx="2" type="sldImg"/>
@@ -4512,7 +4896,7 @@
       </p:sp>
       <p:sp>
         <p:nvSpPr>
-          <p:cNvPr id="239" name="Google Shape;239;gc12e0bab26_0_265:notes"/>
+          <p:cNvPr id="245" name="Google Shape;245;gc12e0bab26_0_259:notes"/>
           <p:cNvSpPr txBox="1"/>
           <p:nvPr>
             <p:ph idx="1" type="body"/>
@@ -4543,7 +4927,118 @@
               <a:buNone/>
             </a:pPr>
             <a:r>
+              <a:rPr lang="en-GB" sz="1050">
+                <a:solidFill>
+                  <a:srgbClr val="3C4043"/>
+                </a:solidFill>
+                <a:highlight>
+                  <a:srgbClr val="FFFFFF"/>
+                </a:highlight>
+                <a:latin typeface="Roboto"/>
+                <a:ea typeface="Roboto"/>
+                <a:cs typeface="Roboto"/>
+                <a:sym typeface="Roboto"/>
+              </a:rPr>
+              <a:t>* </a:t>
+            </a:r>
+            <a:r>
+              <a:rPr lang="en-GB" sz="1050">
+                <a:solidFill>
+                  <a:srgbClr val="3C4043"/>
+                </a:solidFill>
+                <a:highlight>
+                  <a:srgbClr val="FFFFFF"/>
+                </a:highlight>
+                <a:latin typeface="Roboto"/>
+                <a:ea typeface="Roboto"/>
+                <a:cs typeface="Roboto"/>
+                <a:sym typeface="Roboto"/>
+              </a:rPr>
+              <a:t>probabilistic</a:t>
+            </a:r>
+            <a:r>
+              <a:rPr lang="en-GB" sz="1050">
+                <a:solidFill>
+                  <a:srgbClr val="3C4043"/>
+                </a:solidFill>
+                <a:highlight>
+                  <a:srgbClr val="FFFFFF"/>
+                </a:highlight>
+                <a:latin typeface="Roboto"/>
+                <a:ea typeface="Roboto"/>
+                <a:cs typeface="Roboto"/>
+                <a:sym typeface="Roboto"/>
+              </a:rPr>
+              <a:t> ones ,can be used as interval of confidence to classify</a:t>
+            </a:r>
+            <a:endParaRPr sz="1050">
+              <a:solidFill>
+                <a:srgbClr val="3C4043"/>
+              </a:solidFill>
+              <a:highlight>
+                <a:srgbClr val="FFFFFF"/>
+              </a:highlight>
+              <a:latin typeface="Roboto"/>
+              <a:ea typeface="Roboto"/>
+              <a:cs typeface="Roboto"/>
+              <a:sym typeface="Roboto"/>
+            </a:endParaRPr>
+          </a:p>
+          <a:p>
+            <a:pPr indent="0" lvl="0" marL="0" rtl="0" algn="l">
+              <a:spcBef>
+                <a:spcPts val="0"/>
+              </a:spcBef>
+              <a:spcAft>
+                <a:spcPts val="0"/>
+              </a:spcAft>
+              <a:buClr>
+                <a:schemeClr val="dk1"/>
+              </a:buClr>
+              <a:buSzPts val="1100"/>
+              <a:buFont typeface="Arial"/>
+              <a:buNone/>
+            </a:pPr>
+            <a:r>
               <a:t/>
+            </a:r>
+            <a:endParaRPr sz="1050">
+              <a:solidFill>
+                <a:srgbClr val="3C4043"/>
+              </a:solidFill>
+              <a:highlight>
+                <a:srgbClr val="FFFFFF"/>
+              </a:highlight>
+              <a:latin typeface="Roboto"/>
+              <a:ea typeface="Roboto"/>
+              <a:cs typeface="Roboto"/>
+              <a:sym typeface="Roboto"/>
+            </a:endParaRPr>
+          </a:p>
+          <a:p>
+            <a:pPr indent="0" lvl="0" marL="0" rtl="0" algn="l">
+              <a:spcBef>
+                <a:spcPts val="0"/>
+              </a:spcBef>
+              <a:spcAft>
+                <a:spcPts val="0"/>
+              </a:spcAft>
+              <a:buNone/>
+            </a:pPr>
+            <a:r>
+              <a:rPr lang="en-GB" sz="1050">
+                <a:solidFill>
+                  <a:srgbClr val="3C4043"/>
+                </a:solidFill>
+                <a:highlight>
+                  <a:srgbClr val="FFFFFF"/>
+                </a:highlight>
+                <a:latin typeface="Roboto"/>
+                <a:ea typeface="Roboto"/>
+                <a:cs typeface="Roboto"/>
+                <a:sym typeface="Roboto"/>
+              </a:rPr>
+              <a:t>* We gonna see the linear version of it , give a hint about kernel methods</a:t>
             </a:r>
             <a:endParaRPr/>
           </a:p>
@@ -4562,7 +5057,7 @@
   <p:cSld>
     <p:spTree>
       <p:nvGrpSpPr>
-        <p:cNvPr id="243" name="Shape 243"/>
+        <p:cNvPr id="250" name="Shape 250"/>
         <p:cNvGrpSpPr/>
         <p:nvPr/>
       </p:nvGrpSpPr>
@@ -4576,7 +5071,7 @@
       </p:grpSpPr>
       <p:sp>
         <p:nvSpPr>
-          <p:cNvPr id="244" name="Google Shape;244;gc689e67e07_0_0:notes"/>
+          <p:cNvPr id="251" name="Google Shape;251;gc689e67e07_0_0:notes"/>
           <p:cNvSpPr/>
           <p:nvPr>
             <p:ph idx="2" type="sldImg"/>
@@ -4611,7 +5106,7 @@
       </p:sp>
       <p:sp>
         <p:nvSpPr>
-          <p:cNvPr id="245" name="Google Shape;245;gc689e67e07_0_0:notes"/>
+          <p:cNvPr id="252" name="Google Shape;252;gc689e67e07_0_0:notes"/>
           <p:cNvSpPr txBox="1"/>
           <p:nvPr>
             <p:ph idx="1" type="body"/>
@@ -4644,7 +5139,49 @@
             </a:pPr>
             <a:r>
               <a:rPr lang="en-GB"/>
-              <a:t>Variance: how </a:t>
+              <a:t>Variance:</a:t>
+            </a:r>
+            <a:endParaRPr/>
+          </a:p>
+          <a:p>
+            <a:pPr indent="-298450" lvl="1" marL="914400" rtl="0" algn="l">
+              <a:spcBef>
+                <a:spcPts val="0"/>
+              </a:spcBef>
+              <a:spcAft>
+                <a:spcPts val="0"/>
+              </a:spcAft>
+              <a:buSzPts val="1100"/>
+              <a:buChar char="-"/>
+            </a:pPr>
+            <a:r>
+              <a:rPr lang="en-GB"/>
+              <a:t>This is not about the data </a:t>
+            </a:r>
+            <a:r>
+              <a:rPr lang="en-GB"/>
+              <a:t>it's</a:t>
+            </a:r>
+            <a:r>
+              <a:rPr lang="en-GB"/>
+              <a:t> just the model </a:t>
+            </a:r>
+            <a:endParaRPr/>
+          </a:p>
+          <a:p>
+            <a:pPr indent="-298450" lvl="1" marL="914400" rtl="0" algn="l">
+              <a:spcBef>
+                <a:spcPts val="0"/>
+              </a:spcBef>
+              <a:spcAft>
+                <a:spcPts val="0"/>
+              </a:spcAft>
+              <a:buSzPts val="1100"/>
+              <a:buChar char="-"/>
+            </a:pPr>
+            <a:r>
+              <a:rPr lang="en-GB"/>
+              <a:t>How </a:t>
             </a:r>
             <a:r>
               <a:rPr lang="en-GB"/>
@@ -4676,27 +5213,12 @@
             </a:r>
             <a:r>
               <a:rPr lang="en-GB"/>
-              <a:t> and train them how much do they very , this is not about getting it right or wrong)</a:t>
+              <a:t> and train them how much do they very </a:t>
             </a:r>
             <a:endParaRPr/>
           </a:p>
           <a:p>
-            <a:pPr indent="0" lvl="0" marL="0" rtl="0" algn="l">
-              <a:spcBef>
-                <a:spcPts val="0"/>
-              </a:spcBef>
-              <a:spcAft>
-                <a:spcPts val="0"/>
-              </a:spcAft>
-              <a:buNone/>
-            </a:pPr>
-            <a:r>
-              <a:t/>
-            </a:r>
-            <a:endParaRPr/>
-          </a:p>
-          <a:p>
-            <a:pPr indent="-298450" lvl="0" marL="457200" rtl="0" algn="l">
+            <a:pPr indent="-298450" lvl="1" marL="914400" rtl="0" algn="l">
               <a:spcBef>
                 <a:spcPts val="0"/>
               </a:spcBef>
@@ -4708,23 +5230,85 @@
             </a:pPr>
             <a:r>
               <a:rPr lang="en-GB"/>
-              <a:t>Bias of the model: we take the Expected </a:t>
+              <a:t>This is not about getting it right or wrong</a:t>
+            </a:r>
+            <a:endParaRPr/>
+          </a:p>
+          <a:p>
+            <a:pPr indent="0" lvl="0" marL="0" rtl="0" algn="l">
+              <a:spcBef>
+                <a:spcPts val="0"/>
+              </a:spcBef>
+              <a:spcAft>
+                <a:spcPts val="0"/>
+              </a:spcAft>
+              <a:buNone/>
+            </a:pPr>
+            <a:r>
+              <a:t/>
+            </a:r>
+            <a:endParaRPr/>
+          </a:p>
+          <a:p>
+            <a:pPr indent="-298450" lvl="0" marL="457200" rtl="0" algn="l">
+              <a:spcBef>
+                <a:spcPts val="0"/>
+              </a:spcBef>
+              <a:spcAft>
+                <a:spcPts val="0"/>
+              </a:spcAft>
+              <a:buSzPts val="1100"/>
+              <a:buChar char="-"/>
+            </a:pPr>
+            <a:r>
+              <a:rPr lang="en-GB"/>
+              <a:t>Bias of the model: </a:t>
+            </a:r>
+            <a:endParaRPr/>
+          </a:p>
+          <a:p>
+            <a:pPr indent="-298450" lvl="1" marL="914400" rtl="0" algn="l">
+              <a:spcBef>
+                <a:spcPts val="0"/>
+              </a:spcBef>
+              <a:spcAft>
+                <a:spcPts val="0"/>
+              </a:spcAft>
+              <a:buSzPts val="1100"/>
+              <a:buChar char="-"/>
+            </a:pPr>
+            <a:r>
+              <a:rPr lang="en-GB"/>
+              <a:t> We take the Expected </a:t>
             </a:r>
             <a:r>
               <a:rPr lang="en-GB"/>
               <a:t>classifier subtract it from the label,</a:t>
             </a:r>
+            <a:endParaRPr/>
+          </a:p>
+          <a:p>
+            <a:pPr indent="-298450" lvl="1" marL="914400" rtl="0" algn="l">
+              <a:spcBef>
+                <a:spcPts val="0"/>
+              </a:spcBef>
+              <a:spcAft>
+                <a:spcPts val="0"/>
+              </a:spcAft>
+              <a:buSzPts val="1100"/>
+              <a:buChar char="-"/>
+            </a:pPr>
             <a:r>
               <a:rPr lang="en-GB"/>
-              <a:t> You have </a:t>
+              <a:t> Train with the best </a:t>
             </a:r>
             <a:r>
               <a:rPr lang="en-GB"/>
-              <a:t>infinite</a:t>
+              <a:t>strategy</a:t>
             </a:r>
             <a:r>
               <a:rPr lang="en-GB"/>
-              <a:t> dataset, you </a:t>
+              <a:t>, your </a:t>
             </a:r>
             <a:r>
               <a:rPr lang="en-GB"/>
@@ -4732,35 +5316,20 @@
             </a:r>
             <a:r>
               <a:rPr lang="en-GB"/>
-              <a:t> will always make a mistake, fitting a linear model to none linear data, </a:t>
-            </a:r>
-            <a:r>
-              <a:rPr lang="en-GB">
-                <a:solidFill>
-                  <a:schemeClr val="dk1"/>
-                </a:solidFill>
-              </a:rPr>
-              <a:t>How biased my model is toward a specific feature</a:t>
+              <a:t> will always make a mistake, fitting a linear model to </a:t>
+            </a:r>
+            <a:r>
+              <a:rPr lang="en-GB"/>
+              <a:t>non</a:t>
+            </a:r>
+            <a:r>
+              <a:rPr lang="en-GB"/>
+              <a:t> linear data,</a:t>
             </a:r>
             <a:endParaRPr/>
           </a:p>
           <a:p>
-            <a:pPr indent="0" lvl="0" marL="0" rtl="0" algn="l">
-              <a:spcBef>
-                <a:spcPts val="0"/>
-              </a:spcBef>
-              <a:spcAft>
-                <a:spcPts val="0"/>
-              </a:spcAft>
-              <a:buNone/>
-            </a:pPr>
-            <a:r>
-              <a:t/>
-            </a:r>
-            <a:endParaRPr/>
-          </a:p>
-          <a:p>
-            <a:pPr indent="-298450" lvl="0" marL="457200" rtl="0" algn="l">
+            <a:pPr indent="-298450" lvl="1" marL="914400" rtl="0" algn="l">
               <a:spcBef>
                 <a:spcPts val="0"/>
               </a:spcBef>
@@ -4772,6 +5341,46 @@
             </a:pPr>
             <a:r>
               <a:rPr lang="en-GB"/>
+              <a:t> </a:t>
+            </a:r>
+            <a:r>
+              <a:rPr lang="en-GB">
+                <a:solidFill>
+                  <a:schemeClr val="dk1"/>
+                </a:solidFill>
+              </a:rPr>
+              <a:t>How biased my model is toward a certain solution </a:t>
+            </a:r>
+            <a:endParaRPr/>
+          </a:p>
+          <a:p>
+            <a:pPr indent="0" lvl="0" marL="0" rtl="0" algn="l">
+              <a:spcBef>
+                <a:spcPts val="0"/>
+              </a:spcBef>
+              <a:spcAft>
+                <a:spcPts val="0"/>
+              </a:spcAft>
+              <a:buNone/>
+            </a:pPr>
+            <a:r>
+              <a:t/>
+            </a:r>
+            <a:endParaRPr/>
+          </a:p>
+          <a:p>
+            <a:pPr indent="-298450" lvl="0" marL="457200" rtl="0" algn="l">
+              <a:spcBef>
+                <a:spcPts val="0"/>
+              </a:spcBef>
+              <a:spcAft>
+                <a:spcPts val="0"/>
+              </a:spcAft>
+              <a:buSzPts val="1100"/>
+              <a:buChar char="-"/>
+            </a:pPr>
+            <a:r>
+              <a:rPr lang="en-GB"/>
               <a:t>Noise of the data: it represents the </a:t>
             </a:r>
             <a:r>
@@ -4789,6 +5398,86 @@
             <a:r>
               <a:rPr lang="en-GB"/>
               <a:t> Y </a:t>
+            </a:r>
+            <a:endParaRPr/>
+          </a:p>
+          <a:p>
+            <a:pPr indent="0" lvl="0" marL="0" rtl="0" algn="l">
+              <a:spcBef>
+                <a:spcPts val="0"/>
+              </a:spcBef>
+              <a:spcAft>
+                <a:spcPts val="0"/>
+              </a:spcAft>
+              <a:buNone/>
+            </a:pPr>
+            <a:r>
+              <a:t/>
+            </a:r>
+            <a:endParaRPr/>
+          </a:p>
+          <a:p>
+            <a:pPr indent="0" lvl="0" marL="0" rtl="0" algn="l">
+              <a:spcBef>
+                <a:spcPts val="0"/>
+              </a:spcBef>
+              <a:spcAft>
+                <a:spcPts val="0"/>
+              </a:spcAft>
+              <a:buNone/>
+            </a:pPr>
+            <a:r>
+              <a:t/>
+            </a:r>
+            <a:endParaRPr/>
+          </a:p>
+          <a:p>
+            <a:pPr indent="-298450" lvl="0" marL="457200" rtl="0" algn="l">
+              <a:spcBef>
+                <a:spcPts val="0"/>
+              </a:spcBef>
+              <a:spcAft>
+                <a:spcPts val="0"/>
+              </a:spcAft>
+              <a:buSzPts val="1100"/>
+              <a:buChar char="●"/>
+            </a:pPr>
+            <a:r>
+              <a:rPr lang="en-GB"/>
+              <a:t>When you have an algorithm that is not working , It is really important to understand this </a:t>
+            </a:r>
+            <a:r>
+              <a:rPr lang="en-GB"/>
+              <a:t>decomposition </a:t>
+            </a:r>
+            <a:r>
+              <a:rPr lang="en-GB"/>
+              <a:t> </a:t>
+            </a:r>
+            <a:endParaRPr/>
+          </a:p>
+          <a:p>
+            <a:pPr indent="-298450" lvl="0" marL="457200" rtl="0" algn="l">
+              <a:spcBef>
+                <a:spcPts val="0"/>
+              </a:spcBef>
+              <a:spcAft>
+                <a:spcPts val="0"/>
+              </a:spcAft>
+              <a:buSzPts val="1100"/>
+              <a:buChar char="●"/>
+            </a:pPr>
+            <a:r>
+              <a:rPr lang="en-GB"/>
+              <a:t>This values can not be inferred directly from the equation, what we can do is obsere some </a:t>
+            </a:r>
+            <a:r>
+              <a:rPr lang="en-GB"/>
+              <a:t>symptoms</a:t>
+            </a:r>
+            <a:r>
+              <a:rPr lang="en-GB"/>
+              <a:t> that we see </a:t>
             </a:r>
             <a:endParaRPr/>
           </a:p>
@@ -4807,7 +5496,7 @@
   <p:cSld>
     <p:spTree>
       <p:nvGrpSpPr>
-        <p:cNvPr id="253" name="Shape 253"/>
+        <p:cNvPr id="260" name="Shape 260"/>
         <p:cNvGrpSpPr/>
         <p:nvPr/>
       </p:nvGrpSpPr>
@@ -4821,7 +5510,7 @@
       </p:grpSpPr>
       <p:sp>
         <p:nvSpPr>
-          <p:cNvPr id="254" name="Google Shape;254;gc8801b4c7e_0_7:notes"/>
+          <p:cNvPr id="261" name="Google Shape;261;gc8801b4c7e_0_7:notes"/>
           <p:cNvSpPr/>
           <p:nvPr>
             <p:ph idx="2" type="sldImg"/>
@@ -4856,7 +5545,7 @@
       </p:sp>
       <p:sp>
         <p:nvSpPr>
-          <p:cNvPr id="255" name="Google Shape;255;gc8801b4c7e_0_7:notes"/>
+          <p:cNvPr id="262" name="Google Shape;262;gc8801b4c7e_0_7:notes"/>
           <p:cNvSpPr txBox="1"/>
           <p:nvPr>
             <p:ph idx="1" type="body"/>
@@ -4921,7 +5610,15 @@
             </a:pPr>
             <a:r>
               <a:rPr lang="en-GB"/>
-              <a:t>Bias of the model: we take the Expected classifier subtract it from the label, You have infinite dataset, you classifier will always make a mistake, example  fitting a linear model to none linear data, </a:t>
+              <a:t>Bias of the model: we take the Expected classifier subtract it from the label, You have infinite dataset, you classifier will always make a mistake, example  fitting a linear model to </a:t>
+            </a:r>
+            <a:r>
+              <a:rPr lang="en-GB"/>
+              <a:t>non</a:t>
+            </a:r>
+            <a:r>
+              <a:rPr lang="en-GB"/>
+              <a:t> linear data, </a:t>
             </a:r>
             <a:r>
               <a:rPr lang="en-GB">
@@ -4980,7 +5677,7 @@
   <p:cSld>
     <p:spTree>
       <p:nvGrpSpPr>
-        <p:cNvPr id="262" name="Shape 262"/>
+        <p:cNvPr id="269" name="Shape 269"/>
         <p:cNvGrpSpPr/>
         <p:nvPr/>
       </p:nvGrpSpPr>
@@ -4994,7 +5691,7 @@
       </p:grpSpPr>
       <p:sp>
         <p:nvSpPr>
-          <p:cNvPr id="263" name="Google Shape;263;gc8801b4c7e_0_17:notes"/>
+          <p:cNvPr id="270" name="Google Shape;270;gc8801b4c7e_0_17:notes"/>
           <p:cNvSpPr/>
           <p:nvPr>
             <p:ph idx="2" type="sldImg"/>
@@ -5029,7 +5726,7 @@
       </p:sp>
       <p:sp>
         <p:nvSpPr>
-          <p:cNvPr id="264" name="Google Shape;264;gc8801b4c7e_0_17:notes"/>
+          <p:cNvPr id="271" name="Google Shape;271;gc8801b4c7e_0_17:notes"/>
           <p:cNvSpPr txBox="1"/>
           <p:nvPr>
             <p:ph idx="1" type="body"/>
@@ -5079,7 +5776,7 @@
   <p:cSld>
     <p:spTree>
       <p:nvGrpSpPr>
-        <p:cNvPr id="270" name="Shape 270"/>
+        <p:cNvPr id="277" name="Shape 277"/>
         <p:cNvGrpSpPr/>
         <p:nvPr/>
       </p:nvGrpSpPr>
@@ -5093,7 +5790,7 @@
       </p:grpSpPr>
       <p:sp>
         <p:nvSpPr>
-          <p:cNvPr id="271" name="Google Shape;271;gc636dceecc_0_47:notes"/>
+          <p:cNvPr id="278" name="Google Shape;278;gc636dceecc_0_47:notes"/>
           <p:cNvSpPr/>
           <p:nvPr>
             <p:ph idx="2" type="sldImg"/>
@@ -5128,7 +5825,7 @@
       </p:sp>
       <p:sp>
         <p:nvSpPr>
-          <p:cNvPr id="272" name="Google Shape;272;gc636dceecc_0_47:notes"/>
+          <p:cNvPr id="279" name="Google Shape;279;gc636dceecc_0_47:notes"/>
           <p:cNvSpPr txBox="1"/>
           <p:nvPr>
             <p:ph idx="1" type="body"/>
@@ -5178,7 +5875,7 @@
   <p:cSld>
     <p:spTree>
       <p:nvGrpSpPr>
-        <p:cNvPr id="277" name="Shape 277"/>
+        <p:cNvPr id="284" name="Shape 284"/>
         <p:cNvGrpSpPr/>
         <p:nvPr/>
       </p:nvGrpSpPr>
@@ -5192,7 +5889,7 @@
       </p:grpSpPr>
       <p:sp>
         <p:nvSpPr>
-          <p:cNvPr id="278" name="Google Shape;278;gc689e67e07_0_6:notes"/>
+          <p:cNvPr id="285" name="Google Shape;285;gc689e67e07_0_6:notes"/>
           <p:cNvSpPr/>
           <p:nvPr>
             <p:ph idx="2" type="sldImg"/>
@@ -5227,7 +5924,7 @@
       </p:sp>
       <p:sp>
         <p:nvSpPr>
-          <p:cNvPr id="279" name="Google Shape;279;gc689e67e07_0_6:notes"/>
+          <p:cNvPr id="286" name="Google Shape;286;gc689e67e07_0_6:notes"/>
           <p:cNvSpPr txBox="1"/>
           <p:nvPr>
             <p:ph idx="1" type="body"/>
@@ -5277,7 +5974,7 @@
   <p:cSld>
     <p:spTree>
       <p:nvGrpSpPr>
-        <p:cNvPr id="284" name="Shape 284"/>
+        <p:cNvPr id="291" name="Shape 291"/>
         <p:cNvGrpSpPr/>
         <p:nvPr/>
       </p:nvGrpSpPr>
@@ -5291,7 +5988,7 @@
       </p:grpSpPr>
       <p:sp>
         <p:nvSpPr>
-          <p:cNvPr id="285" name="Google Shape;285;gc636dceecc_0_41:notes"/>
+          <p:cNvPr id="292" name="Google Shape;292;gc8f5bd19ad_0_13:notes"/>
           <p:cNvSpPr/>
           <p:nvPr>
             <p:ph idx="2" type="sldImg"/>
@@ -5326,7 +6023,7 @@
       </p:sp>
       <p:sp>
         <p:nvSpPr>
-          <p:cNvPr id="286" name="Google Shape;286;gc636dceecc_0_41:notes"/>
+          <p:cNvPr id="293" name="Google Shape;293;gc8f5bd19ad_0_13:notes"/>
           <p:cNvSpPr txBox="1"/>
           <p:nvPr>
             <p:ph idx="1" type="body"/>
@@ -5347,22 +6044,378 @@
           </a:bodyPr>
           <a:lstStyle/>
           <a:p>
+            <a:pPr indent="-295275" lvl="0" marL="457200" rtl="0" algn="l">
+              <a:lnSpc>
+                <a:spcPct val="142857"/>
+              </a:lnSpc>
+              <a:spcBef>
+                <a:spcPts val="0"/>
+              </a:spcBef>
+              <a:spcAft>
+                <a:spcPts val="0"/>
+              </a:spcAft>
+              <a:buClr>
+                <a:srgbClr val="3C4043"/>
+              </a:buClr>
+              <a:buSzPts val="1050"/>
+              <a:buFont typeface="Roboto"/>
+              <a:buChar char="●"/>
+            </a:pPr>
+            <a:r>
+              <a:rPr lang="en-GB" sz="1050">
+                <a:solidFill>
+                  <a:srgbClr val="3C4043"/>
+                </a:solidFill>
+                <a:highlight>
+                  <a:schemeClr val="lt1"/>
+                </a:highlight>
+                <a:latin typeface="Roboto"/>
+                <a:ea typeface="Roboto"/>
+                <a:cs typeface="Roboto"/>
+                <a:sym typeface="Roboto"/>
+              </a:rPr>
+              <a:t>We gonna try to make it as interactive as possible so feel free to ask any questions in the chat bar and we will stop </a:t>
+            </a:r>
+            <a:endParaRPr sz="1050">
+              <a:solidFill>
+                <a:srgbClr val="3C4043"/>
+              </a:solidFill>
+              <a:highlight>
+                <a:schemeClr val="lt1"/>
+              </a:highlight>
+              <a:latin typeface="Roboto"/>
+              <a:ea typeface="Roboto"/>
+              <a:cs typeface="Roboto"/>
+              <a:sym typeface="Roboto"/>
+            </a:endParaRPr>
+          </a:p>
+          <a:p>
+            <a:pPr indent="-295275" lvl="0" marL="457200" rtl="0" algn="l">
+              <a:lnSpc>
+                <a:spcPct val="142857"/>
+              </a:lnSpc>
+              <a:spcBef>
+                <a:spcPts val="0"/>
+              </a:spcBef>
+              <a:spcAft>
+                <a:spcPts val="0"/>
+              </a:spcAft>
+              <a:buClr>
+                <a:srgbClr val="3C4043"/>
+              </a:buClr>
+              <a:buSzPts val="1050"/>
+              <a:buFont typeface="Roboto"/>
+              <a:buChar char="●"/>
+            </a:pPr>
+            <a:r>
+              <a:rPr lang="en-GB" sz="1050">
+                <a:solidFill>
+                  <a:srgbClr val="3C4043"/>
+                </a:solidFill>
+                <a:highlight>
+                  <a:schemeClr val="lt1"/>
+                </a:highlight>
+                <a:latin typeface="Roboto"/>
+                <a:ea typeface="Roboto"/>
+                <a:cs typeface="Roboto"/>
+                <a:sym typeface="Roboto"/>
+              </a:rPr>
+              <a:t>We gonna send certificate of attendance</a:t>
+            </a:r>
+            <a:endParaRPr sz="1050">
+              <a:solidFill>
+                <a:srgbClr val="3C4043"/>
+              </a:solidFill>
+              <a:highlight>
+                <a:schemeClr val="lt1"/>
+              </a:highlight>
+              <a:latin typeface="Roboto"/>
+              <a:ea typeface="Roboto"/>
+              <a:cs typeface="Roboto"/>
+              <a:sym typeface="Roboto"/>
+            </a:endParaRPr>
+          </a:p>
+          <a:p>
+            <a:pPr indent="-295275" lvl="0" marL="457200" rtl="0" algn="l">
+              <a:lnSpc>
+                <a:spcPct val="142857"/>
+              </a:lnSpc>
+              <a:spcBef>
+                <a:spcPts val="0"/>
+              </a:spcBef>
+              <a:spcAft>
+                <a:spcPts val="0"/>
+              </a:spcAft>
+              <a:buClr>
+                <a:srgbClr val="3C4043"/>
+              </a:buClr>
+              <a:buSzPts val="1050"/>
+              <a:buFont typeface="Roboto"/>
+              <a:buChar char="●"/>
+            </a:pPr>
+            <a:r>
+              <a:rPr lang="en-GB" sz="1050">
+                <a:solidFill>
+                  <a:srgbClr val="3C4043"/>
+                </a:solidFill>
+                <a:highlight>
+                  <a:schemeClr val="lt1"/>
+                </a:highlight>
+                <a:latin typeface="Roboto"/>
+                <a:ea typeface="Roboto"/>
+                <a:cs typeface="Roboto"/>
+                <a:sym typeface="Roboto"/>
+              </a:rPr>
+              <a:t>This Is being recorded</a:t>
+            </a:r>
+            <a:endParaRPr sz="1050">
+              <a:solidFill>
+                <a:srgbClr val="3C4043"/>
+              </a:solidFill>
+              <a:highlight>
+                <a:srgbClr val="FFFFFF"/>
+              </a:highlight>
+              <a:latin typeface="Roboto"/>
+              <a:ea typeface="Roboto"/>
+              <a:cs typeface="Roboto"/>
+              <a:sym typeface="Roboto"/>
+            </a:endParaRPr>
+          </a:p>
+          <a:p>
+            <a:pPr indent="-295275" lvl="0" marL="457200" rtl="0" algn="l">
+              <a:lnSpc>
+                <a:spcPct val="142857"/>
+              </a:lnSpc>
+              <a:spcBef>
+                <a:spcPts val="0"/>
+              </a:spcBef>
+              <a:spcAft>
+                <a:spcPts val="0"/>
+              </a:spcAft>
+              <a:buClr>
+                <a:srgbClr val="3C4043"/>
+              </a:buClr>
+              <a:buSzPts val="1050"/>
+              <a:buFont typeface="Roboto"/>
+              <a:buChar char="●"/>
+            </a:pPr>
+            <a:r>
+              <a:rPr lang="en-GB" sz="1050">
+                <a:solidFill>
+                  <a:srgbClr val="3C4043"/>
+                </a:solidFill>
+                <a:highlight>
+                  <a:srgbClr val="FFFFFF"/>
+                </a:highlight>
+                <a:latin typeface="Roboto"/>
+                <a:ea typeface="Roboto"/>
+                <a:cs typeface="Roboto"/>
+                <a:sym typeface="Roboto"/>
+              </a:rPr>
+              <a:t>Pools , background of the audience : </a:t>
+            </a:r>
+            <a:r>
+              <a:rPr lang="en-GB" sz="1000">
+                <a:solidFill>
+                  <a:schemeClr val="dk1"/>
+                </a:solidFill>
+              </a:rPr>
+              <a:t>Get to know the audience (Computer science, Engineering , Math , Biology,other , .. )</a:t>
+            </a:r>
+            <a:endParaRPr sz="1050">
+              <a:solidFill>
+                <a:srgbClr val="3C4043"/>
+              </a:solidFill>
+              <a:highlight>
+                <a:srgbClr val="FFFFFF"/>
+              </a:highlight>
+              <a:latin typeface="Roboto"/>
+              <a:ea typeface="Roboto"/>
+              <a:cs typeface="Roboto"/>
+              <a:sym typeface="Roboto"/>
+            </a:endParaRPr>
+          </a:p>
+          <a:p>
+            <a:pPr indent="-295275" lvl="0" marL="457200" rtl="0" algn="l">
+              <a:lnSpc>
+                <a:spcPct val="142857"/>
+              </a:lnSpc>
+              <a:spcBef>
+                <a:spcPts val="0"/>
+              </a:spcBef>
+              <a:spcAft>
+                <a:spcPts val="0"/>
+              </a:spcAft>
+              <a:buClr>
+                <a:srgbClr val="3C4043"/>
+              </a:buClr>
+              <a:buSzPts val="1050"/>
+              <a:buFont typeface="Roboto"/>
+              <a:buChar char="●"/>
+            </a:pPr>
+            <a:r>
+              <a:rPr lang="en-GB" sz="1050">
+                <a:solidFill>
+                  <a:srgbClr val="3C4043"/>
+                </a:solidFill>
+                <a:highlight>
+                  <a:srgbClr val="FFFFFF"/>
+                </a:highlight>
+                <a:latin typeface="Roboto"/>
+                <a:ea typeface="Roboto"/>
+                <a:cs typeface="Roboto"/>
+                <a:sym typeface="Roboto"/>
+              </a:rPr>
+              <a:t>Github repo : </a:t>
+            </a:r>
+            <a:r>
+              <a:rPr lang="en-GB" sz="1050" u="sng">
+                <a:solidFill>
+                  <a:schemeClr val="hlink"/>
+                </a:solidFill>
+                <a:highlight>
+                  <a:srgbClr val="FFFFFF"/>
+                </a:highlight>
+                <a:latin typeface="Roboto"/>
+                <a:ea typeface="Roboto"/>
+                <a:cs typeface="Roboto"/>
+                <a:sym typeface="Roboto"/>
+                <a:hlinkClick r:id="rId2"/>
+              </a:rPr>
+              <a:t>https://github.com/farouqBenarous/Machine_Learning_101_Workshop</a:t>
+            </a:r>
+            <a:endParaRPr sz="1050">
+              <a:solidFill>
+                <a:srgbClr val="3C4043"/>
+              </a:solidFill>
+              <a:highlight>
+                <a:srgbClr val="FFFFFF"/>
+              </a:highlight>
+              <a:latin typeface="Roboto"/>
+              <a:ea typeface="Roboto"/>
+              <a:cs typeface="Roboto"/>
+              <a:sym typeface="Roboto"/>
+            </a:endParaRPr>
+          </a:p>
+          <a:p>
             <a:pPr indent="0" lvl="0" marL="0" rtl="0" algn="l">
-              <a:spcBef>
-                <a:spcPts val="0"/>
-              </a:spcBef>
-              <a:spcAft>
-                <a:spcPts val="0"/>
-              </a:spcAft>
-              <a:buNone/>
-            </a:pPr>
-            <a:r>
-              <a:rPr lang="en-GB"/>
-              <a:t>Talk </a:t>
-            </a:r>
-            <a:r>
-              <a:rPr lang="en-GB"/>
-              <a:t>about alchemy if there’s time </a:t>
+              <a:lnSpc>
+                <a:spcPct val="142857"/>
+              </a:lnSpc>
+              <a:spcBef>
+                <a:spcPts val="0"/>
+              </a:spcBef>
+              <a:spcAft>
+                <a:spcPts val="0"/>
+              </a:spcAft>
+              <a:buClr>
+                <a:schemeClr val="dk1"/>
+              </a:buClr>
+              <a:buSzPts val="1100"/>
+              <a:buFont typeface="Arial"/>
+              <a:buNone/>
+            </a:pPr>
+            <a:r>
+              <a:t/>
+            </a:r>
+            <a:endParaRPr sz="1050">
+              <a:solidFill>
+                <a:srgbClr val="3C4043"/>
+              </a:solidFill>
+              <a:highlight>
+                <a:srgbClr val="FFFFFF"/>
+              </a:highlight>
+              <a:latin typeface="Roboto"/>
+              <a:ea typeface="Roboto"/>
+              <a:cs typeface="Roboto"/>
+              <a:sym typeface="Roboto"/>
+            </a:endParaRPr>
+          </a:p>
+          <a:p>
+            <a:pPr indent="0" lvl="0" marL="0" rtl="0" algn="l">
+              <a:lnSpc>
+                <a:spcPct val="142857"/>
+              </a:lnSpc>
+              <a:spcBef>
+                <a:spcPts val="0"/>
+              </a:spcBef>
+              <a:spcAft>
+                <a:spcPts val="0"/>
+              </a:spcAft>
+              <a:buClr>
+                <a:schemeClr val="dk1"/>
+              </a:buClr>
+              <a:buSzPts val="1100"/>
+              <a:buFont typeface="Arial"/>
+              <a:buNone/>
+            </a:pPr>
+            <a:r>
+              <a:rPr lang="en-GB" sz="1050">
+                <a:solidFill>
+                  <a:srgbClr val="3C4043"/>
+                </a:solidFill>
+                <a:highlight>
+                  <a:srgbClr val="FFFFFF"/>
+                </a:highlight>
+                <a:latin typeface="Roboto"/>
+                <a:ea typeface="Roboto"/>
+                <a:cs typeface="Roboto"/>
+                <a:sym typeface="Roboto"/>
+              </a:rPr>
+              <a:t>The main goal is to goal of the workshop is to give you an overview of machine learning , and also we gonna dive into the theory of it and explain different components that it hinges on , and of course we will see some code and how we can put that theory into practice</a:t>
+            </a:r>
+            <a:endParaRPr sz="1050">
+              <a:solidFill>
+                <a:srgbClr val="3C4043"/>
+              </a:solidFill>
+              <a:highlight>
+                <a:srgbClr val="FFFFFF"/>
+              </a:highlight>
+              <a:latin typeface="Roboto"/>
+              <a:ea typeface="Roboto"/>
+              <a:cs typeface="Roboto"/>
+              <a:sym typeface="Roboto"/>
+            </a:endParaRPr>
+          </a:p>
+          <a:p>
+            <a:pPr indent="0" lvl="0" marL="0" rtl="0" algn="l">
+              <a:lnSpc>
+                <a:spcPct val="115000"/>
+              </a:lnSpc>
+              <a:spcBef>
+                <a:spcPts val="0"/>
+              </a:spcBef>
+              <a:spcAft>
+                <a:spcPts val="0"/>
+              </a:spcAft>
+              <a:buClr>
+                <a:schemeClr val="dk1"/>
+              </a:buClr>
+              <a:buSzPts val="1100"/>
+              <a:buFont typeface="Arial"/>
+              <a:buNone/>
+            </a:pPr>
+            <a:r>
+              <a:t/>
+            </a:r>
+            <a:endParaRPr>
+              <a:solidFill>
+                <a:schemeClr val="dk1"/>
+              </a:solidFill>
+            </a:endParaRPr>
+          </a:p>
+          <a:p>
+            <a:pPr indent="0" lvl="0" marL="0" rtl="0" algn="l">
+              <a:spcBef>
+                <a:spcPts val="0"/>
+              </a:spcBef>
+              <a:spcAft>
+                <a:spcPts val="0"/>
+              </a:spcAft>
+              <a:buNone/>
+            </a:pPr>
+            <a:r>
+              <a:t/>
             </a:r>
             <a:endParaRPr/>
           </a:p>
@@ -5381,7 +6434,7 @@
   <p:cSld>
     <p:spTree>
       <p:nvGrpSpPr>
-        <p:cNvPr id="93" name="Shape 93"/>
+        <p:cNvPr id="98" name="Shape 98"/>
         <p:cNvGrpSpPr/>
         <p:nvPr/>
       </p:nvGrpSpPr>
@@ -5395,7 +6448,7 @@
       </p:grpSpPr>
       <p:sp>
         <p:nvSpPr>
-          <p:cNvPr id="94" name="Google Shape;94;gc636dceecc_0_3:notes"/>
+          <p:cNvPr id="99" name="Google Shape;99;gc636dceecc_0_3:notes"/>
           <p:cNvSpPr/>
           <p:nvPr>
             <p:ph idx="2" type="sldImg"/>
@@ -5430,7 +6483,7 @@
       </p:sp>
       <p:sp>
         <p:nvSpPr>
-          <p:cNvPr id="95" name="Google Shape;95;gc636dceecc_0_3:notes"/>
+          <p:cNvPr id="100" name="Google Shape;100;gc636dceecc_0_3:notes"/>
           <p:cNvSpPr txBox="1"/>
           <p:nvPr>
             <p:ph idx="1" type="body"/>
@@ -5480,7 +6533,7 @@
   <p:cSld>
     <p:spTree>
       <p:nvGrpSpPr>
-        <p:cNvPr id="108" name="Shape 108"/>
+        <p:cNvPr id="113" name="Shape 113"/>
         <p:cNvGrpSpPr/>
         <p:nvPr/>
       </p:nvGrpSpPr>
@@ -5494,7 +6547,7 @@
       </p:grpSpPr>
       <p:sp>
         <p:nvSpPr>
-          <p:cNvPr id="109" name="Google Shape;109;gc636dceecc_0_24:notes"/>
+          <p:cNvPr id="114" name="Google Shape;114;gc636dceecc_0_24:notes"/>
           <p:cNvSpPr/>
           <p:nvPr>
             <p:ph idx="2" type="sldImg"/>
@@ -5529,7 +6582,7 @@
       </p:sp>
       <p:sp>
         <p:nvSpPr>
-          <p:cNvPr id="110" name="Google Shape;110;gc636dceecc_0_24:notes"/>
+          <p:cNvPr id="115" name="Google Shape;115;gc636dceecc_0_24:notes"/>
           <p:cNvSpPr txBox="1"/>
           <p:nvPr>
             <p:ph idx="1" type="body"/>
@@ -5579,7 +6632,7 @@
   <p:cSld>
     <p:spTree>
       <p:nvGrpSpPr>
-        <p:cNvPr id="123" name="Shape 123"/>
+        <p:cNvPr id="128" name="Shape 128"/>
         <p:cNvGrpSpPr/>
         <p:nvPr/>
       </p:nvGrpSpPr>
@@ -5593,7 +6646,7 @@
       </p:grpSpPr>
       <p:sp>
         <p:nvSpPr>
-          <p:cNvPr id="124" name="Google Shape;124;gc720029bd5_0_74:notes"/>
+          <p:cNvPr id="129" name="Google Shape;129;gc720029bd5_0_74:notes"/>
           <p:cNvSpPr/>
           <p:nvPr>
             <p:ph idx="2" type="sldImg"/>
@@ -5628,7 +6681,7 @@
       </p:sp>
       <p:sp>
         <p:nvSpPr>
-          <p:cNvPr id="125" name="Google Shape;125;gc720029bd5_0_74:notes"/>
+          <p:cNvPr id="130" name="Google Shape;130;gc720029bd5_0_74:notes"/>
           <p:cNvSpPr txBox="1"/>
           <p:nvPr>
             <p:ph idx="1" type="body"/>
@@ -5673,6 +6726,23 @@
             </a:r>
             <a:endParaRPr/>
           </a:p>
+          <a:p>
+            <a:pPr indent="-298450" lvl="0" marL="457200" rtl="0" algn="l">
+              <a:spcBef>
+                <a:spcPts val="0"/>
+              </a:spcBef>
+              <a:spcAft>
+                <a:spcPts val="0"/>
+              </a:spcAft>
+              <a:buSzPts val="1100"/>
+              <a:buChar char="-"/>
+            </a:pPr>
+            <a:r>
+              <a:rPr lang="en-GB"/>
+              <a:t>They do overlap between each other </a:t>
+            </a:r>
+            <a:endParaRPr/>
+          </a:p>
         </p:txBody>
       </p:sp>
     </p:spTree>
@@ -5688,7 +6758,7 @@
   <p:cSld>
     <p:spTree>
       <p:nvGrpSpPr>
-        <p:cNvPr id="130" name="Shape 130"/>
+        <p:cNvPr id="135" name="Shape 135"/>
         <p:cNvGrpSpPr/>
         <p:nvPr/>
       </p:nvGrpSpPr>
@@ -5702,7 +6772,7 @@
       </p:grpSpPr>
       <p:sp>
         <p:nvSpPr>
-          <p:cNvPr id="131" name="Google Shape;131;gc12e0bab26_0_212:notes"/>
+          <p:cNvPr id="136" name="Google Shape;136;gc12e0bab26_0_212:notes"/>
           <p:cNvSpPr/>
           <p:nvPr>
             <p:ph idx="2" type="sldImg"/>
@@ -5737,7 +6807,7 @@
       </p:sp>
       <p:sp>
         <p:nvSpPr>
-          <p:cNvPr id="132" name="Google Shape;132;gc12e0bab26_0_212:notes"/>
+          <p:cNvPr id="137" name="Google Shape;137;gc12e0bab26_0_212:notes"/>
           <p:cNvSpPr txBox="1"/>
           <p:nvPr>
             <p:ph idx="1" type="body"/>
@@ -5765,10 +6835,65 @@
               <a:spcAft>
                 <a:spcPts val="0"/>
               </a:spcAft>
-              <a:buNone/>
-            </a:pPr>
-            <a:r>
-              <a:t/>
+              <a:buClr>
+                <a:schemeClr val="dk1"/>
+              </a:buClr>
+              <a:buSzPts val="1100"/>
+              <a:buFont typeface="Arial"/>
+              <a:buNone/>
+            </a:pPr>
+            <a:r>
+              <a:rPr lang="en-GB" sz="1050">
+                <a:solidFill>
+                  <a:srgbClr val="3C4043"/>
+                </a:solidFill>
+                <a:highlight>
+                  <a:srgbClr val="FFFFFF"/>
+                </a:highlight>
+                <a:latin typeface="Roboto"/>
+                <a:ea typeface="Roboto"/>
+                <a:cs typeface="Roboto"/>
+                <a:sym typeface="Roboto"/>
+              </a:rPr>
+              <a:t>-talk about history</a:t>
+            </a:r>
+            <a:endParaRPr sz="1050">
+              <a:solidFill>
+                <a:srgbClr val="3C4043"/>
+              </a:solidFill>
+              <a:highlight>
+                <a:srgbClr val="FFFFFF"/>
+              </a:highlight>
+              <a:latin typeface="Roboto"/>
+              <a:ea typeface="Roboto"/>
+              <a:cs typeface="Roboto"/>
+              <a:sym typeface="Roboto"/>
+            </a:endParaRPr>
+          </a:p>
+          <a:p>
+            <a:pPr indent="0" lvl="0" marL="0" rtl="0" algn="l">
+              <a:spcBef>
+                <a:spcPts val="0"/>
+              </a:spcBef>
+              <a:spcAft>
+                <a:spcPts val="0"/>
+              </a:spcAft>
+              <a:buNone/>
+            </a:pPr>
+            <a:r>
+              <a:rPr lang="en-GB" sz="1050">
+                <a:solidFill>
+                  <a:srgbClr val="3C4043"/>
+                </a:solidFill>
+                <a:highlight>
+                  <a:srgbClr val="FFFFFF"/>
+                </a:highlight>
+                <a:latin typeface="Roboto"/>
+                <a:ea typeface="Roboto"/>
+                <a:cs typeface="Roboto"/>
+                <a:sym typeface="Roboto"/>
+              </a:rPr>
+              <a:t>-improve  -&gt;  approximations</a:t>
             </a:r>
             <a:endParaRPr/>
           </a:p>
@@ -5787,7 +6912,7 @@
   <p:cSld>
     <p:spTree>
       <p:nvGrpSpPr>
-        <p:cNvPr id="136" name="Shape 136"/>
+        <p:cNvPr id="141" name="Shape 141"/>
         <p:cNvGrpSpPr/>
         <p:nvPr/>
       </p:nvGrpSpPr>
@@ -5801,7 +6926,7 @@
       </p:grpSpPr>
       <p:sp>
         <p:nvSpPr>
-          <p:cNvPr id="137" name="Google Shape;137;gc12e0bab26_0_227:notes"/>
+          <p:cNvPr id="142" name="Google Shape;142;gc12e0bab26_0_227:notes"/>
           <p:cNvSpPr/>
           <p:nvPr>
             <p:ph idx="2" type="sldImg"/>
@@ -5836,7 +6961,7 @@
       </p:sp>
       <p:sp>
         <p:nvSpPr>
-          <p:cNvPr id="138" name="Google Shape;138;gc12e0bab26_0_227:notes"/>
+          <p:cNvPr id="143" name="Google Shape;143;gc12e0bab26_0_227:notes"/>
           <p:cNvSpPr txBox="1"/>
           <p:nvPr>
             <p:ph idx="1" type="body"/>
@@ -5941,7 +7066,7 @@
   <p:cSld>
     <p:spTree>
       <p:nvGrpSpPr>
-        <p:cNvPr id="143" name="Shape 143"/>
+        <p:cNvPr id="148" name="Shape 148"/>
         <p:cNvGrpSpPr/>
         <p:nvPr/>
       </p:nvGrpSpPr>
@@ -5955,7 +7080,7 @@
       </p:grpSpPr>
       <p:sp>
         <p:nvSpPr>
-          <p:cNvPr id="144" name="Google Shape;144;gc12e0bab26_0_230:notes"/>
+          <p:cNvPr id="149" name="Google Shape;149;gc12e0bab26_0_230:notes"/>
           <p:cNvSpPr/>
           <p:nvPr>
             <p:ph idx="2" type="sldImg"/>
@@ -5990,7 +7115,7 @@
       </p:sp>
       <p:sp>
         <p:nvSpPr>
-          <p:cNvPr id="145" name="Google Shape;145;gc12e0bab26_0_230:notes"/>
+          <p:cNvPr id="150" name="Google Shape;150;gc12e0bab26_0_230:notes"/>
           <p:cNvSpPr txBox="1"/>
           <p:nvPr>
             <p:ph idx="1" type="body"/>
@@ -6186,7 +7311,7 @@
   <p:cSld>
     <p:spTree>
       <p:nvGrpSpPr>
-        <p:cNvPr id="150" name="Shape 150"/>
+        <p:cNvPr id="155" name="Shape 155"/>
         <p:cNvGrpSpPr/>
         <p:nvPr/>
       </p:nvGrpSpPr>
@@ -6200,7 +7325,7 @@
       </p:grpSpPr>
       <p:sp>
         <p:nvSpPr>
-          <p:cNvPr id="151" name="Google Shape;151;gc5276e20f2_0_3:notes"/>
+          <p:cNvPr id="156" name="Google Shape;156;gc5276e20f2_0_3:notes"/>
           <p:cNvSpPr/>
           <p:nvPr>
             <p:ph idx="2" type="sldImg"/>
@@ -6235,7 +7360,7 @@
       </p:sp>
       <p:sp>
         <p:nvSpPr>
-          <p:cNvPr id="152" name="Google Shape;152;gc5276e20f2_0_3:notes"/>
+          <p:cNvPr id="157" name="Google Shape;157;gc5276e20f2_0_3:notes"/>
           <p:cNvSpPr txBox="1"/>
           <p:nvPr>
             <p:ph idx="1" type="body"/>
@@ -12664,18 +13789,45 @@
           <a:chExt cx="0" cy="0"/>
         </a:xfrm>
       </p:grpSpPr>
+      <p:pic>
+        <p:nvPicPr>
+          <p:cNvPr id="86" name="Google Shape;86;p13"/>
+          <p:cNvPicPr preferRelativeResize="0"/>
+          <p:nvPr/>
+        </p:nvPicPr>
+        <p:blipFill rotWithShape="1">
+          <a:blip r:embed="rId3">
+            <a:alphaModFix/>
+          </a:blip>
+          <a:srcRect b="1740" l="0" r="0" t="5184"/>
+          <a:stretch/>
+        </p:blipFill>
+        <p:spPr>
+          <a:xfrm>
+            <a:off x="0" y="0"/>
+            <a:ext cx="9143999" cy="5143500"/>
+          </a:xfrm>
+          <a:prstGeom prst="rect">
+            <a:avLst/>
+          </a:prstGeom>
+          <a:noFill/>
+          <a:ln>
+            <a:noFill/>
+          </a:ln>
+        </p:spPr>
+      </p:pic>
       <p:sp>
         <p:nvSpPr>
-          <p:cNvPr id="86" name="Google Shape;86;p13"/>
+          <p:cNvPr id="87" name="Google Shape;87;p13"/>
           <p:cNvSpPr txBox="1"/>
           <p:nvPr>
-            <p:ph type="ctrTitle"/>
+            <p:ph idx="4294967295" type="ctrTitle"/>
           </p:nvPr>
         </p:nvSpPr>
         <p:spPr>
           <a:xfrm>
-            <a:off x="729450" y="1322450"/>
-            <a:ext cx="7688100" cy="2854800"/>
+            <a:off x="2935350" y="2306297"/>
+            <a:ext cx="3273300" cy="361800"/>
           </a:xfrm>
           <a:prstGeom prst="rect">
             <a:avLst/>
@@ -12683,7 +13835,7 @@
         </p:spPr>
         <p:txBody>
           <a:bodyPr anchorCtr="0" anchor="t" bIns="91425" lIns="91425" spcFirstLastPara="1" rIns="91425" wrap="square" tIns="91425">
-            <a:normAutofit/>
+            <a:normAutofit fontScale="90000"/>
           </a:bodyPr>
           <a:lstStyle/>
           <a:p>
@@ -12697,13 +13849,266 @@
               <a:buNone/>
             </a:pPr>
             <a:r>
-              <a:rPr lang="en-GB"/>
-              <a:t>Machine learning 101</a:t>
-            </a:r>
-            <a:endParaRPr/>
+              <a:rPr b="0" lang="en-GB" sz="1700">
+                <a:solidFill>
+                  <a:srgbClr val="CCCCCC"/>
+                </a:solidFill>
+                <a:latin typeface="Montserrat"/>
+                <a:ea typeface="Montserrat"/>
+                <a:cs typeface="Montserrat"/>
+                <a:sym typeface="Montserrat"/>
+              </a:rPr>
+              <a:t>MACHINE LEARNING 101</a:t>
+            </a:r>
+            <a:endParaRPr b="0" sz="1700">
+              <a:solidFill>
+                <a:srgbClr val="CCCCCC"/>
+              </a:solidFill>
+              <a:latin typeface="Montserrat"/>
+              <a:ea typeface="Montserrat"/>
+              <a:cs typeface="Montserrat"/>
+              <a:sym typeface="Montserrat"/>
+            </a:endParaRPr>
           </a:p>
         </p:txBody>
       </p:sp>
+      <p:sp>
+        <p:nvSpPr>
+          <p:cNvPr id="88" name="Google Shape;88;p13"/>
+          <p:cNvSpPr txBox="1"/>
+          <p:nvPr>
+            <p:ph idx="4294967295" type="ctrTitle"/>
+          </p:nvPr>
+        </p:nvSpPr>
+        <p:spPr>
+          <a:xfrm>
+            <a:off x="1458150" y="2571750"/>
+            <a:ext cx="6227700" cy="1254900"/>
+          </a:xfrm>
+          <a:prstGeom prst="rect">
+            <a:avLst/>
+          </a:prstGeom>
+        </p:spPr>
+        <p:txBody>
+          <a:bodyPr anchorCtr="0" anchor="t" bIns="91425" lIns="91425" spcFirstLastPara="1" rIns="91425" wrap="square" tIns="91425">
+            <a:normAutofit fontScale="90000"/>
+          </a:bodyPr>
+          <a:lstStyle/>
+          <a:p>
+            <a:pPr indent="0" lvl="0" marL="0" rtl="0" algn="ctr">
+              <a:spcBef>
+                <a:spcPts val="0"/>
+              </a:spcBef>
+              <a:spcAft>
+                <a:spcPts val="0"/>
+              </a:spcAft>
+              <a:buNone/>
+            </a:pPr>
+            <a:r>
+              <a:rPr b="0" lang="en-GB" sz="3355">
+                <a:solidFill>
+                  <a:srgbClr val="FFFFFF"/>
+                </a:solidFill>
+                <a:latin typeface="Montserrat ExtraBold"/>
+                <a:ea typeface="Montserrat ExtraBold"/>
+                <a:cs typeface="Montserrat ExtraBold"/>
+                <a:sym typeface="Montserrat ExtraBold"/>
+              </a:rPr>
+              <a:t>MACHINE LEARNING FROM</a:t>
+            </a:r>
+            <a:endParaRPr b="0" sz="3355">
+              <a:solidFill>
+                <a:srgbClr val="FFFFFF"/>
+              </a:solidFill>
+              <a:latin typeface="Montserrat ExtraBold"/>
+              <a:ea typeface="Montserrat ExtraBold"/>
+              <a:cs typeface="Montserrat ExtraBold"/>
+              <a:sym typeface="Montserrat ExtraBold"/>
+            </a:endParaRPr>
+          </a:p>
+          <a:p>
+            <a:pPr indent="0" lvl="0" marL="0" rtl="0" algn="ctr">
+              <a:spcBef>
+                <a:spcPts val="0"/>
+              </a:spcBef>
+              <a:spcAft>
+                <a:spcPts val="0"/>
+              </a:spcAft>
+              <a:buNone/>
+            </a:pPr>
+            <a:r>
+              <a:rPr b="0" lang="en-GB" sz="3355">
+                <a:solidFill>
+                  <a:srgbClr val="FFFFFF"/>
+                </a:solidFill>
+                <a:latin typeface="Montserrat ExtraBold"/>
+                <a:ea typeface="Montserrat ExtraBold"/>
+                <a:cs typeface="Montserrat ExtraBold"/>
+                <a:sym typeface="Montserrat ExtraBold"/>
+              </a:rPr>
+              <a:t>THEORY TO PRACTICE</a:t>
+            </a:r>
+            <a:endParaRPr b="0" sz="3355">
+              <a:solidFill>
+                <a:srgbClr val="FFFFFF"/>
+              </a:solidFill>
+              <a:latin typeface="Montserrat ExtraBold"/>
+              <a:ea typeface="Montserrat ExtraBold"/>
+              <a:cs typeface="Montserrat ExtraBold"/>
+              <a:sym typeface="Montserrat ExtraBold"/>
+            </a:endParaRPr>
+          </a:p>
+          <a:p>
+            <a:pPr indent="0" lvl="0" marL="0" rtl="0" algn="ctr">
+              <a:spcBef>
+                <a:spcPts val="0"/>
+              </a:spcBef>
+              <a:spcAft>
+                <a:spcPts val="0"/>
+              </a:spcAft>
+              <a:buNone/>
+            </a:pPr>
+            <a:r>
+              <a:t/>
+            </a:r>
+            <a:endParaRPr b="0">
+              <a:solidFill>
+                <a:srgbClr val="434343"/>
+              </a:solidFill>
+              <a:latin typeface="Montserrat ExtraBold"/>
+              <a:ea typeface="Montserrat ExtraBold"/>
+              <a:cs typeface="Montserrat ExtraBold"/>
+              <a:sym typeface="Montserrat ExtraBold"/>
+            </a:endParaRPr>
+          </a:p>
+        </p:txBody>
+      </p:sp>
+      <p:sp>
+        <p:nvSpPr>
+          <p:cNvPr id="89" name="Google Shape;89;p13"/>
+          <p:cNvSpPr/>
+          <p:nvPr/>
+        </p:nvSpPr>
+        <p:spPr>
+          <a:xfrm>
+            <a:off x="3928388" y="2264000"/>
+            <a:ext cx="623700" cy="42300"/>
+          </a:xfrm>
+          <a:prstGeom prst="rect">
+            <a:avLst/>
+          </a:prstGeom>
+          <a:solidFill>
+            <a:srgbClr val="198E7D"/>
+          </a:solidFill>
+          <a:ln cap="flat" cmpd="sng" w="9525">
+            <a:solidFill>
+              <a:schemeClr val="dk2"/>
+            </a:solidFill>
+            <a:prstDash val="solid"/>
+            <a:round/>
+            <a:headEnd len="sm" w="sm" type="none"/>
+            <a:tailEnd len="sm" w="sm" type="none"/>
+          </a:ln>
+        </p:spPr>
+        <p:txBody>
+          <a:bodyPr anchorCtr="0" anchor="ctr" bIns="91425" lIns="91425" spcFirstLastPara="1" rIns="91425" wrap="square" tIns="91425">
+            <a:noAutofit/>
+          </a:bodyPr>
+          <a:lstStyle/>
+          <a:p>
+            <a:pPr indent="0" lvl="0" marL="0" rtl="0" algn="l">
+              <a:spcBef>
+                <a:spcPts val="0"/>
+              </a:spcBef>
+              <a:spcAft>
+                <a:spcPts val="0"/>
+              </a:spcAft>
+              <a:buNone/>
+            </a:pPr>
+            <a:r>
+              <a:t/>
+            </a:r>
+            <a:endParaRPr/>
+          </a:p>
+        </p:txBody>
+      </p:sp>
+      <p:sp>
+        <p:nvSpPr>
+          <p:cNvPr id="90" name="Google Shape;90;p13"/>
+          <p:cNvSpPr/>
+          <p:nvPr/>
+        </p:nvSpPr>
+        <p:spPr>
+          <a:xfrm>
+            <a:off x="4591888" y="2264000"/>
+            <a:ext cx="623700" cy="42300"/>
+          </a:xfrm>
+          <a:prstGeom prst="rect">
+            <a:avLst/>
+          </a:prstGeom>
+          <a:solidFill>
+            <a:srgbClr val="E84C00"/>
+          </a:solidFill>
+          <a:ln cap="flat" cmpd="sng" w="9525">
+            <a:solidFill>
+              <a:schemeClr val="dk2"/>
+            </a:solidFill>
+            <a:prstDash val="solid"/>
+            <a:round/>
+            <a:headEnd len="sm" w="sm" type="none"/>
+            <a:tailEnd len="sm" w="sm" type="none"/>
+          </a:ln>
+        </p:spPr>
+        <p:txBody>
+          <a:bodyPr anchorCtr="0" anchor="ctr" bIns="91425" lIns="91425" spcFirstLastPara="1" rIns="91425" wrap="square" tIns="91425">
+            <a:noAutofit/>
+          </a:bodyPr>
+          <a:lstStyle/>
+          <a:p>
+            <a:pPr indent="0" lvl="0" marL="0" rtl="0" algn="l">
+              <a:spcBef>
+                <a:spcPts val="0"/>
+              </a:spcBef>
+              <a:spcAft>
+                <a:spcPts val="0"/>
+              </a:spcAft>
+              <a:buNone/>
+            </a:pPr>
+            <a:r>
+              <a:t/>
+            </a:r>
+            <a:endParaRPr/>
+          </a:p>
+        </p:txBody>
+      </p:sp>
+      <p:pic>
+        <p:nvPicPr>
+          <p:cNvPr id="91" name="Google Shape;91;p13"/>
+          <p:cNvPicPr preferRelativeResize="0"/>
+          <p:nvPr/>
+        </p:nvPicPr>
+        <p:blipFill>
+          <a:blip r:embed="rId4">
+            <a:alphaModFix/>
+          </a:blip>
+          <a:stretch>
+            <a:fillRect/>
+          </a:stretch>
+        </p:blipFill>
+        <p:spPr>
+          <a:xfrm>
+            <a:off x="4299948" y="4806519"/>
+            <a:ext cx="544100" cy="87904"/>
+          </a:xfrm>
+          <a:prstGeom prst="rect">
+            <a:avLst/>
+          </a:prstGeom>
+          <a:noFill/>
+          <a:ln>
+            <a:noFill/>
+          </a:ln>
+        </p:spPr>
+      </p:pic>
     </p:spTree>
   </p:cSld>
   <p:clrMapOvr>
@@ -12717,7 +14122,7 @@
   <p:cSld>
     <p:spTree>
       <p:nvGrpSpPr>
-        <p:cNvPr id="162" name="Shape 162"/>
+        <p:cNvPr id="167" name="Shape 167"/>
         <p:cNvGrpSpPr/>
         <p:nvPr/>
       </p:nvGrpSpPr>
@@ -12731,7 +14136,7 @@
       </p:grpSpPr>
       <p:sp>
         <p:nvSpPr>
-          <p:cNvPr id="163" name="Google Shape;163;p22"/>
+          <p:cNvPr id="168" name="Google Shape;168;p22"/>
           <p:cNvSpPr txBox="1"/>
           <p:nvPr/>
         </p:nvSpPr>
@@ -12801,7 +14206,7 @@
       </p:sp>
       <p:sp>
         <p:nvSpPr>
-          <p:cNvPr id="164" name="Google Shape;164;p22"/>
+          <p:cNvPr id="169" name="Google Shape;169;p22"/>
           <p:cNvSpPr txBox="1"/>
           <p:nvPr/>
         </p:nvSpPr>
@@ -12848,7 +14253,7 @@
       </p:sp>
       <p:sp>
         <p:nvSpPr>
-          <p:cNvPr id="165" name="Google Shape;165;p22"/>
+          <p:cNvPr id="170" name="Google Shape;170;p22"/>
           <p:cNvSpPr txBox="1"/>
           <p:nvPr/>
         </p:nvSpPr>
@@ -12900,7 +14305,7 @@
       </p:sp>
       <p:sp>
         <p:nvSpPr>
-          <p:cNvPr id="166" name="Google Shape;166;p22"/>
+          <p:cNvPr id="171" name="Google Shape;171;p22"/>
           <p:cNvSpPr txBox="1"/>
           <p:nvPr/>
         </p:nvSpPr>
@@ -13238,7 +14643,7 @@
       </p:sp>
       <p:pic>
         <p:nvPicPr>
-          <p:cNvPr id="167" name="Google Shape;167;p22"/>
+          <p:cNvPr id="172" name="Google Shape;172;p22"/>
           <p:cNvPicPr preferRelativeResize="0"/>
           <p:nvPr/>
         </p:nvPicPr>
@@ -13266,7 +14671,7 @@
       </p:pic>
       <p:pic>
         <p:nvPicPr>
-          <p:cNvPr id="168" name="Google Shape;168;p22"/>
+          <p:cNvPr id="173" name="Google Shape;173;p22"/>
           <p:cNvPicPr preferRelativeResize="0"/>
           <p:nvPr/>
         </p:nvPicPr>
@@ -13294,7 +14699,7 @@
       </p:pic>
       <p:pic>
         <p:nvPicPr>
-          <p:cNvPr id="169" name="Google Shape;169;p22"/>
+          <p:cNvPr id="174" name="Google Shape;174;p22"/>
           <p:cNvPicPr preferRelativeResize="0"/>
           <p:nvPr/>
         </p:nvPicPr>
@@ -13333,7 +14738,7 @@
   <p:cSld>
     <p:spTree>
       <p:nvGrpSpPr>
-        <p:cNvPr id="173" name="Shape 173"/>
+        <p:cNvPr id="178" name="Shape 178"/>
         <p:cNvGrpSpPr/>
         <p:nvPr/>
       </p:nvGrpSpPr>
@@ -13347,7 +14752,7 @@
       </p:grpSpPr>
       <p:sp>
         <p:nvSpPr>
-          <p:cNvPr id="174" name="Google Shape;174;p23"/>
+          <p:cNvPr id="179" name="Google Shape;179;p23"/>
           <p:cNvSpPr txBox="1"/>
           <p:nvPr/>
         </p:nvSpPr>
@@ -13426,7 +14831,7 @@
       </p:sp>
       <p:sp>
         <p:nvSpPr>
-          <p:cNvPr id="175" name="Google Shape;175;p23"/>
+          <p:cNvPr id="180" name="Google Shape;180;p23"/>
           <p:cNvSpPr txBox="1"/>
           <p:nvPr/>
         </p:nvSpPr>
@@ -13473,7 +14878,7 @@
       </p:sp>
       <p:pic>
         <p:nvPicPr>
-          <p:cNvPr id="176" name="Google Shape;176;p23"/>
+          <p:cNvPr id="181" name="Google Shape;181;p23"/>
           <p:cNvPicPr preferRelativeResize="0"/>
           <p:nvPr/>
         </p:nvPicPr>
@@ -13500,7 +14905,7 @@
       </p:pic>
       <p:pic>
         <p:nvPicPr>
-          <p:cNvPr id="177" name="Google Shape;177;p23"/>
+          <p:cNvPr id="182" name="Google Shape;182;p23"/>
           <p:cNvPicPr preferRelativeResize="0"/>
           <p:nvPr/>
         </p:nvPicPr>
@@ -13539,7 +14944,7 @@
   <p:cSld>
     <p:spTree>
       <p:nvGrpSpPr>
-        <p:cNvPr id="181" name="Shape 181"/>
+        <p:cNvPr id="186" name="Shape 186"/>
         <p:cNvGrpSpPr/>
         <p:nvPr/>
       </p:nvGrpSpPr>
@@ -13553,7 +14958,7 @@
       </p:grpSpPr>
       <p:sp>
         <p:nvSpPr>
-          <p:cNvPr id="182" name="Google Shape;182;p24"/>
+          <p:cNvPr id="187" name="Google Shape;187;p24"/>
           <p:cNvSpPr txBox="1"/>
           <p:nvPr/>
         </p:nvSpPr>
@@ -13605,7 +15010,7 @@
       </p:sp>
       <p:sp>
         <p:nvSpPr>
-          <p:cNvPr id="183" name="Google Shape;183;p24"/>
+          <p:cNvPr id="188" name="Google Shape;188;p24"/>
           <p:cNvSpPr txBox="1"/>
           <p:nvPr/>
         </p:nvSpPr>
@@ -13652,7 +15057,7 @@
       </p:sp>
       <p:pic>
         <p:nvPicPr>
-          <p:cNvPr id="184" name="Google Shape;184;p24"/>
+          <p:cNvPr id="189" name="Google Shape;189;p24"/>
           <p:cNvPicPr preferRelativeResize="0"/>
           <p:nvPr/>
         </p:nvPicPr>
@@ -13691,7 +15096,7 @@
   <p:cSld>
     <p:spTree>
       <p:nvGrpSpPr>
-        <p:cNvPr id="188" name="Shape 188"/>
+        <p:cNvPr id="193" name="Shape 193"/>
         <p:cNvGrpSpPr/>
         <p:nvPr/>
       </p:nvGrpSpPr>
@@ -13705,7 +15110,7 @@
       </p:grpSpPr>
       <p:sp>
         <p:nvSpPr>
-          <p:cNvPr id="189" name="Google Shape;189;p25"/>
+          <p:cNvPr id="194" name="Google Shape;194;p25"/>
           <p:cNvSpPr txBox="1"/>
           <p:nvPr/>
         </p:nvSpPr>
@@ -13775,7 +15180,7 @@
       </p:sp>
       <p:sp>
         <p:nvSpPr>
-          <p:cNvPr id="190" name="Google Shape;190;p25"/>
+          <p:cNvPr id="195" name="Google Shape;195;p25"/>
           <p:cNvSpPr txBox="1"/>
           <p:nvPr/>
         </p:nvSpPr>
@@ -13822,12 +15227,12 @@
       </p:sp>
       <p:pic>
         <p:nvPicPr>
-          <p:cNvPr id="191" name="Google Shape;191;p25"/>
+          <p:cNvPr id="196" name="Google Shape;196;p25"/>
           <p:cNvPicPr preferRelativeResize="0"/>
           <p:nvPr/>
         </p:nvPicPr>
         <p:blipFill>
-          <a:blip r:embed="rId4">
+          <a:blip r:embed="rId3">
             <a:alphaModFix/>
           </a:blip>
           <a:stretch>
@@ -13861,7 +15266,7 @@
   <p:cSld>
     <p:spTree>
       <p:nvGrpSpPr>
-        <p:cNvPr id="195" name="Shape 195"/>
+        <p:cNvPr id="200" name="Shape 200"/>
         <p:cNvGrpSpPr/>
         <p:nvPr/>
       </p:nvGrpSpPr>
@@ -13875,7 +15280,7 @@
       </p:grpSpPr>
       <p:pic>
         <p:nvPicPr>
-          <p:cNvPr id="196" name="Google Shape;196;p26"/>
+          <p:cNvPr id="201" name="Google Shape;201;p26"/>
           <p:cNvPicPr preferRelativeResize="0"/>
           <p:nvPr/>
         </p:nvPicPr>
@@ -13903,7 +15308,7 @@
       </p:pic>
       <p:sp>
         <p:nvSpPr>
-          <p:cNvPr id="197" name="Google Shape;197;p26"/>
+          <p:cNvPr id="202" name="Google Shape;202;p26"/>
           <p:cNvSpPr txBox="1"/>
           <p:nvPr/>
         </p:nvSpPr>
@@ -13961,7 +15366,7 @@
   <p:cSld>
     <p:spTree>
       <p:nvGrpSpPr>
-        <p:cNvPr id="201" name="Shape 201"/>
+        <p:cNvPr id="206" name="Shape 206"/>
         <p:cNvGrpSpPr/>
         <p:nvPr/>
       </p:nvGrpSpPr>
@@ -13975,7 +15380,7 @@
       </p:grpSpPr>
       <p:sp>
         <p:nvSpPr>
-          <p:cNvPr id="202" name="Google Shape;202;p27"/>
+          <p:cNvPr id="207" name="Google Shape;207;p27"/>
           <p:cNvSpPr txBox="1"/>
           <p:nvPr/>
         </p:nvSpPr>
@@ -14027,7 +15432,7 @@
       </p:sp>
       <p:sp>
         <p:nvSpPr>
-          <p:cNvPr id="203" name="Google Shape;203;p27"/>
+          <p:cNvPr id="208" name="Google Shape;208;p27"/>
           <p:cNvSpPr txBox="1"/>
           <p:nvPr/>
         </p:nvSpPr>
@@ -14083,7 +15488,7 @@
       </p:sp>
       <p:pic>
         <p:nvPicPr>
-          <p:cNvPr id="204" name="Google Shape;204;p27"/>
+          <p:cNvPr id="209" name="Google Shape;209;p27"/>
           <p:cNvPicPr preferRelativeResize="0"/>
           <p:nvPr/>
         </p:nvPicPr>
@@ -14111,7 +15516,7 @@
       </p:pic>
       <p:sp>
         <p:nvSpPr>
-          <p:cNvPr id="205" name="Google Shape;205;p27"/>
+          <p:cNvPr id="210" name="Google Shape;210;p27"/>
           <p:cNvSpPr txBox="1"/>
           <p:nvPr/>
         </p:nvSpPr>
@@ -14327,7 +15732,7 @@
   <p:cSld>
     <p:spTree>
       <p:nvGrpSpPr>
-        <p:cNvPr id="209" name="Shape 209"/>
+        <p:cNvPr id="214" name="Shape 214"/>
         <p:cNvGrpSpPr/>
         <p:nvPr/>
       </p:nvGrpSpPr>
@@ -14341,7 +15746,7 @@
       </p:grpSpPr>
       <p:sp>
         <p:nvSpPr>
-          <p:cNvPr id="210" name="Google Shape;210;p28"/>
+          <p:cNvPr id="215" name="Google Shape;215;p28"/>
           <p:cNvSpPr txBox="1"/>
           <p:nvPr/>
         </p:nvSpPr>
@@ -14393,7 +15798,7 @@
       </p:sp>
       <p:sp>
         <p:nvSpPr>
-          <p:cNvPr id="211" name="Google Shape;211;p28"/>
+          <p:cNvPr id="216" name="Google Shape;216;p28"/>
           <p:cNvSpPr txBox="1"/>
           <p:nvPr/>
         </p:nvSpPr>
@@ -14440,7 +15845,7 @@
       </p:sp>
       <p:pic>
         <p:nvPicPr>
-          <p:cNvPr id="212" name="Google Shape;212;p28"/>
+          <p:cNvPr id="217" name="Google Shape;217;p28"/>
           <p:cNvPicPr preferRelativeResize="0"/>
           <p:nvPr/>
         </p:nvPicPr>
@@ -14468,7 +15873,7 @@
       </p:pic>
       <p:sp>
         <p:nvSpPr>
-          <p:cNvPr id="213" name="Google Shape;213;p28"/>
+          <p:cNvPr id="218" name="Google Shape;218;p28"/>
           <p:cNvSpPr txBox="1"/>
           <p:nvPr/>
         </p:nvSpPr>
@@ -14696,7 +16101,7 @@
       </p:sp>
       <p:sp>
         <p:nvSpPr>
-          <p:cNvPr id="214" name="Google Shape;214;p28"/>
+          <p:cNvPr id="219" name="Google Shape;219;p28"/>
           <p:cNvSpPr txBox="1"/>
           <p:nvPr/>
         </p:nvSpPr>
@@ -14791,7 +16196,7 @@
                 <a:cs typeface="Lato"/>
                 <a:sym typeface="Lato"/>
               </a:rPr>
-              <a:t>frequency of firing  </a:t>
+              <a:t>frequency of firing</a:t>
             </a:r>
             <a:endParaRPr>
               <a:latin typeface="Lato"/>
@@ -14917,7 +16322,7 @@
   <p:cSld>
     <p:spTree>
       <p:nvGrpSpPr>
-        <p:cNvPr id="218" name="Shape 218"/>
+        <p:cNvPr id="223" name="Shape 223"/>
         <p:cNvGrpSpPr/>
         <p:nvPr/>
       </p:nvGrpSpPr>
@@ -14931,7 +16336,7 @@
       </p:grpSpPr>
       <p:sp>
         <p:nvSpPr>
-          <p:cNvPr id="219" name="Google Shape;219;p29"/>
+          <p:cNvPr id="224" name="Google Shape;224;p29"/>
           <p:cNvSpPr txBox="1"/>
           <p:nvPr/>
         </p:nvSpPr>
@@ -14983,7 +16388,7 @@
       </p:sp>
       <p:sp>
         <p:nvSpPr>
-          <p:cNvPr id="220" name="Google Shape;220;p29"/>
+          <p:cNvPr id="225" name="Google Shape;225;p29"/>
           <p:cNvSpPr txBox="1"/>
           <p:nvPr/>
         </p:nvSpPr>
@@ -15030,7 +16435,7 @@
       </p:sp>
       <p:sp>
         <p:nvSpPr>
-          <p:cNvPr id="221" name="Google Shape;221;p29"/>
+          <p:cNvPr id="226" name="Google Shape;226;p29"/>
           <p:cNvSpPr txBox="1"/>
           <p:nvPr/>
         </p:nvSpPr>
@@ -15082,7 +16487,7 @@
       </p:sp>
       <p:pic>
         <p:nvPicPr>
-          <p:cNvPr id="222" name="Google Shape;222;p29"/>
+          <p:cNvPr id="227" name="Google Shape;227;p29"/>
           <p:cNvPicPr preferRelativeResize="0"/>
           <p:nvPr/>
         </p:nvPicPr>
@@ -15121,7 +16526,7 @@
   <p:cSld>
     <p:spTree>
       <p:nvGrpSpPr>
-        <p:cNvPr id="226" name="Shape 226"/>
+        <p:cNvPr id="231" name="Shape 231"/>
         <p:cNvGrpSpPr/>
         <p:nvPr/>
       </p:nvGrpSpPr>
@@ -15135,7 +16540,7 @@
       </p:grpSpPr>
       <p:sp>
         <p:nvSpPr>
-          <p:cNvPr id="227" name="Google Shape;227;p30"/>
+          <p:cNvPr id="232" name="Google Shape;232;p30"/>
           <p:cNvSpPr txBox="1"/>
           <p:nvPr/>
         </p:nvSpPr>
@@ -15187,7 +16592,7 @@
       </p:sp>
       <p:sp>
         <p:nvSpPr>
-          <p:cNvPr id="228" name="Google Shape;228;p30"/>
+          <p:cNvPr id="233" name="Google Shape;233;p30"/>
           <p:cNvSpPr txBox="1"/>
           <p:nvPr/>
         </p:nvSpPr>
@@ -15234,7 +16639,7 @@
       </p:sp>
       <p:sp>
         <p:nvSpPr>
-          <p:cNvPr id="229" name="Google Shape;229;p30"/>
+          <p:cNvPr id="234" name="Google Shape;234;p30"/>
           <p:cNvSpPr txBox="1"/>
           <p:nvPr/>
         </p:nvSpPr>
@@ -15348,7 +16753,31 @@
                 <a:cs typeface="Lato"/>
                 <a:sym typeface="Lato"/>
               </a:rPr>
-              <a:t> Neurons , layers , Activation function </a:t>
+              <a:t> No.Neurons , </a:t>
+            </a:r>
+            <a:r>
+              <a:rPr lang="en-GB" sz="1700">
+                <a:solidFill>
+                  <a:srgbClr val="4A86E8"/>
+                </a:solidFill>
+                <a:latin typeface="Lato"/>
+                <a:ea typeface="Lato"/>
+                <a:cs typeface="Lato"/>
+                <a:sym typeface="Lato"/>
+              </a:rPr>
+              <a:t>No.</a:t>
+            </a:r>
+            <a:r>
+              <a:rPr lang="en-GB" sz="1700">
+                <a:solidFill>
+                  <a:srgbClr val="4A86E8"/>
+                </a:solidFill>
+                <a:latin typeface="Lato"/>
+                <a:ea typeface="Lato"/>
+                <a:cs typeface="Lato"/>
+                <a:sym typeface="Lato"/>
+              </a:rPr>
+              <a:t>layers , Activation function </a:t>
             </a:r>
             <a:endParaRPr b="1" sz="1700">
               <a:solidFill>
@@ -15586,7 +17015,7 @@
   <p:cSld>
     <p:spTree>
       <p:nvGrpSpPr>
-        <p:cNvPr id="233" name="Shape 233"/>
+        <p:cNvPr id="238" name="Shape 238"/>
         <p:cNvGrpSpPr/>
         <p:nvPr/>
       </p:nvGrpSpPr>
@@ -15600,7 +17029,520 @@
       </p:grpSpPr>
       <p:sp>
         <p:nvSpPr>
-          <p:cNvPr id="234" name="Google Shape;234;p31"/>
+          <p:cNvPr id="239" name="Google Shape;239;p31"/>
+          <p:cNvSpPr txBox="1"/>
+          <p:nvPr/>
+        </p:nvSpPr>
+        <p:spPr>
+          <a:xfrm>
+            <a:off x="665925" y="590900"/>
+            <a:ext cx="5776200" cy="431100"/>
+          </a:xfrm>
+          <a:prstGeom prst="rect">
+            <a:avLst/>
+          </a:prstGeom>
+          <a:noFill/>
+          <a:ln>
+            <a:noFill/>
+          </a:ln>
+        </p:spPr>
+        <p:txBody>
+          <a:bodyPr anchorCtr="0" anchor="t" bIns="91425" lIns="91425" spcFirstLastPara="1" rIns="91425" wrap="square" tIns="91425">
+            <a:spAutoFit/>
+          </a:bodyPr>
+          <a:lstStyle/>
+          <a:p>
+            <a:pPr indent="0" lvl="0" marL="0" rtl="0" algn="l">
+              <a:spcBef>
+                <a:spcPts val="0"/>
+              </a:spcBef>
+              <a:spcAft>
+                <a:spcPts val="0"/>
+              </a:spcAft>
+              <a:buNone/>
+            </a:pPr>
+            <a:r>
+              <a:rPr b="1" lang="en-GB" sz="1600">
+                <a:latin typeface="Lato"/>
+                <a:ea typeface="Lato"/>
+                <a:cs typeface="Lato"/>
+                <a:sym typeface="Lato"/>
+              </a:rPr>
+              <a:t>Models Theory and practice  ? </a:t>
+            </a:r>
+            <a:endParaRPr b="1" sz="1500"/>
+          </a:p>
+        </p:txBody>
+      </p:sp>
+      <p:sp>
+        <p:nvSpPr>
+          <p:cNvPr id="240" name="Google Shape;240;p31"/>
+          <p:cNvSpPr txBox="1"/>
+          <p:nvPr/>
+        </p:nvSpPr>
+        <p:spPr>
+          <a:xfrm rot="-186">
+            <a:off x="2427296" y="1084941"/>
+            <a:ext cx="5536500" cy="400200"/>
+          </a:xfrm>
+          <a:prstGeom prst="rect">
+            <a:avLst/>
+          </a:prstGeom>
+          <a:noFill/>
+          <a:ln>
+            <a:noFill/>
+          </a:ln>
+        </p:spPr>
+        <p:txBody>
+          <a:bodyPr anchorCtr="0" anchor="t" bIns="91425" lIns="91425" spcFirstLastPara="1" rIns="91425" wrap="square" tIns="91425">
+            <a:spAutoFit/>
+          </a:bodyPr>
+          <a:lstStyle/>
+          <a:p>
+            <a:pPr indent="0" lvl="0" marL="0" rtl="0" algn="l">
+              <a:spcBef>
+                <a:spcPts val="0"/>
+              </a:spcBef>
+              <a:spcAft>
+                <a:spcPts val="0"/>
+              </a:spcAft>
+              <a:buNone/>
+            </a:pPr>
+            <a:r>
+              <a:rPr b="1" lang="en-GB">
+                <a:latin typeface="Lato"/>
+                <a:ea typeface="Lato"/>
+                <a:cs typeface="Lato"/>
+                <a:sym typeface="Lato"/>
+              </a:rPr>
+              <a:t>Connectionist Master Algorithm : Neural Network</a:t>
+            </a:r>
+            <a:endParaRPr b="1">
+              <a:latin typeface="Lato"/>
+              <a:ea typeface="Lato"/>
+              <a:cs typeface="Lato"/>
+              <a:sym typeface="Lato"/>
+            </a:endParaRPr>
+          </a:p>
+        </p:txBody>
+      </p:sp>
+      <p:pic>
+        <p:nvPicPr>
+          <p:cNvPr id="241" name="Google Shape;241;p31"/>
+          <p:cNvPicPr preferRelativeResize="0"/>
+          <p:nvPr/>
+        </p:nvPicPr>
+        <p:blipFill>
+          <a:blip r:embed="rId3">
+            <a:alphaModFix/>
+          </a:blip>
+          <a:stretch>
+            <a:fillRect/>
+          </a:stretch>
+        </p:blipFill>
+        <p:spPr>
+          <a:xfrm>
+            <a:off x="152400" y="1914016"/>
+            <a:ext cx="8839204" cy="2671615"/>
+          </a:xfrm>
+          <a:prstGeom prst="rect">
+            <a:avLst/>
+          </a:prstGeom>
+          <a:noFill/>
+          <a:ln>
+            <a:noFill/>
+          </a:ln>
+        </p:spPr>
+      </p:pic>
+      <p:sp>
+        <p:nvSpPr>
+          <p:cNvPr id="242" name="Google Shape;242;p31"/>
+          <p:cNvSpPr txBox="1"/>
+          <p:nvPr/>
+        </p:nvSpPr>
+        <p:spPr>
+          <a:xfrm>
+            <a:off x="2460475" y="1471425"/>
+            <a:ext cx="4269900" cy="400200"/>
+          </a:xfrm>
+          <a:prstGeom prst="rect">
+            <a:avLst/>
+          </a:prstGeom>
+          <a:noFill/>
+          <a:ln>
+            <a:noFill/>
+          </a:ln>
+        </p:spPr>
+        <p:txBody>
+          <a:bodyPr anchorCtr="0" anchor="t" bIns="91425" lIns="91425" spcFirstLastPara="1" rIns="91425" wrap="square" tIns="91425">
+            <a:spAutoFit/>
+          </a:bodyPr>
+          <a:lstStyle/>
+          <a:p>
+            <a:pPr indent="0" lvl="0" marL="0" rtl="0" algn="ctr">
+              <a:spcBef>
+                <a:spcPts val="0"/>
+              </a:spcBef>
+              <a:spcAft>
+                <a:spcPts val="0"/>
+              </a:spcAft>
+              <a:buNone/>
+            </a:pPr>
+            <a:r>
+              <a:rPr b="1" lang="en-GB">
+                <a:latin typeface="Lato"/>
+                <a:ea typeface="Lato"/>
+                <a:cs typeface="Lato"/>
+                <a:sym typeface="Lato"/>
+              </a:rPr>
+              <a:t>Features captured by the network </a:t>
+            </a:r>
+            <a:endParaRPr b="1">
+              <a:latin typeface="Lato"/>
+              <a:ea typeface="Lato"/>
+              <a:cs typeface="Lato"/>
+              <a:sym typeface="Lato"/>
+            </a:endParaRPr>
+          </a:p>
+        </p:txBody>
+      </p:sp>
+    </p:spTree>
+  </p:cSld>
+  <p:clrMapOvr>
+    <a:masterClrMapping/>
+  </p:clrMapOvr>
+</p:sld>
+</file>
+
+<file path=ppt/slides/slide2.xml><?xml version="1.0" encoding="utf-8"?>
+<p:sld xmlns:a="http://schemas.openxmlformats.org/drawingml/2006/main" xmlns:r="http://schemas.openxmlformats.org/officeDocument/2006/relationships" xmlns:mc="http://schemas.openxmlformats.org/markup-compatibility/2006" xmlns:mv="urn:schemas-microsoft-com:mac:vml" xmlns:p="http://schemas.openxmlformats.org/presentationml/2006/main" xmlns:c="http://schemas.openxmlformats.org/drawingml/2006/chart" xmlns:dgm="http://schemas.openxmlformats.org/drawingml/2006/diagram" xmlns:o="urn:schemas-microsoft-com:office:office" xmlns:v="urn:schemas-microsoft-com:vml" xmlns:pvml="urn:schemas-microsoft-com:office:powerpoint" xmlns:com="http://schemas.openxmlformats.org/drawingml/2006/compatibility" xmlns:p14="http://schemas.microsoft.com/office/powerpoint/2010/main" xmlns:p15="http://schemas.microsoft.com/office/powerpoint/2012/main" xmlns:ahyp="http://schemas.microsoft.com/office/drawing/2018/hyperlinkcolor">
+  <p:cSld>
+    <p:spTree>
+      <p:nvGrpSpPr>
+        <p:cNvPr id="95" name="Shape 95"/>
+        <p:cNvGrpSpPr/>
+        <p:nvPr/>
+      </p:nvGrpSpPr>
+      <p:grpSpPr>
+        <a:xfrm>
+          <a:off x="0" y="0"/>
+          <a:ext cx="0" cy="0"/>
+          <a:chOff x="0" y="0"/>
+          <a:chExt cx="0" cy="0"/>
+        </a:xfrm>
+      </p:grpSpPr>
+      <p:sp>
+        <p:nvSpPr>
+          <p:cNvPr id="96" name="Google Shape;96;p14"/>
+          <p:cNvSpPr txBox="1"/>
+          <p:nvPr/>
+        </p:nvSpPr>
+        <p:spPr>
+          <a:xfrm>
+            <a:off x="1424975" y="1490200"/>
+            <a:ext cx="5940000" cy="1477500"/>
+          </a:xfrm>
+          <a:prstGeom prst="rect">
+            <a:avLst/>
+          </a:prstGeom>
+          <a:noFill/>
+          <a:ln>
+            <a:noFill/>
+          </a:ln>
+        </p:spPr>
+        <p:txBody>
+          <a:bodyPr anchorCtr="0" anchor="t" bIns="91425" lIns="91425" spcFirstLastPara="1" rIns="91425" wrap="square" tIns="91425">
+            <a:spAutoFit/>
+          </a:bodyPr>
+          <a:lstStyle/>
+          <a:p>
+            <a:pPr indent="0" lvl="0" marL="0" rtl="0" algn="l">
+              <a:spcBef>
+                <a:spcPts val="0"/>
+              </a:spcBef>
+              <a:spcAft>
+                <a:spcPts val="0"/>
+              </a:spcAft>
+              <a:buNone/>
+            </a:pPr>
+            <a:r>
+              <a:rPr lang="en-GB">
+                <a:latin typeface="Lato"/>
+                <a:ea typeface="Lato"/>
+                <a:cs typeface="Lato"/>
+                <a:sym typeface="Lato"/>
+              </a:rPr>
+              <a:t>Plan of the </a:t>
+            </a:r>
+            <a:r>
+              <a:rPr lang="en-GB">
+                <a:latin typeface="Lato"/>
+                <a:ea typeface="Lato"/>
+                <a:cs typeface="Lato"/>
+                <a:sym typeface="Lato"/>
+              </a:rPr>
+              <a:t>workshop</a:t>
+            </a:r>
+            <a:r>
+              <a:rPr lang="en-GB">
+                <a:latin typeface="Lato"/>
+                <a:ea typeface="Lato"/>
+                <a:cs typeface="Lato"/>
+                <a:sym typeface="Lato"/>
+              </a:rPr>
+              <a:t> :</a:t>
+            </a:r>
+            <a:endParaRPr>
+              <a:latin typeface="Lato"/>
+              <a:ea typeface="Lato"/>
+              <a:cs typeface="Lato"/>
+              <a:sym typeface="Lato"/>
+            </a:endParaRPr>
+          </a:p>
+          <a:p>
+            <a:pPr indent="-317500" lvl="0" marL="457200" rtl="0" algn="l">
+              <a:spcBef>
+                <a:spcPts val="0"/>
+              </a:spcBef>
+              <a:spcAft>
+                <a:spcPts val="0"/>
+              </a:spcAft>
+              <a:buSzPts val="1400"/>
+              <a:buFont typeface="Lato"/>
+              <a:buChar char="●"/>
+            </a:pPr>
+            <a:r>
+              <a:rPr lang="en-GB">
+                <a:latin typeface="Lato"/>
+                <a:ea typeface="Lato"/>
+                <a:cs typeface="Lato"/>
+                <a:sym typeface="Lato"/>
+              </a:rPr>
+              <a:t>What is machine </a:t>
+            </a:r>
+            <a:r>
+              <a:rPr lang="en-GB">
+                <a:latin typeface="Lato"/>
+                <a:ea typeface="Lato"/>
+                <a:cs typeface="Lato"/>
+                <a:sym typeface="Lato"/>
+              </a:rPr>
+              <a:t>learning</a:t>
+            </a:r>
+            <a:r>
+              <a:rPr lang="en-GB">
+                <a:latin typeface="Lato"/>
+                <a:ea typeface="Lato"/>
+                <a:cs typeface="Lato"/>
+                <a:sym typeface="Lato"/>
+              </a:rPr>
+              <a:t>  ?</a:t>
+            </a:r>
+            <a:endParaRPr>
+              <a:latin typeface="Lato"/>
+              <a:ea typeface="Lato"/>
+              <a:cs typeface="Lato"/>
+              <a:sym typeface="Lato"/>
+            </a:endParaRPr>
+          </a:p>
+          <a:p>
+            <a:pPr indent="-317500" lvl="0" marL="457200" rtl="0" algn="l">
+              <a:spcBef>
+                <a:spcPts val="0"/>
+              </a:spcBef>
+              <a:spcAft>
+                <a:spcPts val="0"/>
+              </a:spcAft>
+              <a:buSzPts val="1400"/>
+              <a:buFont typeface="Lato"/>
+              <a:buChar char="●"/>
+            </a:pPr>
+            <a:r>
+              <a:rPr lang="en-GB">
+                <a:latin typeface="Lato"/>
+                <a:ea typeface="Lato"/>
+                <a:cs typeface="Lato"/>
+                <a:sym typeface="Lato"/>
+              </a:rPr>
+              <a:t>What types of models are there</a:t>
+            </a:r>
+            <a:r>
+              <a:rPr lang="en-GB">
+                <a:latin typeface="Lato"/>
+                <a:ea typeface="Lato"/>
+                <a:cs typeface="Lato"/>
+                <a:sym typeface="Lato"/>
+              </a:rPr>
+              <a:t> ?</a:t>
+            </a:r>
+            <a:endParaRPr>
+              <a:latin typeface="Lato"/>
+              <a:ea typeface="Lato"/>
+              <a:cs typeface="Lato"/>
+              <a:sym typeface="Lato"/>
+            </a:endParaRPr>
+          </a:p>
+          <a:p>
+            <a:pPr indent="-317500" lvl="0" marL="457200" rtl="0" algn="l">
+              <a:spcBef>
+                <a:spcPts val="0"/>
+              </a:spcBef>
+              <a:spcAft>
+                <a:spcPts val="0"/>
+              </a:spcAft>
+              <a:buSzPts val="1400"/>
+              <a:buFont typeface="Lato"/>
+              <a:buChar char="●"/>
+            </a:pPr>
+            <a:r>
+              <a:rPr lang="en-GB">
+                <a:latin typeface="Lato"/>
+                <a:ea typeface="Lato"/>
+                <a:cs typeface="Lato"/>
+                <a:sym typeface="Lato"/>
+              </a:rPr>
+              <a:t>Models theory and practice   ?</a:t>
+            </a:r>
+            <a:endParaRPr>
+              <a:latin typeface="Lato"/>
+              <a:ea typeface="Lato"/>
+              <a:cs typeface="Lato"/>
+              <a:sym typeface="Lato"/>
+            </a:endParaRPr>
+          </a:p>
+          <a:p>
+            <a:pPr indent="-317500" lvl="0" marL="457200" rtl="0" algn="l">
+              <a:spcBef>
+                <a:spcPts val="0"/>
+              </a:spcBef>
+              <a:spcAft>
+                <a:spcPts val="0"/>
+              </a:spcAft>
+              <a:buSzPts val="1400"/>
+              <a:buFont typeface="Lato"/>
+              <a:buChar char="●"/>
+            </a:pPr>
+            <a:r>
+              <a:rPr lang="en-GB">
+                <a:latin typeface="Lato"/>
+                <a:ea typeface="Lato"/>
+                <a:cs typeface="Lato"/>
+                <a:sym typeface="Lato"/>
+              </a:rPr>
+              <a:t>Bias vs variance tradeoff </a:t>
+            </a:r>
+            <a:endParaRPr>
+              <a:latin typeface="Lato"/>
+              <a:ea typeface="Lato"/>
+              <a:cs typeface="Lato"/>
+              <a:sym typeface="Lato"/>
+            </a:endParaRPr>
+          </a:p>
+          <a:p>
+            <a:pPr indent="-317500" lvl="0" marL="457200" rtl="0" algn="l">
+              <a:spcBef>
+                <a:spcPts val="0"/>
+              </a:spcBef>
+              <a:spcAft>
+                <a:spcPts val="0"/>
+              </a:spcAft>
+              <a:buSzPts val="1400"/>
+              <a:buFont typeface="Lato"/>
+              <a:buChar char="●"/>
+            </a:pPr>
+            <a:r>
+              <a:rPr lang="en-GB">
+                <a:latin typeface="Lato"/>
+                <a:ea typeface="Lato"/>
+                <a:cs typeface="Lato"/>
+                <a:sym typeface="Lato"/>
+              </a:rPr>
+              <a:t>Learning resources </a:t>
+            </a:r>
+            <a:endParaRPr>
+              <a:latin typeface="Lato"/>
+              <a:ea typeface="Lato"/>
+              <a:cs typeface="Lato"/>
+              <a:sym typeface="Lato"/>
+            </a:endParaRPr>
+          </a:p>
+        </p:txBody>
+      </p:sp>
+      <p:sp>
+        <p:nvSpPr>
+          <p:cNvPr id="97" name="Google Shape;97;p14"/>
+          <p:cNvSpPr txBox="1"/>
+          <p:nvPr/>
+        </p:nvSpPr>
+        <p:spPr>
+          <a:xfrm>
+            <a:off x="584400" y="671775"/>
+            <a:ext cx="7539600" cy="431100"/>
+          </a:xfrm>
+          <a:prstGeom prst="rect">
+            <a:avLst/>
+          </a:prstGeom>
+          <a:noFill/>
+          <a:ln>
+            <a:noFill/>
+          </a:ln>
+        </p:spPr>
+        <p:txBody>
+          <a:bodyPr anchorCtr="0" anchor="t" bIns="91425" lIns="91425" spcFirstLastPara="1" rIns="91425" wrap="square" tIns="91425">
+            <a:spAutoFit/>
+          </a:bodyPr>
+          <a:lstStyle/>
+          <a:p>
+            <a:pPr indent="0" lvl="0" marL="0" rtl="0" algn="l">
+              <a:spcBef>
+                <a:spcPts val="0"/>
+              </a:spcBef>
+              <a:spcAft>
+                <a:spcPts val="0"/>
+              </a:spcAft>
+              <a:buNone/>
+            </a:pPr>
+            <a:r>
+              <a:rPr b="1" lang="en-GB" sz="1600">
+                <a:latin typeface="Lato"/>
+                <a:ea typeface="Lato"/>
+                <a:cs typeface="Lato"/>
+                <a:sym typeface="Lato"/>
+              </a:rPr>
+              <a:t>Machine learning 101 </a:t>
+            </a:r>
+            <a:endParaRPr b="1" sz="1500"/>
+          </a:p>
+        </p:txBody>
+      </p:sp>
+    </p:spTree>
+  </p:cSld>
+  <p:clrMapOvr>
+    <a:masterClrMapping/>
+  </p:clrMapOvr>
+</p:sld>
+</file>
+
+<file path=ppt/slides/slide20.xml><?xml version="1.0" encoding="utf-8"?>
+<p:sld xmlns:a="http://schemas.openxmlformats.org/drawingml/2006/main" xmlns:r="http://schemas.openxmlformats.org/officeDocument/2006/relationships" xmlns:mc="http://schemas.openxmlformats.org/markup-compatibility/2006" xmlns:mv="urn:schemas-microsoft-com:mac:vml" xmlns:p="http://schemas.openxmlformats.org/presentationml/2006/main" xmlns:c="http://schemas.openxmlformats.org/drawingml/2006/chart" xmlns:dgm="http://schemas.openxmlformats.org/drawingml/2006/diagram" xmlns:o="urn:schemas-microsoft-com:office:office" xmlns:v="urn:schemas-microsoft-com:vml" xmlns:pvml="urn:schemas-microsoft-com:office:powerpoint" xmlns:com="http://schemas.openxmlformats.org/drawingml/2006/compatibility" xmlns:p14="http://schemas.microsoft.com/office/powerpoint/2010/main" xmlns:p15="http://schemas.microsoft.com/office/powerpoint/2012/main" xmlns:ahyp="http://schemas.microsoft.com/office/drawing/2018/hyperlinkcolor">
+  <p:cSld>
+    <p:spTree>
+      <p:nvGrpSpPr>
+        <p:cNvPr id="246" name="Shape 246"/>
+        <p:cNvGrpSpPr/>
+        <p:nvPr/>
+      </p:nvGrpSpPr>
+      <p:grpSpPr>
+        <a:xfrm>
+          <a:off x="0" y="0"/>
+          <a:ext cx="0" cy="0"/>
+          <a:chOff x="0" y="0"/>
+          <a:chExt cx="0" cy="0"/>
+        </a:xfrm>
+      </p:grpSpPr>
+      <p:sp>
+        <p:nvSpPr>
+          <p:cNvPr id="247" name="Google Shape;247;p32"/>
           <p:cNvSpPr txBox="1"/>
           <p:nvPr/>
         </p:nvSpPr>
@@ -15670,7 +17612,7 @@
       </p:sp>
       <p:sp>
         <p:nvSpPr>
-          <p:cNvPr id="235" name="Google Shape;235;p31"/>
+          <p:cNvPr id="248" name="Google Shape;248;p32"/>
           <p:cNvSpPr txBox="1"/>
           <p:nvPr/>
         </p:nvSpPr>
@@ -15717,14 +17659,14 @@
       </p:sp>
       <p:sp>
         <p:nvSpPr>
-          <p:cNvPr id="236" name="Google Shape;236;p31"/>
+          <p:cNvPr id="249" name="Google Shape;249;p32"/>
           <p:cNvSpPr txBox="1"/>
           <p:nvPr/>
         </p:nvSpPr>
         <p:spPr>
           <a:xfrm>
             <a:off x="377300" y="1362475"/>
-            <a:ext cx="8208600" cy="2770500"/>
+            <a:ext cx="8208600" cy="2986200"/>
           </a:xfrm>
           <a:prstGeom prst="rect">
             <a:avLst/>
@@ -16167,66 +18109,20 @@
               <a:sym typeface="Lato"/>
             </a:endParaRPr>
           </a:p>
-        </p:txBody>
-      </p:sp>
-    </p:spTree>
-  </p:cSld>
-  <p:clrMapOvr>
-    <a:masterClrMapping/>
-  </p:clrMapOvr>
-</p:sld>
-</file>
-
-<file path=ppt/slides/slide2.xml><?xml version="1.0" encoding="utf-8"?>
-<p:sld xmlns:a="http://schemas.openxmlformats.org/drawingml/2006/main" xmlns:r="http://schemas.openxmlformats.org/officeDocument/2006/relationships" xmlns:mc="http://schemas.openxmlformats.org/markup-compatibility/2006" xmlns:mv="urn:schemas-microsoft-com:mac:vml" xmlns:p="http://schemas.openxmlformats.org/presentationml/2006/main" xmlns:c="http://schemas.openxmlformats.org/drawingml/2006/chart" xmlns:dgm="http://schemas.openxmlformats.org/drawingml/2006/diagram" xmlns:o="urn:schemas-microsoft-com:office:office" xmlns:v="urn:schemas-microsoft-com:vml" xmlns:pvml="urn:schemas-microsoft-com:office:powerpoint" xmlns:com="http://schemas.openxmlformats.org/drawingml/2006/compatibility" xmlns:p14="http://schemas.microsoft.com/office/powerpoint/2010/main" xmlns:p15="http://schemas.microsoft.com/office/powerpoint/2012/main" xmlns:ahyp="http://schemas.microsoft.com/office/drawing/2018/hyperlinkcolor">
-  <p:cSld>
-    <p:spTree>
-      <p:nvGrpSpPr>
-        <p:cNvPr id="90" name="Shape 90"/>
-        <p:cNvGrpSpPr/>
-        <p:nvPr/>
-      </p:nvGrpSpPr>
-      <p:grpSpPr>
-        <a:xfrm>
-          <a:off x="0" y="0"/>
-          <a:ext cx="0" cy="0"/>
-          <a:chOff x="0" y="0"/>
-          <a:chExt cx="0" cy="0"/>
-        </a:xfrm>
-      </p:grpSpPr>
-      <p:sp>
-        <p:nvSpPr>
-          <p:cNvPr id="91" name="Google Shape;91;p14"/>
-          <p:cNvSpPr txBox="1"/>
-          <p:nvPr/>
-        </p:nvSpPr>
-        <p:spPr>
-          <a:xfrm>
-            <a:off x="1424975" y="1490200"/>
-            <a:ext cx="5940000" cy="1477500"/>
-          </a:xfrm>
-          <a:prstGeom prst="rect">
-            <a:avLst/>
-          </a:prstGeom>
-          <a:noFill/>
-          <a:ln>
-            <a:noFill/>
-          </a:ln>
-        </p:spPr>
-        <p:txBody>
-          <a:bodyPr anchorCtr="0" anchor="t" bIns="91425" lIns="91425" spcFirstLastPara="1" rIns="91425" wrap="square" tIns="91425">
-            <a:spAutoFit/>
-          </a:bodyPr>
-          <a:lstStyle/>
-          <a:p>
-            <a:pPr indent="0" lvl="0" marL="0" rtl="0" algn="l">
-              <a:spcBef>
-                <a:spcPts val="0"/>
-              </a:spcBef>
-              <a:spcAft>
-                <a:spcPts val="0"/>
-              </a:spcAft>
-              <a:buNone/>
+          <a:p>
+            <a:pPr indent="-317500" lvl="1" marL="914400" rtl="0" algn="l">
+              <a:lnSpc>
+                <a:spcPct val="100000"/>
+              </a:lnSpc>
+              <a:spcBef>
+                <a:spcPts val="0"/>
+              </a:spcBef>
+              <a:spcAft>
+                <a:spcPts val="0"/>
+              </a:spcAft>
+              <a:buSzPts val="1400"/>
+              <a:buFont typeface="Lato"/>
+              <a:buChar char="○"/>
             </a:pPr>
             <a:r>
               <a:rPr lang="en-GB">
@@ -16235,25 +18131,7 @@
                 <a:cs typeface="Lato"/>
                 <a:sym typeface="Lato"/>
               </a:rPr>
-              <a:t>Plan of the </a:t>
-            </a:r>
-            <a:r>
-              <a:rPr lang="en-GB">
-                <a:latin typeface="Lato"/>
-                <a:ea typeface="Lato"/>
-                <a:cs typeface="Lato"/>
-                <a:sym typeface="Lato"/>
-              </a:rPr>
-              <a:t>workshop</a:t>
-            </a:r>
-            <a:r>
-              <a:rPr lang="en-GB">
-                <a:latin typeface="Lato"/>
-                <a:ea typeface="Lato"/>
-                <a:cs typeface="Lato"/>
-                <a:sym typeface="Lato"/>
-              </a:rPr>
-              <a:t> :</a:t>
+              <a:t>Is not affected by the curse of dimionalitty </a:t>
             </a:r>
             <a:endParaRPr>
               <a:latin typeface="Lato"/>
@@ -16261,353 +18139,6 @@
               <a:cs typeface="Lato"/>
               <a:sym typeface="Lato"/>
             </a:endParaRPr>
-          </a:p>
-          <a:p>
-            <a:pPr indent="-317500" lvl="0" marL="457200" rtl="0" algn="l">
-              <a:spcBef>
-                <a:spcPts val="0"/>
-              </a:spcBef>
-              <a:spcAft>
-                <a:spcPts val="0"/>
-              </a:spcAft>
-              <a:buSzPts val="1400"/>
-              <a:buFont typeface="Lato"/>
-              <a:buChar char="●"/>
-            </a:pPr>
-            <a:r>
-              <a:rPr lang="en-GB">
-                <a:latin typeface="Lato"/>
-                <a:ea typeface="Lato"/>
-                <a:cs typeface="Lato"/>
-                <a:sym typeface="Lato"/>
-              </a:rPr>
-              <a:t>What is machine </a:t>
-            </a:r>
-            <a:r>
-              <a:rPr lang="en-GB">
-                <a:latin typeface="Lato"/>
-                <a:ea typeface="Lato"/>
-                <a:cs typeface="Lato"/>
-                <a:sym typeface="Lato"/>
-              </a:rPr>
-              <a:t>learning</a:t>
-            </a:r>
-            <a:r>
-              <a:rPr lang="en-GB">
-                <a:latin typeface="Lato"/>
-                <a:ea typeface="Lato"/>
-                <a:cs typeface="Lato"/>
-                <a:sym typeface="Lato"/>
-              </a:rPr>
-              <a:t>  ?</a:t>
-            </a:r>
-            <a:endParaRPr>
-              <a:latin typeface="Lato"/>
-              <a:ea typeface="Lato"/>
-              <a:cs typeface="Lato"/>
-              <a:sym typeface="Lato"/>
-            </a:endParaRPr>
-          </a:p>
-          <a:p>
-            <a:pPr indent="-317500" lvl="0" marL="457200" rtl="0" algn="l">
-              <a:spcBef>
-                <a:spcPts val="0"/>
-              </a:spcBef>
-              <a:spcAft>
-                <a:spcPts val="0"/>
-              </a:spcAft>
-              <a:buSzPts val="1400"/>
-              <a:buFont typeface="Lato"/>
-              <a:buChar char="●"/>
-            </a:pPr>
-            <a:r>
-              <a:rPr lang="en-GB">
-                <a:latin typeface="Lato"/>
-                <a:ea typeface="Lato"/>
-                <a:cs typeface="Lato"/>
-                <a:sym typeface="Lato"/>
-              </a:rPr>
-              <a:t>What types of models are there</a:t>
-            </a:r>
-            <a:r>
-              <a:rPr lang="en-GB">
-                <a:latin typeface="Lato"/>
-                <a:ea typeface="Lato"/>
-                <a:cs typeface="Lato"/>
-                <a:sym typeface="Lato"/>
-              </a:rPr>
-              <a:t> ?</a:t>
-            </a:r>
-            <a:endParaRPr>
-              <a:latin typeface="Lato"/>
-              <a:ea typeface="Lato"/>
-              <a:cs typeface="Lato"/>
-              <a:sym typeface="Lato"/>
-            </a:endParaRPr>
-          </a:p>
-          <a:p>
-            <a:pPr indent="-317500" lvl="0" marL="457200" rtl="0" algn="l">
-              <a:spcBef>
-                <a:spcPts val="0"/>
-              </a:spcBef>
-              <a:spcAft>
-                <a:spcPts val="0"/>
-              </a:spcAft>
-              <a:buSzPts val="1400"/>
-              <a:buFont typeface="Lato"/>
-              <a:buChar char="●"/>
-            </a:pPr>
-            <a:r>
-              <a:rPr lang="en-GB">
-                <a:latin typeface="Lato"/>
-                <a:ea typeface="Lato"/>
-                <a:cs typeface="Lato"/>
-                <a:sym typeface="Lato"/>
-              </a:rPr>
-              <a:t>Models theory and practice   ?</a:t>
-            </a:r>
-            <a:endParaRPr>
-              <a:latin typeface="Lato"/>
-              <a:ea typeface="Lato"/>
-              <a:cs typeface="Lato"/>
-              <a:sym typeface="Lato"/>
-            </a:endParaRPr>
-          </a:p>
-          <a:p>
-            <a:pPr indent="-317500" lvl="0" marL="457200" rtl="0" algn="l">
-              <a:spcBef>
-                <a:spcPts val="0"/>
-              </a:spcBef>
-              <a:spcAft>
-                <a:spcPts val="0"/>
-              </a:spcAft>
-              <a:buSzPts val="1400"/>
-              <a:buFont typeface="Lato"/>
-              <a:buChar char="●"/>
-            </a:pPr>
-            <a:r>
-              <a:rPr lang="en-GB">
-                <a:latin typeface="Lato"/>
-                <a:ea typeface="Lato"/>
-                <a:cs typeface="Lato"/>
-                <a:sym typeface="Lato"/>
-              </a:rPr>
-              <a:t>Bias vs variance tradeoff </a:t>
-            </a:r>
-            <a:endParaRPr>
-              <a:latin typeface="Lato"/>
-              <a:ea typeface="Lato"/>
-              <a:cs typeface="Lato"/>
-              <a:sym typeface="Lato"/>
-            </a:endParaRPr>
-          </a:p>
-          <a:p>
-            <a:pPr indent="-317500" lvl="0" marL="457200" rtl="0" algn="l">
-              <a:spcBef>
-                <a:spcPts val="0"/>
-              </a:spcBef>
-              <a:spcAft>
-                <a:spcPts val="0"/>
-              </a:spcAft>
-              <a:buSzPts val="1400"/>
-              <a:buFont typeface="Lato"/>
-              <a:buChar char="●"/>
-            </a:pPr>
-            <a:r>
-              <a:rPr lang="en-GB">
-                <a:latin typeface="Lato"/>
-                <a:ea typeface="Lato"/>
-                <a:cs typeface="Lato"/>
-                <a:sym typeface="Lato"/>
-              </a:rPr>
-              <a:t>Learning resources </a:t>
-            </a:r>
-            <a:endParaRPr>
-              <a:latin typeface="Lato"/>
-              <a:ea typeface="Lato"/>
-              <a:cs typeface="Lato"/>
-              <a:sym typeface="Lato"/>
-            </a:endParaRPr>
-          </a:p>
-        </p:txBody>
-      </p:sp>
-      <p:sp>
-        <p:nvSpPr>
-          <p:cNvPr id="92" name="Google Shape;92;p14"/>
-          <p:cNvSpPr txBox="1"/>
-          <p:nvPr/>
-        </p:nvSpPr>
-        <p:spPr>
-          <a:xfrm>
-            <a:off x="584400" y="671775"/>
-            <a:ext cx="7539600" cy="431100"/>
-          </a:xfrm>
-          <a:prstGeom prst="rect">
-            <a:avLst/>
-          </a:prstGeom>
-          <a:noFill/>
-          <a:ln>
-            <a:noFill/>
-          </a:ln>
-        </p:spPr>
-        <p:txBody>
-          <a:bodyPr anchorCtr="0" anchor="t" bIns="91425" lIns="91425" spcFirstLastPara="1" rIns="91425" wrap="square" tIns="91425">
-            <a:spAutoFit/>
-          </a:bodyPr>
-          <a:lstStyle/>
-          <a:p>
-            <a:pPr indent="0" lvl="0" marL="0" rtl="0" algn="l">
-              <a:spcBef>
-                <a:spcPts val="0"/>
-              </a:spcBef>
-              <a:spcAft>
-                <a:spcPts val="0"/>
-              </a:spcAft>
-              <a:buNone/>
-            </a:pPr>
-            <a:r>
-              <a:rPr b="1" lang="en-GB" sz="1600">
-                <a:latin typeface="Lato"/>
-                <a:ea typeface="Lato"/>
-                <a:cs typeface="Lato"/>
-                <a:sym typeface="Lato"/>
-              </a:rPr>
-              <a:t>Machine learning 101 </a:t>
-            </a:r>
-            <a:endParaRPr b="1" sz="1500"/>
-          </a:p>
-        </p:txBody>
-      </p:sp>
-    </p:spTree>
-  </p:cSld>
-  <p:clrMapOvr>
-    <a:masterClrMapping/>
-  </p:clrMapOvr>
-</p:sld>
-</file>
-
-<file path=ppt/slides/slide20.xml><?xml version="1.0" encoding="utf-8"?>
-<p:sld xmlns:a="http://schemas.openxmlformats.org/drawingml/2006/main" xmlns:r="http://schemas.openxmlformats.org/officeDocument/2006/relationships" xmlns:mc="http://schemas.openxmlformats.org/markup-compatibility/2006" xmlns:mv="urn:schemas-microsoft-com:mac:vml" xmlns:p="http://schemas.openxmlformats.org/presentationml/2006/main" xmlns:c="http://schemas.openxmlformats.org/drawingml/2006/chart" xmlns:dgm="http://schemas.openxmlformats.org/drawingml/2006/diagram" xmlns:o="urn:schemas-microsoft-com:office:office" xmlns:v="urn:schemas-microsoft-com:vml" xmlns:pvml="urn:schemas-microsoft-com:office:powerpoint" xmlns:com="http://schemas.openxmlformats.org/drawingml/2006/compatibility" xmlns:p14="http://schemas.microsoft.com/office/powerpoint/2010/main" xmlns:p15="http://schemas.microsoft.com/office/powerpoint/2012/main" xmlns:ahyp="http://schemas.microsoft.com/office/drawing/2018/hyperlinkcolor">
-  <p:cSld>
-    <p:spTree>
-      <p:nvGrpSpPr>
-        <p:cNvPr id="240" name="Shape 240"/>
-        <p:cNvGrpSpPr/>
-        <p:nvPr/>
-      </p:nvGrpSpPr>
-      <p:grpSpPr>
-        <a:xfrm>
-          <a:off x="0" y="0"/>
-          <a:ext cx="0" cy="0"/>
-          <a:chOff x="0" y="0"/>
-          <a:chExt cx="0" cy="0"/>
-        </a:xfrm>
-      </p:grpSpPr>
-      <p:sp>
-        <p:nvSpPr>
-          <p:cNvPr id="241" name="Google Shape;241;p32"/>
-          <p:cNvSpPr txBox="1"/>
-          <p:nvPr/>
-        </p:nvSpPr>
-        <p:spPr>
-          <a:xfrm>
-            <a:off x="2266575" y="1113500"/>
-            <a:ext cx="6439200" cy="400200"/>
-          </a:xfrm>
-          <a:prstGeom prst="rect">
-            <a:avLst/>
-          </a:prstGeom>
-          <a:noFill/>
-          <a:ln>
-            <a:noFill/>
-          </a:ln>
-        </p:spPr>
-        <p:txBody>
-          <a:bodyPr anchorCtr="0" anchor="t" bIns="91425" lIns="91425" spcFirstLastPara="1" rIns="91425" wrap="square" tIns="91425">
-            <a:spAutoFit/>
-          </a:bodyPr>
-          <a:lstStyle/>
-          <a:p>
-            <a:pPr indent="0" lvl="0" marL="0" rtl="0" algn="l">
-              <a:spcBef>
-                <a:spcPts val="0"/>
-              </a:spcBef>
-              <a:spcAft>
-                <a:spcPts val="0"/>
-              </a:spcAft>
-              <a:buNone/>
-            </a:pPr>
-            <a:r>
-              <a:rPr b="1" lang="en-GB">
-                <a:latin typeface="Lato"/>
-                <a:ea typeface="Lato"/>
-                <a:cs typeface="Lato"/>
-                <a:sym typeface="Lato"/>
-              </a:rPr>
-              <a:t>Evolutionaries</a:t>
-            </a:r>
-            <a:r>
-              <a:rPr b="1" lang="en-GB">
-                <a:latin typeface="Lato"/>
-                <a:ea typeface="Lato"/>
-                <a:cs typeface="Lato"/>
-                <a:sym typeface="Lato"/>
-              </a:rPr>
-              <a:t> Master Algorithm : (genetic algorithm)</a:t>
-            </a:r>
-            <a:endParaRPr b="1">
-              <a:latin typeface="Lato"/>
-              <a:ea typeface="Lato"/>
-              <a:cs typeface="Lato"/>
-              <a:sym typeface="Lato"/>
-            </a:endParaRPr>
-          </a:p>
-        </p:txBody>
-      </p:sp>
-      <p:sp>
-        <p:nvSpPr>
-          <p:cNvPr id="242" name="Google Shape;242;p32"/>
-          <p:cNvSpPr txBox="1"/>
-          <p:nvPr/>
-        </p:nvSpPr>
-        <p:spPr>
-          <a:xfrm>
-            <a:off x="599300" y="632475"/>
-            <a:ext cx="5776200" cy="431100"/>
-          </a:xfrm>
-          <a:prstGeom prst="rect">
-            <a:avLst/>
-          </a:prstGeom>
-          <a:noFill/>
-          <a:ln>
-            <a:noFill/>
-          </a:ln>
-        </p:spPr>
-        <p:txBody>
-          <a:bodyPr anchorCtr="0" anchor="t" bIns="91425" lIns="91425" spcFirstLastPara="1" rIns="91425" wrap="square" tIns="91425">
-            <a:spAutoFit/>
-          </a:bodyPr>
-          <a:lstStyle/>
-          <a:p>
-            <a:pPr indent="0" lvl="0" marL="0" rtl="0" algn="l">
-              <a:spcBef>
-                <a:spcPts val="0"/>
-              </a:spcBef>
-              <a:spcAft>
-                <a:spcPts val="0"/>
-              </a:spcAft>
-              <a:buNone/>
-            </a:pPr>
-            <a:r>
-              <a:rPr b="1" lang="en-GB" sz="1600">
-                <a:latin typeface="Lato"/>
-                <a:ea typeface="Lato"/>
-                <a:cs typeface="Lato"/>
-                <a:sym typeface="Lato"/>
-              </a:rPr>
-              <a:t>Models Theory and practice  ? </a:t>
-            </a:r>
-            <a:endParaRPr b="1" sz="1500"/>
           </a:p>
         </p:txBody>
       </p:sp>
@@ -16624,7 +18155,7 @@
   <p:cSld>
     <p:spTree>
       <p:nvGrpSpPr>
-        <p:cNvPr id="246" name="Shape 246"/>
+        <p:cNvPr id="253" name="Shape 253"/>
         <p:cNvGrpSpPr/>
         <p:nvPr/>
       </p:nvGrpSpPr>
@@ -16638,7 +18169,7 @@
       </p:grpSpPr>
       <p:sp>
         <p:nvSpPr>
-          <p:cNvPr id="247" name="Google Shape;247;p33"/>
+          <p:cNvPr id="254" name="Google Shape;254;p33"/>
           <p:cNvSpPr txBox="1"/>
           <p:nvPr/>
         </p:nvSpPr>
@@ -16708,7 +18239,7 @@
       </p:sp>
       <p:sp>
         <p:nvSpPr>
-          <p:cNvPr id="248" name="Google Shape;248;p33"/>
+          <p:cNvPr id="255" name="Google Shape;255;p33"/>
           <p:cNvSpPr txBox="1"/>
           <p:nvPr/>
         </p:nvSpPr>
@@ -16755,7 +18286,7 @@
       </p:sp>
       <p:sp>
         <p:nvSpPr>
-          <p:cNvPr id="249" name="Google Shape;249;p33"/>
+          <p:cNvPr id="256" name="Google Shape;256;p33"/>
           <p:cNvSpPr txBox="1"/>
           <p:nvPr/>
         </p:nvSpPr>
@@ -16865,7 +18396,7 @@
       </p:sp>
       <p:pic>
         <p:nvPicPr>
-          <p:cNvPr id="250" name="Google Shape;250;p33"/>
+          <p:cNvPr id="257" name="Google Shape;257;p33"/>
           <p:cNvPicPr preferRelativeResize="0"/>
           <p:nvPr/>
         </p:nvPicPr>
@@ -16893,7 +18424,7 @@
       </p:pic>
       <p:pic>
         <p:nvPicPr>
-          <p:cNvPr id="251" name="Google Shape;251;p33"/>
+          <p:cNvPr id="258" name="Google Shape;258;p33"/>
           <p:cNvPicPr preferRelativeResize="0"/>
           <p:nvPr/>
         </p:nvPicPr>
@@ -16921,13 +18452,13 @@
       </p:pic>
       <p:sp>
         <p:nvSpPr>
-          <p:cNvPr id="252" name="Google Shape;252;p33"/>
+          <p:cNvPr id="259" name="Google Shape;259;p33"/>
           <p:cNvSpPr/>
           <p:nvPr/>
         </p:nvSpPr>
         <p:spPr>
           <a:xfrm>
-            <a:off x="3782763" y="3203375"/>
+            <a:off x="3872250" y="3203388"/>
             <a:ext cx="411900" cy="511800"/>
           </a:xfrm>
           <a:prstGeom prst="downArrow">
@@ -17022,7 +18553,7 @@
                                           </p:stCondLst>
                                         </p:cTn>
                                         <p:tgtEl>
-                                          <p:spTgt spid="247"/>
+                                          <p:spTgt spid="254"/>
                                         </p:tgtEl>
                                         <p:attrNameLst>
                                           <p:attrName>style.visibility</p:attrName>
@@ -17036,7 +18567,7 @@
                                       <p:cBhvr>
                                         <p:cTn dur="1000"/>
                                         <p:tgtEl>
-                                          <p:spTgt spid="247"/>
+                                          <p:spTgt spid="254"/>
                                         </p:tgtEl>
                                       </p:cBhvr>
                                     </p:animEffect>
@@ -17057,7 +18588,7 @@
                                           </p:stCondLst>
                                         </p:cTn>
                                         <p:tgtEl>
-                                          <p:spTgt spid="248"/>
+                                          <p:spTgt spid="255"/>
                                         </p:tgtEl>
                                         <p:attrNameLst>
                                           <p:attrName>style.visibility</p:attrName>
@@ -17071,7 +18602,7 @@
                                       <p:cBhvr>
                                         <p:cTn dur="1000"/>
                                         <p:tgtEl>
-                                          <p:spTgt spid="248"/>
+                                          <p:spTgt spid="255"/>
                                         </p:tgtEl>
                                       </p:cBhvr>
                                     </p:animEffect>
@@ -17092,7 +18623,7 @@
                                           </p:stCondLst>
                                         </p:cTn>
                                         <p:tgtEl>
-                                          <p:spTgt spid="249"/>
+                                          <p:spTgt spid="256"/>
                                         </p:tgtEl>
                                         <p:attrNameLst>
                                           <p:attrName>style.visibility</p:attrName>
@@ -17106,7 +18637,7 @@
                                       <p:cBhvr>
                                         <p:cTn dur="1000"/>
                                         <p:tgtEl>
-                                          <p:spTgt spid="249"/>
+                                          <p:spTgt spid="256"/>
                                         </p:tgtEl>
                                       </p:cBhvr>
                                     </p:animEffect>
@@ -17145,7 +18676,7 @@
                                           </p:stCondLst>
                                         </p:cTn>
                                         <p:tgtEl>
-                                          <p:spTgt spid="251"/>
+                                          <p:spTgt spid="258"/>
                                         </p:tgtEl>
                                         <p:attrNameLst>
                                           <p:attrName>style.visibility</p:attrName>
@@ -17159,7 +18690,7 @@
                                       <p:cBhvr>
                                         <p:cTn dur="1000"/>
                                         <p:tgtEl>
-                                          <p:spTgt spid="251"/>
+                                          <p:spTgt spid="258"/>
                                         </p:tgtEl>
                                       </p:cBhvr>
                                     </p:animEffect>
@@ -17198,7 +18729,7 @@
                                           </p:stCondLst>
                                         </p:cTn>
                                         <p:tgtEl>
-                                          <p:spTgt spid="252"/>
+                                          <p:spTgt spid="259"/>
                                         </p:tgtEl>
                                         <p:attrNameLst>
                                           <p:attrName>style.visibility</p:attrName>
@@ -17212,7 +18743,7 @@
                                       <p:cBhvr>
                                         <p:cTn dur="1000"/>
                                         <p:tgtEl>
-                                          <p:spTgt spid="252"/>
+                                          <p:spTgt spid="259"/>
                                         </p:tgtEl>
                                       </p:cBhvr>
                                     </p:animEffect>
@@ -17242,7 +18773,7 @@
                                           </p:stCondLst>
                                         </p:cTn>
                                         <p:tgtEl>
-                                          <p:spTgt spid="250"/>
+                                          <p:spTgt spid="257"/>
                                         </p:tgtEl>
                                         <p:attrNameLst>
                                           <p:attrName>style.visibility</p:attrName>
@@ -17256,7 +18787,7 @@
                                       <p:cBhvr>
                                         <p:cTn dur="1000"/>
                                         <p:tgtEl>
-                                          <p:spTgt spid="250"/>
+                                          <p:spTgt spid="257"/>
                                         </p:tgtEl>
                                       </p:cBhvr>
                                     </p:animEffect>
@@ -17299,7 +18830,7 @@
   <p:cSld>
     <p:spTree>
       <p:nvGrpSpPr>
-        <p:cNvPr id="256" name="Shape 256"/>
+        <p:cNvPr id="263" name="Shape 263"/>
         <p:cNvGrpSpPr/>
         <p:nvPr/>
       </p:nvGrpSpPr>
@@ -17313,7 +18844,7 @@
       </p:grpSpPr>
       <p:sp>
         <p:nvSpPr>
-          <p:cNvPr id="257" name="Google Shape;257;p34"/>
+          <p:cNvPr id="264" name="Google Shape;264;p34"/>
           <p:cNvSpPr txBox="1"/>
           <p:nvPr/>
         </p:nvSpPr>
@@ -17365,7 +18896,7 @@
       </p:sp>
       <p:sp>
         <p:nvSpPr>
-          <p:cNvPr id="258" name="Google Shape;258;p34"/>
+          <p:cNvPr id="265" name="Google Shape;265;p34"/>
           <p:cNvSpPr txBox="1"/>
           <p:nvPr/>
         </p:nvSpPr>
@@ -17412,7 +18943,7 @@
       </p:sp>
       <p:pic>
         <p:nvPicPr>
-          <p:cNvPr id="259" name="Google Shape;259;p34"/>
+          <p:cNvPr id="266" name="Google Shape;266;p34"/>
           <p:cNvPicPr preferRelativeResize="0"/>
           <p:nvPr/>
         </p:nvPicPr>
@@ -17440,7 +18971,7 @@
       </p:pic>
       <p:sp>
         <p:nvSpPr>
-          <p:cNvPr id="260" name="Google Shape;260;p34"/>
+          <p:cNvPr id="267" name="Google Shape;267;p34"/>
           <p:cNvSpPr/>
           <p:nvPr/>
         </p:nvSpPr>
@@ -17492,7 +19023,7 @@
       </p:sp>
       <p:pic>
         <p:nvPicPr>
-          <p:cNvPr id="261" name="Google Shape;261;p34"/>
+          <p:cNvPr id="268" name="Google Shape;268;p34"/>
           <p:cNvPicPr preferRelativeResize="0"/>
           <p:nvPr/>
         </p:nvPicPr>
@@ -17543,7 +19074,7 @@
   <p:cSld>
     <p:spTree>
       <p:nvGrpSpPr>
-        <p:cNvPr id="265" name="Shape 265"/>
+        <p:cNvPr id="272" name="Shape 272"/>
         <p:cNvGrpSpPr/>
         <p:nvPr/>
       </p:nvGrpSpPr>
@@ -17557,7 +19088,7 @@
       </p:grpSpPr>
       <p:sp>
         <p:nvSpPr>
-          <p:cNvPr id="266" name="Google Shape;266;p35"/>
+          <p:cNvPr id="273" name="Google Shape;273;p35"/>
           <p:cNvSpPr txBox="1"/>
           <p:nvPr/>
         </p:nvSpPr>
@@ -17604,7 +19135,7 @@
       </p:sp>
       <p:sp>
         <p:nvSpPr>
-          <p:cNvPr id="267" name="Google Shape;267;p35"/>
+          <p:cNvPr id="274" name="Google Shape;274;p35"/>
           <p:cNvSpPr txBox="1"/>
           <p:nvPr/>
         </p:nvSpPr>
@@ -17656,14 +19187,14 @@
       </p:sp>
       <p:sp>
         <p:nvSpPr>
-          <p:cNvPr id="268" name="Google Shape;268;p35"/>
+          <p:cNvPr id="275" name="Google Shape;275;p35"/>
           <p:cNvSpPr txBox="1"/>
           <p:nvPr/>
         </p:nvSpPr>
         <p:spPr>
           <a:xfrm>
             <a:off x="124100" y="1501600"/>
-            <a:ext cx="4314300" cy="2900400"/>
+            <a:ext cx="4314300" cy="3300000"/>
           </a:xfrm>
           <a:prstGeom prst="rect">
             <a:avLst/>
@@ -17692,7 +19223,7 @@
               <a:buNone/>
             </a:pPr>
             <a:r>
-              <a:rPr b="1" lang="en-GB" sz="1150">
+              <a:rPr b="1" lang="en-GB" sz="1250">
                 <a:solidFill>
                   <a:srgbClr val="325B9D"/>
                 </a:solidFill>
@@ -17701,9 +19232,9 @@
                 <a:cs typeface="Verdana"/>
                 <a:sym typeface="Verdana"/>
               </a:rPr>
-              <a:t>Regime 1 (High Variance)</a:t>
-            </a:r>
-            <a:endParaRPr b="1" sz="1150">
+              <a:t>High Variance (overfitting)</a:t>
+            </a:r>
+            <a:endParaRPr b="1" sz="1250">
               <a:solidFill>
                 <a:srgbClr val="325B9D"/>
               </a:solidFill>
@@ -17727,7 +19258,7 @@
               <a:buNone/>
             </a:pPr>
             <a:r>
-              <a:rPr lang="en-GB" sz="1000">
+              <a:rPr lang="en-GB" sz="1100">
                 <a:solidFill>
                   <a:srgbClr val="333333"/>
                 </a:solidFill>
@@ -17737,6 +19268,312 @@
                 <a:sym typeface="Verdana"/>
               </a:rPr>
               <a:t>In the first regime, the cause of the poor performance is high variance.</a:t>
+            </a:r>
+            <a:endParaRPr sz="1100">
+              <a:solidFill>
+                <a:srgbClr val="333333"/>
+              </a:solidFill>
+              <a:latin typeface="Verdana"/>
+              <a:ea typeface="Verdana"/>
+              <a:cs typeface="Verdana"/>
+              <a:sym typeface="Verdana"/>
+            </a:endParaRPr>
+          </a:p>
+          <a:p>
+            <a:pPr indent="0" lvl="0" marL="0" rtl="0" algn="l">
+              <a:lnSpc>
+                <a:spcPct val="106363"/>
+              </a:lnSpc>
+              <a:spcBef>
+                <a:spcPts val="1000"/>
+              </a:spcBef>
+              <a:spcAft>
+                <a:spcPts val="0"/>
+              </a:spcAft>
+              <a:buNone/>
+            </a:pPr>
+            <a:r>
+              <a:rPr b="1" lang="en-GB" sz="1100">
+                <a:solidFill>
+                  <a:srgbClr val="333333"/>
+                </a:solidFill>
+                <a:latin typeface="Verdana"/>
+                <a:ea typeface="Verdana"/>
+                <a:cs typeface="Verdana"/>
+                <a:sym typeface="Verdana"/>
+              </a:rPr>
+              <a:t>Symptoms</a:t>
+            </a:r>
+            <a:r>
+              <a:rPr lang="en-GB" sz="1100">
+                <a:solidFill>
+                  <a:srgbClr val="333333"/>
+                </a:solidFill>
+                <a:latin typeface="Verdana"/>
+                <a:ea typeface="Verdana"/>
+                <a:cs typeface="Verdana"/>
+                <a:sym typeface="Verdana"/>
+              </a:rPr>
+              <a:t>:</a:t>
+            </a:r>
+            <a:endParaRPr sz="1100">
+              <a:solidFill>
+                <a:srgbClr val="333333"/>
+              </a:solidFill>
+              <a:latin typeface="Verdana"/>
+              <a:ea typeface="Verdana"/>
+              <a:cs typeface="Verdana"/>
+              <a:sym typeface="Verdana"/>
+            </a:endParaRPr>
+          </a:p>
+          <a:p>
+            <a:pPr indent="-298450" lvl="0" marL="698500" marR="25400" rtl="0" algn="l">
+              <a:lnSpc>
+                <a:spcPct val="115000"/>
+              </a:lnSpc>
+              <a:spcBef>
+                <a:spcPts val="1000"/>
+              </a:spcBef>
+              <a:spcAft>
+                <a:spcPts val="0"/>
+              </a:spcAft>
+              <a:buClr>
+                <a:srgbClr val="333333"/>
+              </a:buClr>
+              <a:buSzPts val="1100"/>
+              <a:buFont typeface="Verdana"/>
+              <a:buAutoNum type="arabicPeriod"/>
+            </a:pPr>
+            <a:r>
+              <a:rPr lang="en-GB" sz="1100">
+                <a:solidFill>
+                  <a:srgbClr val="333333"/>
+                </a:solidFill>
+                <a:latin typeface="Verdana"/>
+                <a:ea typeface="Verdana"/>
+                <a:cs typeface="Verdana"/>
+                <a:sym typeface="Verdana"/>
+              </a:rPr>
+              <a:t>Training error is much lower than test error</a:t>
+            </a:r>
+            <a:endParaRPr sz="1100">
+              <a:solidFill>
+                <a:srgbClr val="333333"/>
+              </a:solidFill>
+              <a:latin typeface="Verdana"/>
+              <a:ea typeface="Verdana"/>
+              <a:cs typeface="Verdana"/>
+              <a:sym typeface="Verdana"/>
+            </a:endParaRPr>
+          </a:p>
+          <a:p>
+            <a:pPr indent="-298450" lvl="0" marL="698500" marR="25400" rtl="0" algn="l">
+              <a:lnSpc>
+                <a:spcPct val="115000"/>
+              </a:lnSpc>
+              <a:spcBef>
+                <a:spcPts val="0"/>
+              </a:spcBef>
+              <a:spcAft>
+                <a:spcPts val="0"/>
+              </a:spcAft>
+              <a:buClr>
+                <a:srgbClr val="333333"/>
+              </a:buClr>
+              <a:buSzPts val="1100"/>
+              <a:buFont typeface="Verdana"/>
+              <a:buAutoNum type="arabicPeriod"/>
+            </a:pPr>
+            <a:r>
+              <a:rPr lang="en-GB" sz="1100">
+                <a:solidFill>
+                  <a:srgbClr val="333333"/>
+                </a:solidFill>
+                <a:latin typeface="Verdana"/>
+                <a:ea typeface="Verdana"/>
+                <a:cs typeface="Verdana"/>
+                <a:sym typeface="Verdana"/>
+              </a:rPr>
+              <a:t>Training error is lower than </a:t>
+            </a:r>
+            <a:r>
+              <a:rPr lang="en-GB" sz="1100">
+                <a:solidFill>
+                  <a:srgbClr val="333333"/>
+                </a:solidFill>
+                <a:latin typeface="Verdana"/>
+                <a:ea typeface="Verdana"/>
+                <a:cs typeface="Verdana"/>
+                <a:sym typeface="Verdana"/>
+              </a:rPr>
+              <a:t>desired error threshold</a:t>
+            </a:r>
+            <a:endParaRPr sz="1100">
+              <a:solidFill>
+                <a:srgbClr val="333333"/>
+              </a:solidFill>
+              <a:latin typeface="Verdana"/>
+              <a:ea typeface="Verdana"/>
+              <a:cs typeface="Verdana"/>
+              <a:sym typeface="Verdana"/>
+            </a:endParaRPr>
+          </a:p>
+          <a:p>
+            <a:pPr indent="0" lvl="0" marL="0" rtl="0" algn="l">
+              <a:lnSpc>
+                <a:spcPct val="106363"/>
+              </a:lnSpc>
+              <a:spcBef>
+                <a:spcPts val="1000"/>
+              </a:spcBef>
+              <a:spcAft>
+                <a:spcPts val="0"/>
+              </a:spcAft>
+              <a:buNone/>
+            </a:pPr>
+            <a:r>
+              <a:rPr b="1" lang="en-GB" sz="1100">
+                <a:solidFill>
+                  <a:srgbClr val="333333"/>
+                </a:solidFill>
+                <a:latin typeface="Verdana"/>
+                <a:ea typeface="Verdana"/>
+                <a:cs typeface="Verdana"/>
+                <a:sym typeface="Verdana"/>
+              </a:rPr>
+              <a:t>Remedies</a:t>
+            </a:r>
+            <a:r>
+              <a:rPr lang="en-GB" sz="1100">
+                <a:solidFill>
+                  <a:srgbClr val="333333"/>
+                </a:solidFill>
+                <a:latin typeface="Verdana"/>
+                <a:ea typeface="Verdana"/>
+                <a:cs typeface="Verdana"/>
+                <a:sym typeface="Verdana"/>
+              </a:rPr>
+              <a:t>:</a:t>
+            </a:r>
+            <a:endParaRPr sz="1100">
+              <a:solidFill>
+                <a:srgbClr val="333333"/>
+              </a:solidFill>
+              <a:latin typeface="Verdana"/>
+              <a:ea typeface="Verdana"/>
+              <a:cs typeface="Verdana"/>
+              <a:sym typeface="Verdana"/>
+            </a:endParaRPr>
+          </a:p>
+          <a:p>
+            <a:pPr indent="-298450" lvl="0" marL="698500" marR="25400" rtl="0" algn="l">
+              <a:lnSpc>
+                <a:spcPct val="115000"/>
+              </a:lnSpc>
+              <a:spcBef>
+                <a:spcPts val="1000"/>
+              </a:spcBef>
+              <a:spcAft>
+                <a:spcPts val="0"/>
+              </a:spcAft>
+              <a:buClr>
+                <a:srgbClr val="333333"/>
+              </a:buClr>
+              <a:buSzPts val="1100"/>
+              <a:buFont typeface="Verdana"/>
+              <a:buChar char="●"/>
+            </a:pPr>
+            <a:r>
+              <a:rPr lang="en-GB" sz="1100">
+                <a:solidFill>
+                  <a:srgbClr val="333333"/>
+                </a:solidFill>
+                <a:latin typeface="Verdana"/>
+                <a:ea typeface="Verdana"/>
+                <a:cs typeface="Verdana"/>
+                <a:sym typeface="Verdana"/>
+              </a:rPr>
+              <a:t>Add more training data</a:t>
+            </a:r>
+            <a:endParaRPr sz="1100">
+              <a:solidFill>
+                <a:srgbClr val="333333"/>
+              </a:solidFill>
+              <a:latin typeface="Verdana"/>
+              <a:ea typeface="Verdana"/>
+              <a:cs typeface="Verdana"/>
+              <a:sym typeface="Verdana"/>
+            </a:endParaRPr>
+          </a:p>
+          <a:p>
+            <a:pPr indent="-298450" lvl="0" marL="698500" marR="25400" rtl="0" algn="l">
+              <a:lnSpc>
+                <a:spcPct val="115000"/>
+              </a:lnSpc>
+              <a:spcBef>
+                <a:spcPts val="0"/>
+              </a:spcBef>
+              <a:spcAft>
+                <a:spcPts val="0"/>
+              </a:spcAft>
+              <a:buClr>
+                <a:srgbClr val="333333"/>
+              </a:buClr>
+              <a:buSzPts val="1100"/>
+              <a:buFont typeface="Verdana"/>
+              <a:buChar char="●"/>
+            </a:pPr>
+            <a:r>
+              <a:rPr lang="en-GB" sz="1100">
+                <a:solidFill>
+                  <a:srgbClr val="333333"/>
+                </a:solidFill>
+                <a:latin typeface="Verdana"/>
+                <a:ea typeface="Verdana"/>
+                <a:cs typeface="Verdana"/>
+                <a:sym typeface="Verdana"/>
+              </a:rPr>
+              <a:t>Reduce model complexity, complex models are prone to high variance</a:t>
+            </a:r>
+            <a:endParaRPr sz="1100">
+              <a:solidFill>
+                <a:srgbClr val="333333"/>
+              </a:solidFill>
+              <a:latin typeface="Verdana"/>
+              <a:ea typeface="Verdana"/>
+              <a:cs typeface="Verdana"/>
+              <a:sym typeface="Verdana"/>
+            </a:endParaRPr>
+          </a:p>
+          <a:p>
+            <a:pPr indent="-298450" lvl="0" marL="698500" marR="25400" rtl="0" algn="l">
+              <a:lnSpc>
+                <a:spcPct val="115000"/>
+              </a:lnSpc>
+              <a:spcBef>
+                <a:spcPts val="0"/>
+              </a:spcBef>
+              <a:spcAft>
+                <a:spcPts val="0"/>
+              </a:spcAft>
+              <a:buClr>
+                <a:srgbClr val="333333"/>
+              </a:buClr>
+              <a:buSzPts val="1100"/>
+              <a:buFont typeface="Verdana"/>
+              <a:buChar char="●"/>
+            </a:pPr>
+            <a:r>
+              <a:rPr lang="en-GB" sz="1000">
+                <a:solidFill>
+                  <a:srgbClr val="333333"/>
+                </a:solidFill>
+                <a:latin typeface="Verdana"/>
+                <a:ea typeface="Verdana"/>
+                <a:cs typeface="Verdana"/>
+                <a:sym typeface="Verdana"/>
+              </a:rPr>
+              <a:t>Add regularizer </a:t>
             </a:r>
             <a:endParaRPr sz="1000">
               <a:solidFill>
@@ -17749,20 +19586,25 @@
             </a:endParaRPr>
           </a:p>
           <a:p>
-            <a:pPr indent="0" lvl="0" marL="0" rtl="0" algn="l">
+            <a:pPr indent="-298450" lvl="0" marL="698500" marR="25400" rtl="0" algn="l">
               <a:lnSpc>
-                <a:spcPct val="106363"/>
+                <a:spcPct val="115000"/>
               </a:lnSpc>
               <a:spcBef>
-                <a:spcPts val="1000"/>
-              </a:spcBef>
-              <a:spcAft>
-                <a:spcPts val="0"/>
-              </a:spcAft>
-              <a:buNone/>
-            </a:pPr>
-            <a:r>
-              <a:rPr b="1" lang="en-GB" sz="1000">
+                <a:spcPts val="0"/>
+              </a:spcBef>
+              <a:spcAft>
+                <a:spcPts val="0"/>
+              </a:spcAft>
+              <a:buClr>
+                <a:srgbClr val="333333"/>
+              </a:buClr>
+              <a:buSzPts val="1100"/>
+              <a:buFont typeface="Verdana"/>
+              <a:buChar char="●"/>
+            </a:pPr>
+            <a:r>
+              <a:rPr lang="en-GB" sz="1100">
                 <a:solidFill>
                   <a:srgbClr val="333333"/>
                 </a:solidFill>
@@ -17771,10 +19613,10 @@
                 <a:cs typeface="Verdana"/>
                 <a:sym typeface="Verdana"/>
               </a:rPr>
-              <a:t>Symptoms</a:t>
-            </a:r>
-            <a:r>
-              <a:rPr lang="en-GB" sz="1000">
+              <a:t>Bagging : </a:t>
+            </a:r>
+            <a:r>
+              <a:rPr lang="en-GB" sz="1100">
                 <a:solidFill>
                   <a:srgbClr val="333333"/>
                 </a:solidFill>
@@ -17783,9 +19625,21 @@
                 <a:cs typeface="Verdana"/>
                 <a:sym typeface="Verdana"/>
               </a:rPr>
-              <a:t>:</a:t>
-            </a:r>
-            <a:endParaRPr sz="1000">
+              <a:t>averaging</a:t>
+            </a:r>
+            <a:r>
+              <a:rPr lang="en-GB" sz="1100">
+                <a:solidFill>
+                  <a:srgbClr val="333333"/>
+                </a:solidFill>
+                <a:latin typeface="Verdana"/>
+                <a:ea typeface="Verdana"/>
+                <a:cs typeface="Verdana"/>
+                <a:sym typeface="Verdana"/>
+              </a:rPr>
+              <a:t> models</a:t>
+            </a:r>
+            <a:endParaRPr sz="1100">
               <a:solidFill>
                 <a:srgbClr val="333333"/>
               </a:solidFill>
@@ -17795,341 +19649,18 @@
               <a:sym typeface="Verdana"/>
             </a:endParaRPr>
           </a:p>
-          <a:p>
-            <a:pPr indent="-292100" lvl="0" marL="698500" marR="25400" rtl="0" algn="l">
-              <a:lnSpc>
-                <a:spcPct val="115000"/>
-              </a:lnSpc>
-              <a:spcBef>
-                <a:spcPts val="1000"/>
-              </a:spcBef>
-              <a:spcAft>
-                <a:spcPts val="0"/>
-              </a:spcAft>
-              <a:buClr>
-                <a:srgbClr val="333333"/>
-              </a:buClr>
-              <a:buSzPts val="1000"/>
-              <a:buFont typeface="Verdana"/>
-              <a:buAutoNum type="arabicPeriod"/>
-            </a:pPr>
-            <a:r>
-              <a:rPr lang="en-GB" sz="1000">
-                <a:solidFill>
-                  <a:srgbClr val="333333"/>
-                </a:solidFill>
-                <a:latin typeface="Verdana"/>
-                <a:ea typeface="Verdana"/>
-                <a:cs typeface="Verdana"/>
-                <a:sym typeface="Verdana"/>
-              </a:rPr>
-              <a:t>Training error is much lower than test error</a:t>
-            </a:r>
-            <a:endParaRPr sz="1000">
-              <a:solidFill>
-                <a:srgbClr val="333333"/>
-              </a:solidFill>
-              <a:latin typeface="Verdana"/>
-              <a:ea typeface="Verdana"/>
-              <a:cs typeface="Verdana"/>
-              <a:sym typeface="Verdana"/>
-            </a:endParaRPr>
-          </a:p>
-          <a:p>
-            <a:pPr indent="-292100" lvl="0" marL="698500" marR="25400" rtl="0" algn="l">
-              <a:lnSpc>
-                <a:spcPct val="115000"/>
-              </a:lnSpc>
-              <a:spcBef>
-                <a:spcPts val="0"/>
-              </a:spcBef>
-              <a:spcAft>
-                <a:spcPts val="0"/>
-              </a:spcAft>
-              <a:buClr>
-                <a:srgbClr val="333333"/>
-              </a:buClr>
-              <a:buSzPts val="1000"/>
-              <a:buFont typeface="Verdana"/>
-              <a:buAutoNum type="arabicPeriod"/>
-            </a:pPr>
-            <a:r>
-              <a:rPr lang="en-GB" sz="1000">
-                <a:solidFill>
-                  <a:srgbClr val="333333"/>
-                </a:solidFill>
-                <a:latin typeface="Verdana"/>
-                <a:ea typeface="Verdana"/>
-                <a:cs typeface="Verdana"/>
-                <a:sym typeface="Verdana"/>
-              </a:rPr>
-              <a:t>Training error is lower than </a:t>
-            </a:r>
-            <a:r>
-              <a:rPr lang="en-GB" sz="1000">
-                <a:solidFill>
-                  <a:srgbClr val="333333"/>
-                </a:solidFill>
-                <a:latin typeface="Verdana"/>
-                <a:ea typeface="Verdana"/>
-                <a:cs typeface="Verdana"/>
-                <a:sym typeface="Verdana"/>
-              </a:rPr>
-              <a:t>desired error threshold</a:t>
-            </a:r>
-            <a:endParaRPr sz="1000">
-              <a:solidFill>
-                <a:srgbClr val="333333"/>
-              </a:solidFill>
-              <a:latin typeface="Verdana"/>
-              <a:ea typeface="Verdana"/>
-              <a:cs typeface="Verdana"/>
-              <a:sym typeface="Verdana"/>
-            </a:endParaRPr>
-          </a:p>
-          <a:p>
-            <a:pPr indent="-292100" lvl="0" marL="698500" marR="25400" rtl="0" algn="l">
-              <a:lnSpc>
-                <a:spcPct val="115000"/>
-              </a:lnSpc>
-              <a:spcBef>
-                <a:spcPts val="0"/>
-              </a:spcBef>
-              <a:spcAft>
-                <a:spcPts val="0"/>
-              </a:spcAft>
-              <a:buClr>
-                <a:srgbClr val="333333"/>
-              </a:buClr>
-              <a:buSzPts val="1000"/>
-              <a:buFont typeface="Verdana"/>
-              <a:buAutoNum type="arabicPeriod"/>
-            </a:pPr>
-            <a:r>
-              <a:rPr lang="en-GB" sz="1000">
-                <a:solidFill>
-                  <a:srgbClr val="333333"/>
-                </a:solidFill>
-                <a:latin typeface="Verdana"/>
-                <a:ea typeface="Verdana"/>
-                <a:cs typeface="Verdana"/>
-                <a:sym typeface="Verdana"/>
-              </a:rPr>
-              <a:t>Test error is above </a:t>
-            </a:r>
-            <a:endParaRPr sz="1000">
-              <a:solidFill>
-                <a:srgbClr val="333333"/>
-              </a:solidFill>
-              <a:latin typeface="Verdana"/>
-              <a:ea typeface="Verdana"/>
-              <a:cs typeface="Verdana"/>
-              <a:sym typeface="Verdana"/>
-            </a:endParaRPr>
-          </a:p>
-          <a:p>
-            <a:pPr indent="0" lvl="0" marL="0" rtl="0" algn="l">
-              <a:lnSpc>
-                <a:spcPct val="106363"/>
-              </a:lnSpc>
-              <a:spcBef>
-                <a:spcPts val="1000"/>
-              </a:spcBef>
-              <a:spcAft>
-                <a:spcPts val="0"/>
-              </a:spcAft>
-              <a:buNone/>
-            </a:pPr>
-            <a:r>
-              <a:rPr b="1" lang="en-GB" sz="1000">
-                <a:solidFill>
-                  <a:srgbClr val="333333"/>
-                </a:solidFill>
-                <a:latin typeface="Verdana"/>
-                <a:ea typeface="Verdana"/>
-                <a:cs typeface="Verdana"/>
-                <a:sym typeface="Verdana"/>
-              </a:rPr>
-              <a:t>Remedies</a:t>
-            </a:r>
-            <a:r>
-              <a:rPr lang="en-GB" sz="1000">
-                <a:solidFill>
-                  <a:srgbClr val="333333"/>
-                </a:solidFill>
-                <a:latin typeface="Verdana"/>
-                <a:ea typeface="Verdana"/>
-                <a:cs typeface="Verdana"/>
-                <a:sym typeface="Verdana"/>
-              </a:rPr>
-              <a:t>:</a:t>
-            </a:r>
-            <a:endParaRPr sz="1000">
-              <a:solidFill>
-                <a:srgbClr val="333333"/>
-              </a:solidFill>
-              <a:latin typeface="Verdana"/>
-              <a:ea typeface="Verdana"/>
-              <a:cs typeface="Verdana"/>
-              <a:sym typeface="Verdana"/>
-            </a:endParaRPr>
-          </a:p>
-          <a:p>
-            <a:pPr indent="-292100" lvl="0" marL="698500" marR="25400" rtl="0" algn="l">
-              <a:lnSpc>
-                <a:spcPct val="115000"/>
-              </a:lnSpc>
-              <a:spcBef>
-                <a:spcPts val="1000"/>
-              </a:spcBef>
-              <a:spcAft>
-                <a:spcPts val="0"/>
-              </a:spcAft>
-              <a:buClr>
-                <a:srgbClr val="333333"/>
-              </a:buClr>
-              <a:buSzPts val="1000"/>
-              <a:buFont typeface="Verdana"/>
-              <a:buChar char="●"/>
-            </a:pPr>
-            <a:r>
-              <a:rPr lang="en-GB" sz="1000">
-                <a:solidFill>
-                  <a:srgbClr val="333333"/>
-                </a:solidFill>
-                <a:latin typeface="Verdana"/>
-                <a:ea typeface="Verdana"/>
-                <a:cs typeface="Verdana"/>
-                <a:sym typeface="Verdana"/>
-              </a:rPr>
-              <a:t>Add more training data</a:t>
-            </a:r>
-            <a:endParaRPr sz="1000">
-              <a:solidFill>
-                <a:srgbClr val="333333"/>
-              </a:solidFill>
-              <a:latin typeface="Verdana"/>
-              <a:ea typeface="Verdana"/>
-              <a:cs typeface="Verdana"/>
-              <a:sym typeface="Verdana"/>
-            </a:endParaRPr>
-          </a:p>
-          <a:p>
-            <a:pPr indent="-292100" lvl="0" marL="698500" marR="25400" rtl="0" algn="l">
-              <a:lnSpc>
-                <a:spcPct val="115000"/>
-              </a:lnSpc>
-              <a:spcBef>
-                <a:spcPts val="0"/>
-              </a:spcBef>
-              <a:spcAft>
-                <a:spcPts val="0"/>
-              </a:spcAft>
-              <a:buClr>
-                <a:srgbClr val="333333"/>
-              </a:buClr>
-              <a:buSzPts val="1000"/>
-              <a:buFont typeface="Verdana"/>
-              <a:buChar char="●"/>
-            </a:pPr>
-            <a:r>
-              <a:rPr lang="en-GB" sz="1000">
-                <a:solidFill>
-                  <a:srgbClr val="333333"/>
-                </a:solidFill>
-                <a:latin typeface="Verdana"/>
-                <a:ea typeface="Verdana"/>
-                <a:cs typeface="Verdana"/>
-                <a:sym typeface="Verdana"/>
-              </a:rPr>
-              <a:t>Reduce model complexity, complex models are prone to high variance</a:t>
-            </a:r>
-            <a:endParaRPr sz="1000">
-              <a:solidFill>
-                <a:srgbClr val="333333"/>
-              </a:solidFill>
-              <a:latin typeface="Verdana"/>
-              <a:ea typeface="Verdana"/>
-              <a:cs typeface="Verdana"/>
-              <a:sym typeface="Verdana"/>
-            </a:endParaRPr>
-          </a:p>
-          <a:p>
-            <a:pPr indent="-292100" lvl="0" marL="698500" marR="25400" rtl="0" algn="l">
-              <a:lnSpc>
-                <a:spcPct val="115000"/>
-              </a:lnSpc>
-              <a:spcBef>
-                <a:spcPts val="0"/>
-              </a:spcBef>
-              <a:spcAft>
-                <a:spcPts val="0"/>
-              </a:spcAft>
-              <a:buClr>
-                <a:srgbClr val="333333"/>
-              </a:buClr>
-              <a:buSzPts val="1000"/>
-              <a:buFont typeface="Verdana"/>
-              <a:buChar char="●"/>
-            </a:pPr>
-            <a:r>
-              <a:rPr lang="en-GB" sz="1000">
-                <a:solidFill>
-                  <a:srgbClr val="333333"/>
-                </a:solidFill>
-                <a:latin typeface="Verdana"/>
-                <a:ea typeface="Verdana"/>
-                <a:cs typeface="Verdana"/>
-                <a:sym typeface="Verdana"/>
-              </a:rPr>
-              <a:t>Bagging : </a:t>
-            </a:r>
-            <a:r>
-              <a:rPr lang="en-GB" sz="1000">
-                <a:solidFill>
-                  <a:srgbClr val="333333"/>
-                </a:solidFill>
-                <a:latin typeface="Verdana"/>
-                <a:ea typeface="Verdana"/>
-                <a:cs typeface="Verdana"/>
-                <a:sym typeface="Verdana"/>
-              </a:rPr>
-              <a:t>averaging</a:t>
-            </a:r>
-            <a:r>
-              <a:rPr lang="en-GB" sz="1000">
-                <a:solidFill>
-                  <a:srgbClr val="333333"/>
-                </a:solidFill>
-                <a:latin typeface="Verdana"/>
-                <a:ea typeface="Verdana"/>
-                <a:cs typeface="Verdana"/>
-                <a:sym typeface="Verdana"/>
-              </a:rPr>
-              <a:t> models</a:t>
-            </a:r>
-            <a:endParaRPr sz="1000">
-              <a:solidFill>
-                <a:srgbClr val="333333"/>
-              </a:solidFill>
-              <a:latin typeface="Verdana"/>
-              <a:ea typeface="Verdana"/>
-              <a:cs typeface="Verdana"/>
-              <a:sym typeface="Verdana"/>
-            </a:endParaRPr>
-          </a:p>
         </p:txBody>
       </p:sp>
       <p:sp>
         <p:nvSpPr>
-          <p:cNvPr id="269" name="Google Shape;269;p35"/>
+          <p:cNvPr id="276" name="Google Shape;276;p35"/>
           <p:cNvSpPr txBox="1"/>
           <p:nvPr/>
         </p:nvSpPr>
         <p:spPr>
           <a:xfrm>
             <a:off x="4438400" y="1501600"/>
-            <a:ext cx="4402500" cy="2724300"/>
+            <a:ext cx="4402500" cy="2547300"/>
           </a:xfrm>
           <a:prstGeom prst="rect">
             <a:avLst/>
@@ -18167,7 +19698,19 @@
                 <a:cs typeface="Verdana"/>
                 <a:sym typeface="Verdana"/>
               </a:rPr>
-              <a:t>Regime 2 (High Bias)</a:t>
+              <a:t>High Bias</a:t>
+            </a:r>
+            <a:r>
+              <a:rPr b="1" lang="en-GB" sz="1150">
+                <a:solidFill>
+                  <a:srgbClr val="325B9D"/>
+                </a:solidFill>
+                <a:latin typeface="Verdana"/>
+                <a:ea typeface="Verdana"/>
+                <a:cs typeface="Verdana"/>
+                <a:sym typeface="Verdana"/>
+              </a:rPr>
+              <a:t> (underfitting)</a:t>
             </a:r>
             <a:endParaRPr b="1" sz="1150">
               <a:solidFill>
@@ -18388,7 +19931,7 @@
                 <a:cs typeface="Verdana"/>
                 <a:sym typeface="Verdana"/>
               </a:rPr>
-              <a:t>Use more complex model (e.g. kernelize, use non-linear models)</a:t>
+              <a:t>Use more complex model (e.g. kernelize, use non-linear models , add more neurons ...)</a:t>
             </a:r>
             <a:endParaRPr sz="1000">
               <a:solidFill>
@@ -18429,46 +19972,6 @@
                 <a:sym typeface="Verdana"/>
               </a:rPr>
               <a:t>Add features</a:t>
-            </a:r>
-            <a:endParaRPr sz="1000">
-              <a:solidFill>
-                <a:srgbClr val="333333"/>
-              </a:solidFill>
-              <a:latin typeface="Verdana"/>
-              <a:ea typeface="Verdana"/>
-              <a:cs typeface="Verdana"/>
-              <a:sym typeface="Verdana"/>
-            </a:endParaRPr>
-          </a:p>
-          <a:p>
-            <a:pPr indent="-292100" lvl="0" marL="698500" marR="25400" rtl="0" algn="l">
-              <a:lnSpc>
-                <a:spcPct val="115000"/>
-              </a:lnSpc>
-              <a:spcBef>
-                <a:spcPts val="0"/>
-              </a:spcBef>
-              <a:spcAft>
-                <a:spcPts val="0"/>
-              </a:spcAft>
-              <a:buClr>
-                <a:srgbClr val="333333"/>
-              </a:buClr>
-              <a:buSzPts val="1000"/>
-              <a:buFont typeface="Verdana"/>
-              <a:buChar char="●"/>
-            </a:pPr>
-            <a:r>
-              <a:rPr lang="en-GB" sz="1000">
-                <a:solidFill>
-                  <a:srgbClr val="333333"/>
-                </a:solidFill>
-                <a:latin typeface="Verdana"/>
-                <a:ea typeface="Verdana"/>
-                <a:cs typeface="Verdana"/>
-                <a:sym typeface="Verdana"/>
-              </a:rPr>
-              <a:t>Boosting</a:t>
             </a:r>
             <a:endParaRPr sz="1000">
               <a:solidFill>
@@ -18495,7 +19998,7 @@
   <p:cSld>
     <p:spTree>
       <p:nvGrpSpPr>
-        <p:cNvPr id="273" name="Shape 273"/>
+        <p:cNvPr id="280" name="Shape 280"/>
         <p:cNvGrpSpPr/>
         <p:nvPr/>
       </p:nvGrpSpPr>
@@ -18509,7 +20012,7 @@
       </p:grpSpPr>
       <p:sp>
         <p:nvSpPr>
-          <p:cNvPr id="274" name="Google Shape;274;p36"/>
+          <p:cNvPr id="281" name="Google Shape;281;p36"/>
           <p:cNvSpPr txBox="1"/>
           <p:nvPr/>
         </p:nvSpPr>
@@ -18561,7 +20064,7 @@
       </p:sp>
       <p:sp>
         <p:nvSpPr>
-          <p:cNvPr id="275" name="Google Shape;275;p36"/>
+          <p:cNvPr id="282" name="Google Shape;282;p36"/>
           <p:cNvSpPr txBox="1"/>
           <p:nvPr/>
         </p:nvSpPr>
@@ -18608,7 +20111,7 @@
       </p:sp>
       <p:sp>
         <p:nvSpPr>
-          <p:cNvPr id="276" name="Google Shape;276;p36"/>
+          <p:cNvPr id="283" name="Google Shape;283;p36"/>
           <p:cNvSpPr txBox="1"/>
           <p:nvPr/>
         </p:nvSpPr>
@@ -19157,7 +20660,7 @@
   <p:cSld>
     <p:spTree>
       <p:nvGrpSpPr>
-        <p:cNvPr id="280" name="Shape 280"/>
+        <p:cNvPr id="287" name="Shape 287"/>
         <p:cNvGrpSpPr/>
         <p:nvPr/>
       </p:nvGrpSpPr>
@@ -19171,7 +20674,7 @@
       </p:grpSpPr>
       <p:sp>
         <p:nvSpPr>
-          <p:cNvPr id="281" name="Google Shape;281;p37"/>
+          <p:cNvPr id="288" name="Google Shape;288;p37"/>
           <p:cNvSpPr txBox="1"/>
           <p:nvPr/>
         </p:nvSpPr>
@@ -19218,7 +20721,7 @@
       </p:sp>
       <p:sp>
         <p:nvSpPr>
-          <p:cNvPr id="282" name="Google Shape;282;p37"/>
+          <p:cNvPr id="289" name="Google Shape;289;p37"/>
           <p:cNvSpPr txBox="1"/>
           <p:nvPr/>
         </p:nvSpPr>
@@ -19384,7 +20887,7 @@
       </p:sp>
       <p:sp>
         <p:nvSpPr>
-          <p:cNvPr id="283" name="Google Shape;283;p37"/>
+          <p:cNvPr id="290" name="Google Shape;290;p37"/>
           <p:cNvSpPr txBox="1"/>
           <p:nvPr/>
         </p:nvSpPr>
@@ -19442,7 +20945,7 @@
   <p:cSld>
     <p:spTree>
       <p:nvGrpSpPr>
-        <p:cNvPr id="287" name="Shape 287"/>
+        <p:cNvPr id="294" name="Shape 294"/>
         <p:cNvGrpSpPr/>
         <p:nvPr/>
       </p:nvGrpSpPr>
@@ -19454,16 +20957,336 @@
           <a:chExt cx="0" cy="0"/>
         </a:xfrm>
       </p:grpSpPr>
+      <p:pic>
+        <p:nvPicPr>
+          <p:cNvPr id="295" name="Google Shape;295;p38"/>
+          <p:cNvPicPr preferRelativeResize="0"/>
+          <p:nvPr/>
+        </p:nvPicPr>
+        <p:blipFill rotWithShape="1">
+          <a:blip r:embed="rId3">
+            <a:alphaModFix/>
+          </a:blip>
+          <a:srcRect b="1740" l="0" r="0" t="5184"/>
+          <a:stretch/>
+        </p:blipFill>
+        <p:spPr>
+          <a:xfrm>
+            <a:off x="0" y="0"/>
+            <a:ext cx="9143999" cy="5143500"/>
+          </a:xfrm>
+          <a:prstGeom prst="rect">
+            <a:avLst/>
+          </a:prstGeom>
+          <a:noFill/>
+          <a:ln>
+            <a:noFill/>
+          </a:ln>
+        </p:spPr>
+      </p:pic>
       <p:sp>
         <p:nvSpPr>
-          <p:cNvPr id="288" name="Google Shape;288;p38"/>
+          <p:cNvPr id="296" name="Google Shape;296;p38"/>
+          <p:cNvSpPr txBox="1"/>
+          <p:nvPr>
+            <p:ph idx="4294967295" type="ctrTitle"/>
+          </p:nvPr>
+        </p:nvSpPr>
+        <p:spPr>
+          <a:xfrm>
+            <a:off x="2935350" y="2306297"/>
+            <a:ext cx="3273300" cy="361800"/>
+          </a:xfrm>
+          <a:prstGeom prst="rect">
+            <a:avLst/>
+          </a:prstGeom>
+        </p:spPr>
+        <p:txBody>
+          <a:bodyPr anchorCtr="0" anchor="t" bIns="91425" lIns="91425" spcFirstLastPara="1" rIns="91425" wrap="square" tIns="91425">
+            <a:normAutofit fontScale="90000"/>
+          </a:bodyPr>
+          <a:lstStyle/>
+          <a:p>
+            <a:pPr indent="0" lvl="0" marL="0" rtl="0" algn="ctr">
+              <a:spcBef>
+                <a:spcPts val="0"/>
+              </a:spcBef>
+              <a:spcAft>
+                <a:spcPts val="0"/>
+              </a:spcAft>
+              <a:buNone/>
+            </a:pPr>
+            <a:r>
+              <a:rPr b="0" lang="en-GB" sz="1700">
+                <a:solidFill>
+                  <a:srgbClr val="CCCCCC"/>
+                </a:solidFill>
+                <a:latin typeface="Montserrat"/>
+                <a:ea typeface="Montserrat"/>
+                <a:cs typeface="Montserrat"/>
+                <a:sym typeface="Montserrat"/>
+              </a:rPr>
+              <a:t>MACHINE LEARNING 101</a:t>
+            </a:r>
+            <a:endParaRPr b="0" sz="1700">
+              <a:solidFill>
+                <a:srgbClr val="CCCCCC"/>
+              </a:solidFill>
+              <a:latin typeface="Montserrat"/>
+              <a:ea typeface="Montserrat"/>
+              <a:cs typeface="Montserrat"/>
+              <a:sym typeface="Montserrat"/>
+            </a:endParaRPr>
+          </a:p>
+        </p:txBody>
+      </p:sp>
+      <p:sp>
+        <p:nvSpPr>
+          <p:cNvPr id="297" name="Google Shape;297;p38"/>
+          <p:cNvSpPr txBox="1"/>
+          <p:nvPr>
+            <p:ph idx="4294967295" type="ctrTitle"/>
+          </p:nvPr>
+        </p:nvSpPr>
+        <p:spPr>
+          <a:xfrm>
+            <a:off x="1458150" y="2571750"/>
+            <a:ext cx="6227700" cy="1254900"/>
+          </a:xfrm>
+          <a:prstGeom prst="rect">
+            <a:avLst/>
+          </a:prstGeom>
+        </p:spPr>
+        <p:txBody>
+          <a:bodyPr anchorCtr="0" anchor="t" bIns="91425" lIns="91425" spcFirstLastPara="1" rIns="91425" wrap="square" tIns="91425">
+            <a:normAutofit fontScale="90000"/>
+          </a:bodyPr>
+          <a:lstStyle/>
+          <a:p>
+            <a:pPr indent="0" lvl="0" marL="0" rtl="0" algn="ctr">
+              <a:spcBef>
+                <a:spcPts val="0"/>
+              </a:spcBef>
+              <a:spcAft>
+                <a:spcPts val="0"/>
+              </a:spcAft>
+              <a:buNone/>
+            </a:pPr>
+            <a:r>
+              <a:rPr b="0" lang="en-GB" sz="3355">
+                <a:solidFill>
+                  <a:srgbClr val="FFFFFF"/>
+                </a:solidFill>
+                <a:latin typeface="Montserrat ExtraBold"/>
+                <a:ea typeface="Montserrat ExtraBold"/>
+                <a:cs typeface="Montserrat ExtraBold"/>
+                <a:sym typeface="Montserrat ExtraBold"/>
+              </a:rPr>
+              <a:t>MACHINE LEARNING FROM</a:t>
+            </a:r>
+            <a:endParaRPr b="0" sz="3355">
+              <a:solidFill>
+                <a:srgbClr val="FFFFFF"/>
+              </a:solidFill>
+              <a:latin typeface="Montserrat ExtraBold"/>
+              <a:ea typeface="Montserrat ExtraBold"/>
+              <a:cs typeface="Montserrat ExtraBold"/>
+              <a:sym typeface="Montserrat ExtraBold"/>
+            </a:endParaRPr>
+          </a:p>
+          <a:p>
+            <a:pPr indent="0" lvl="0" marL="0" rtl="0" algn="ctr">
+              <a:spcBef>
+                <a:spcPts val="0"/>
+              </a:spcBef>
+              <a:spcAft>
+                <a:spcPts val="0"/>
+              </a:spcAft>
+              <a:buNone/>
+            </a:pPr>
+            <a:r>
+              <a:rPr b="0" lang="en-GB" sz="3355">
+                <a:solidFill>
+                  <a:srgbClr val="FFFFFF"/>
+                </a:solidFill>
+                <a:latin typeface="Montserrat ExtraBold"/>
+                <a:ea typeface="Montserrat ExtraBold"/>
+                <a:cs typeface="Montserrat ExtraBold"/>
+                <a:sym typeface="Montserrat ExtraBold"/>
+              </a:rPr>
+              <a:t>THEORY TO PRACTICE</a:t>
+            </a:r>
+            <a:endParaRPr b="0" sz="3355">
+              <a:solidFill>
+                <a:srgbClr val="FFFFFF"/>
+              </a:solidFill>
+              <a:latin typeface="Montserrat ExtraBold"/>
+              <a:ea typeface="Montserrat ExtraBold"/>
+              <a:cs typeface="Montserrat ExtraBold"/>
+              <a:sym typeface="Montserrat ExtraBold"/>
+            </a:endParaRPr>
+          </a:p>
+          <a:p>
+            <a:pPr indent="0" lvl="0" marL="0" rtl="0" algn="ctr">
+              <a:spcBef>
+                <a:spcPts val="0"/>
+              </a:spcBef>
+              <a:spcAft>
+                <a:spcPts val="0"/>
+              </a:spcAft>
+              <a:buNone/>
+            </a:pPr>
+            <a:r>
+              <a:t/>
+            </a:r>
+            <a:endParaRPr b="0">
+              <a:solidFill>
+                <a:srgbClr val="434343"/>
+              </a:solidFill>
+              <a:latin typeface="Montserrat ExtraBold"/>
+              <a:ea typeface="Montserrat ExtraBold"/>
+              <a:cs typeface="Montserrat ExtraBold"/>
+              <a:sym typeface="Montserrat ExtraBold"/>
+            </a:endParaRPr>
+          </a:p>
+        </p:txBody>
+      </p:sp>
+      <p:sp>
+        <p:nvSpPr>
+          <p:cNvPr id="298" name="Google Shape;298;p38"/>
+          <p:cNvSpPr/>
+          <p:nvPr/>
+        </p:nvSpPr>
+        <p:spPr>
+          <a:xfrm>
+            <a:off x="3928388" y="2264000"/>
+            <a:ext cx="623700" cy="42300"/>
+          </a:xfrm>
+          <a:prstGeom prst="rect">
+            <a:avLst/>
+          </a:prstGeom>
+          <a:solidFill>
+            <a:srgbClr val="198E7D"/>
+          </a:solidFill>
+          <a:ln cap="flat" cmpd="sng" w="9525">
+            <a:solidFill>
+              <a:schemeClr val="dk2"/>
+            </a:solidFill>
+            <a:prstDash val="solid"/>
+            <a:round/>
+            <a:headEnd len="sm" w="sm" type="none"/>
+            <a:tailEnd len="sm" w="sm" type="none"/>
+          </a:ln>
+        </p:spPr>
+        <p:txBody>
+          <a:bodyPr anchorCtr="0" anchor="ctr" bIns="91425" lIns="91425" spcFirstLastPara="1" rIns="91425" wrap="square" tIns="91425">
+            <a:noAutofit/>
+          </a:bodyPr>
+          <a:lstStyle/>
+          <a:p>
+            <a:pPr indent="0" lvl="0" marL="0" rtl="0" algn="l">
+              <a:spcBef>
+                <a:spcPts val="0"/>
+              </a:spcBef>
+              <a:spcAft>
+                <a:spcPts val="0"/>
+              </a:spcAft>
+              <a:buNone/>
+            </a:pPr>
+            <a:r>
+              <a:t/>
+            </a:r>
+            <a:endParaRPr/>
+          </a:p>
+        </p:txBody>
+      </p:sp>
+      <p:sp>
+        <p:nvSpPr>
+          <p:cNvPr id="299" name="Google Shape;299;p38"/>
+          <p:cNvSpPr/>
+          <p:nvPr/>
+        </p:nvSpPr>
+        <p:spPr>
+          <a:xfrm>
+            <a:off x="4591888" y="2264000"/>
+            <a:ext cx="623700" cy="42300"/>
+          </a:xfrm>
+          <a:prstGeom prst="rect">
+            <a:avLst/>
+          </a:prstGeom>
+          <a:solidFill>
+            <a:srgbClr val="E84C00"/>
+          </a:solidFill>
+          <a:ln cap="flat" cmpd="sng" w="9525">
+            <a:solidFill>
+              <a:schemeClr val="dk2"/>
+            </a:solidFill>
+            <a:prstDash val="solid"/>
+            <a:round/>
+            <a:headEnd len="sm" w="sm" type="none"/>
+            <a:tailEnd len="sm" w="sm" type="none"/>
+          </a:ln>
+        </p:spPr>
+        <p:txBody>
+          <a:bodyPr anchorCtr="0" anchor="ctr" bIns="91425" lIns="91425" spcFirstLastPara="1" rIns="91425" wrap="square" tIns="91425">
+            <a:noAutofit/>
+          </a:bodyPr>
+          <a:lstStyle/>
+          <a:p>
+            <a:pPr indent="0" lvl="0" marL="0" rtl="0" algn="l">
+              <a:spcBef>
+                <a:spcPts val="0"/>
+              </a:spcBef>
+              <a:spcAft>
+                <a:spcPts val="0"/>
+              </a:spcAft>
+              <a:buNone/>
+            </a:pPr>
+            <a:r>
+              <a:t/>
+            </a:r>
+            <a:endParaRPr/>
+          </a:p>
+        </p:txBody>
+      </p:sp>
+      <p:pic>
+        <p:nvPicPr>
+          <p:cNvPr id="300" name="Google Shape;300;p38"/>
+          <p:cNvPicPr preferRelativeResize="0"/>
+          <p:nvPr/>
+        </p:nvPicPr>
+        <p:blipFill>
+          <a:blip r:embed="rId4">
+            <a:alphaModFix/>
+          </a:blip>
+          <a:stretch>
+            <a:fillRect/>
+          </a:stretch>
+        </p:blipFill>
+        <p:spPr>
+          <a:xfrm>
+            <a:off x="4299948" y="4806519"/>
+            <a:ext cx="544100" cy="87904"/>
+          </a:xfrm>
+          <a:prstGeom prst="rect">
+            <a:avLst/>
+          </a:prstGeom>
+          <a:noFill/>
+          <a:ln>
+            <a:noFill/>
+          </a:ln>
+        </p:spPr>
+      </p:pic>
+      <p:sp>
+        <p:nvSpPr>
+          <p:cNvPr id="301" name="Google Shape;301;p38"/>
           <p:cNvSpPr txBox="1"/>
           <p:nvPr/>
         </p:nvSpPr>
         <p:spPr>
           <a:xfrm>
-            <a:off x="706625" y="1276425"/>
-            <a:ext cx="7539600" cy="431100"/>
+            <a:off x="193950" y="121225"/>
+            <a:ext cx="8430600" cy="1217700"/>
           </a:xfrm>
           <a:prstGeom prst="rect">
             <a:avLst/>
@@ -19489,28 +21312,39 @@
               <a:buNone/>
             </a:pPr>
             <a:r>
-              <a:rPr b="1" lang="en-GB" sz="1600">
-                <a:latin typeface="Lato"/>
-                <a:ea typeface="Lato"/>
-                <a:cs typeface="Lato"/>
-                <a:sym typeface="Lato"/>
-              </a:rPr>
-              <a:t>The master Algorithm</a:t>
-            </a:r>
-            <a:endParaRPr b="1" sz="1500"/>
+              <a:rPr lang="en-GB" sz="3355">
+                <a:solidFill>
+                  <a:schemeClr val="lt1"/>
+                </a:solidFill>
+                <a:latin typeface="Montserrat ExtraBold"/>
+                <a:ea typeface="Montserrat ExtraBold"/>
+                <a:cs typeface="Montserrat ExtraBold"/>
+                <a:sym typeface="Montserrat ExtraBold"/>
+              </a:rPr>
+              <a:t>Thank you very much for your attention</a:t>
+            </a:r>
+            <a:endParaRPr sz="2800">
+              <a:solidFill>
+                <a:srgbClr val="434343"/>
+              </a:solidFill>
+              <a:latin typeface="Montserrat ExtraBold"/>
+              <a:ea typeface="Montserrat ExtraBold"/>
+              <a:cs typeface="Montserrat ExtraBold"/>
+              <a:sym typeface="Montserrat ExtraBold"/>
+            </a:endParaRPr>
           </a:p>
         </p:txBody>
       </p:sp>
       <p:sp>
         <p:nvSpPr>
-          <p:cNvPr id="289" name="Google Shape;289;p38"/>
+          <p:cNvPr id="302" name="Google Shape;302;p38"/>
           <p:cNvSpPr txBox="1"/>
           <p:nvPr/>
         </p:nvSpPr>
         <p:spPr>
           <a:xfrm>
-            <a:off x="584400" y="671775"/>
-            <a:ext cx="7539600" cy="431100"/>
+            <a:off x="758750" y="1257975"/>
+            <a:ext cx="7949100" cy="831300"/>
           </a:xfrm>
           <a:prstGeom prst="rect">
             <a:avLst/>
@@ -19526,25 +21360,163 @@
           </a:bodyPr>
           <a:lstStyle/>
           <a:p>
-            <a:pPr indent="0" lvl="0" marL="0" rtl="0" algn="l">
-              <a:spcBef>
-                <a:spcPts val="0"/>
-              </a:spcBef>
-              <a:spcAft>
-                <a:spcPts val="0"/>
-              </a:spcAft>
-              <a:buNone/>
-            </a:pPr>
-            <a:r>
-              <a:rPr b="1" lang="en-GB" sz="1600">
+            <a:pPr indent="-317500" lvl="0" marL="457200" rtl="0" algn="l">
+              <a:spcBef>
+                <a:spcPts val="0"/>
+              </a:spcBef>
+              <a:spcAft>
+                <a:spcPts val="0"/>
+              </a:spcAft>
+              <a:buClr>
+                <a:srgbClr val="FFFFFF"/>
+              </a:buClr>
+              <a:buSzPts val="1400"/>
+              <a:buFont typeface="Lato"/>
+              <a:buChar char="●"/>
+            </a:pPr>
+            <a:r>
+              <a:rPr lang="en-GB">
+                <a:solidFill>
+                  <a:srgbClr val="FFFFFF"/>
+                </a:solidFill>
                 <a:latin typeface="Lato"/>
                 <a:ea typeface="Lato"/>
                 <a:cs typeface="Lato"/>
                 <a:sym typeface="Lato"/>
               </a:rPr>
-              <a:t>Machine learning 101 </a:t>
-            </a:r>
-            <a:endParaRPr b="1" sz="1500"/>
+              <a:t>Farouq benarous </a:t>
+            </a:r>
+            <a:endParaRPr>
+              <a:solidFill>
+                <a:srgbClr val="FFFFFF"/>
+              </a:solidFill>
+              <a:latin typeface="Lato"/>
+              <a:ea typeface="Lato"/>
+              <a:cs typeface="Lato"/>
+              <a:sym typeface="Lato"/>
+            </a:endParaRPr>
+          </a:p>
+          <a:p>
+            <a:pPr indent="-317500" lvl="0" marL="457200" rtl="0" algn="l">
+              <a:spcBef>
+                <a:spcPts val="0"/>
+              </a:spcBef>
+              <a:spcAft>
+                <a:spcPts val="0"/>
+              </a:spcAft>
+              <a:buClr>
+                <a:srgbClr val="FFFFFF"/>
+              </a:buClr>
+              <a:buSzPts val="1400"/>
+              <a:buFont typeface="Lato"/>
+              <a:buChar char="●"/>
+            </a:pPr>
+            <a:r>
+              <a:rPr lang="en-GB">
+                <a:solidFill>
+                  <a:srgbClr val="FFFFFF"/>
+                </a:solidFill>
+                <a:latin typeface="Lato"/>
+                <a:ea typeface="Lato"/>
+                <a:cs typeface="Lato"/>
+                <a:sym typeface="Lato"/>
+              </a:rPr>
+              <a:t>Emmanuel</a:t>
+            </a:r>
+            <a:r>
+              <a:rPr lang="en-GB">
+                <a:solidFill>
+                  <a:srgbClr val="FFFFFF"/>
+                </a:solidFill>
+                <a:latin typeface="Lato"/>
+                <a:ea typeface="Lato"/>
+                <a:cs typeface="Lato"/>
+                <a:sym typeface="Lato"/>
+              </a:rPr>
+              <a:t> </a:t>
+            </a:r>
+            <a:r>
+              <a:rPr lang="en-GB">
+                <a:solidFill>
+                  <a:srgbClr val="FFFFFF"/>
+                </a:solidFill>
+                <a:latin typeface="Lato"/>
+                <a:ea typeface="Lato"/>
+                <a:cs typeface="Lato"/>
+                <a:sym typeface="Lato"/>
+              </a:rPr>
+              <a:t>fonseca</a:t>
+            </a:r>
+            <a:r>
+              <a:rPr lang="en-GB">
+                <a:solidFill>
+                  <a:srgbClr val="FFFFFF"/>
+                </a:solidFill>
+                <a:latin typeface="Lato"/>
+                <a:ea typeface="Lato"/>
+                <a:cs typeface="Lato"/>
+                <a:sym typeface="Lato"/>
+              </a:rPr>
+              <a:t> </a:t>
+            </a:r>
+            <a:endParaRPr>
+              <a:solidFill>
+                <a:srgbClr val="FFFFFF"/>
+              </a:solidFill>
+              <a:latin typeface="Lato"/>
+              <a:ea typeface="Lato"/>
+              <a:cs typeface="Lato"/>
+              <a:sym typeface="Lato"/>
+            </a:endParaRPr>
+          </a:p>
+          <a:p>
+            <a:pPr indent="-317500" lvl="0" marL="457200" rtl="0" algn="l">
+              <a:spcBef>
+                <a:spcPts val="0"/>
+              </a:spcBef>
+              <a:spcAft>
+                <a:spcPts val="0"/>
+              </a:spcAft>
+              <a:buClr>
+                <a:srgbClr val="FFFFFF"/>
+              </a:buClr>
+              <a:buSzPts val="1400"/>
+              <a:buFont typeface="Lato"/>
+              <a:buChar char="●"/>
+            </a:pPr>
+            <a:r>
+              <a:rPr lang="en-GB">
+                <a:solidFill>
+                  <a:srgbClr val="FFFFFF"/>
+                </a:solidFill>
+                <a:latin typeface="Lato"/>
+                <a:ea typeface="Lato"/>
+                <a:cs typeface="Lato"/>
+                <a:sym typeface="Lato"/>
+              </a:rPr>
+              <a:t>Pedro </a:t>
+            </a:r>
+            <a:r>
+              <a:rPr lang="en-GB">
+                <a:solidFill>
+                  <a:srgbClr val="FFFFFF"/>
+                </a:solidFill>
+                <a:latin typeface="Lato"/>
+                <a:ea typeface="Lato"/>
+                <a:cs typeface="Lato"/>
+                <a:sym typeface="Lato"/>
+              </a:rPr>
+              <a:t>evangelista</a:t>
+            </a:r>
+            <a:endParaRPr>
+              <a:solidFill>
+                <a:srgbClr val="FFFFFF"/>
+              </a:solidFill>
+              <a:latin typeface="Lato"/>
+              <a:ea typeface="Lato"/>
+              <a:cs typeface="Lato"/>
+              <a:sym typeface="Lato"/>
+            </a:endParaRPr>
           </a:p>
         </p:txBody>
       </p:sp>
@@ -19561,7 +21533,7 @@
   <p:cSld>
     <p:spTree>
       <p:nvGrpSpPr>
-        <p:cNvPr id="96" name="Shape 96"/>
+        <p:cNvPr id="101" name="Shape 101"/>
         <p:cNvGrpSpPr/>
         <p:nvPr/>
       </p:nvGrpSpPr>
@@ -19575,7 +21547,7 @@
       </p:grpSpPr>
       <p:sp>
         <p:nvSpPr>
-          <p:cNvPr id="97" name="Google Shape;97;p15"/>
+          <p:cNvPr id="102" name="Google Shape;102;p15"/>
           <p:cNvSpPr txBox="1"/>
           <p:nvPr/>
         </p:nvSpPr>
@@ -19627,7 +21599,7 @@
       </p:sp>
       <p:sp>
         <p:nvSpPr>
-          <p:cNvPr id="98" name="Google Shape;98;p15"/>
+          <p:cNvPr id="103" name="Google Shape;103;p15"/>
           <p:cNvSpPr txBox="1"/>
           <p:nvPr/>
         </p:nvSpPr>
@@ -19679,7 +21651,7 @@
       </p:sp>
       <p:sp>
         <p:nvSpPr>
-          <p:cNvPr id="99" name="Google Shape;99;p15"/>
+          <p:cNvPr id="104" name="Google Shape;104;p15"/>
           <p:cNvSpPr/>
           <p:nvPr/>
         </p:nvSpPr>
@@ -19738,7 +21710,7 @@
       </p:sp>
       <p:sp>
         <p:nvSpPr>
-          <p:cNvPr id="100" name="Google Shape;100;p15"/>
+          <p:cNvPr id="105" name="Google Shape;105;p15"/>
           <p:cNvSpPr txBox="1"/>
           <p:nvPr/>
         </p:nvSpPr>
@@ -19790,7 +21762,7 @@
       </p:sp>
       <p:sp>
         <p:nvSpPr>
-          <p:cNvPr id="101" name="Google Shape;101;p15"/>
+          <p:cNvPr id="106" name="Google Shape;106;p15"/>
           <p:cNvSpPr txBox="1"/>
           <p:nvPr/>
         </p:nvSpPr>
@@ -19842,7 +21814,7 @@
       </p:sp>
       <p:sp>
         <p:nvSpPr>
-          <p:cNvPr id="102" name="Google Shape;102;p15"/>
+          <p:cNvPr id="107" name="Google Shape;107;p15"/>
           <p:cNvSpPr txBox="1"/>
           <p:nvPr/>
         </p:nvSpPr>
@@ -19894,7 +21866,7 @@
       </p:sp>
       <p:sp>
         <p:nvSpPr>
-          <p:cNvPr id="103" name="Google Shape;103;p15"/>
+          <p:cNvPr id="108" name="Google Shape;108;p15"/>
           <p:cNvSpPr txBox="1"/>
           <p:nvPr/>
         </p:nvSpPr>
@@ -19946,7 +21918,7 @@
       </p:sp>
       <p:sp>
         <p:nvSpPr>
-          <p:cNvPr id="104" name="Google Shape;104;p15"/>
+          <p:cNvPr id="109" name="Google Shape;109;p15"/>
           <p:cNvSpPr/>
           <p:nvPr/>
         </p:nvSpPr>
@@ -20005,7 +21977,7 @@
       </p:sp>
       <p:sp>
         <p:nvSpPr>
-          <p:cNvPr id="105" name="Google Shape;105;p15"/>
+          <p:cNvPr id="110" name="Google Shape;110;p15"/>
           <p:cNvSpPr/>
           <p:nvPr/>
         </p:nvSpPr>
@@ -20064,7 +22036,7 @@
       </p:sp>
       <p:pic>
         <p:nvPicPr>
-          <p:cNvPr id="106" name="Google Shape;106;p15"/>
+          <p:cNvPr id="111" name="Google Shape;111;p15"/>
           <p:cNvPicPr preferRelativeResize="0"/>
           <p:nvPr/>
         </p:nvPicPr>
@@ -20092,7 +22064,7 @@
       </p:pic>
       <p:pic>
         <p:nvPicPr>
-          <p:cNvPr id="107" name="Google Shape;107;p15"/>
+          <p:cNvPr id="112" name="Google Shape;112;p15"/>
           <p:cNvPicPr preferRelativeResize="0"/>
           <p:nvPr/>
         </p:nvPicPr>
@@ -20131,7 +22103,7 @@
   <p:cSld>
     <p:spTree>
       <p:nvGrpSpPr>
-        <p:cNvPr id="111" name="Shape 111"/>
+        <p:cNvPr id="116" name="Shape 116"/>
         <p:cNvGrpSpPr/>
         <p:nvPr/>
       </p:nvGrpSpPr>
@@ -20145,7 +22117,7 @@
       </p:grpSpPr>
       <p:sp>
         <p:nvSpPr>
-          <p:cNvPr id="112" name="Google Shape;112;p16"/>
+          <p:cNvPr id="117" name="Google Shape;117;p16"/>
           <p:cNvSpPr txBox="1"/>
           <p:nvPr/>
         </p:nvSpPr>
@@ -20197,7 +22169,7 @@
       </p:sp>
       <p:sp>
         <p:nvSpPr>
-          <p:cNvPr id="113" name="Google Shape;113;p16"/>
+          <p:cNvPr id="118" name="Google Shape;118;p16"/>
           <p:cNvSpPr txBox="1"/>
           <p:nvPr/>
         </p:nvSpPr>
@@ -20249,7 +22221,7 @@
       </p:sp>
       <p:sp>
         <p:nvSpPr>
-          <p:cNvPr id="114" name="Google Shape;114;p16"/>
+          <p:cNvPr id="119" name="Google Shape;119;p16"/>
           <p:cNvSpPr/>
           <p:nvPr/>
         </p:nvSpPr>
@@ -20308,7 +22280,7 @@
       </p:sp>
       <p:sp>
         <p:nvSpPr>
-          <p:cNvPr id="115" name="Google Shape;115;p16"/>
+          <p:cNvPr id="120" name="Google Shape;120;p16"/>
           <p:cNvSpPr txBox="1"/>
           <p:nvPr/>
         </p:nvSpPr>
@@ -20360,7 +22332,7 @@
       </p:sp>
       <p:sp>
         <p:nvSpPr>
-          <p:cNvPr id="116" name="Google Shape;116;p16"/>
+          <p:cNvPr id="121" name="Google Shape;121;p16"/>
           <p:cNvSpPr txBox="1"/>
           <p:nvPr/>
         </p:nvSpPr>
@@ -20412,7 +22384,7 @@
       </p:sp>
       <p:sp>
         <p:nvSpPr>
-          <p:cNvPr id="117" name="Google Shape;117;p16"/>
+          <p:cNvPr id="122" name="Google Shape;122;p16"/>
           <p:cNvSpPr txBox="1"/>
           <p:nvPr/>
         </p:nvSpPr>
@@ -20484,7 +22456,7 @@
       </p:sp>
       <p:sp>
         <p:nvSpPr>
-          <p:cNvPr id="118" name="Google Shape;118;p16"/>
+          <p:cNvPr id="123" name="Google Shape;123;p16"/>
           <p:cNvSpPr txBox="1"/>
           <p:nvPr/>
         </p:nvSpPr>
@@ -20536,7 +22508,7 @@
       </p:sp>
       <p:sp>
         <p:nvSpPr>
-          <p:cNvPr id="119" name="Google Shape;119;p16"/>
+          <p:cNvPr id="124" name="Google Shape;124;p16"/>
           <p:cNvSpPr/>
           <p:nvPr/>
         </p:nvSpPr>
@@ -20595,7 +22567,7 @@
       </p:sp>
       <p:sp>
         <p:nvSpPr>
-          <p:cNvPr id="120" name="Google Shape;120;p16"/>
+          <p:cNvPr id="125" name="Google Shape;125;p16"/>
           <p:cNvSpPr/>
           <p:nvPr/>
         </p:nvSpPr>
@@ -20654,7 +22626,7 @@
       </p:sp>
       <p:pic>
         <p:nvPicPr>
-          <p:cNvPr id="121" name="Google Shape;121;p16"/>
+          <p:cNvPr id="126" name="Google Shape;126;p16"/>
           <p:cNvPicPr preferRelativeResize="0"/>
           <p:nvPr/>
         </p:nvPicPr>
@@ -20682,7 +22654,7 @@
       </p:pic>
       <p:pic>
         <p:nvPicPr>
-          <p:cNvPr id="122" name="Google Shape;122;p16"/>
+          <p:cNvPr id="127" name="Google Shape;127;p16"/>
           <p:cNvPicPr preferRelativeResize="0"/>
           <p:nvPr/>
         </p:nvPicPr>
@@ -20721,7 +22693,7 @@
   <p:cSld>
     <p:spTree>
       <p:nvGrpSpPr>
-        <p:cNvPr id="126" name="Shape 126"/>
+        <p:cNvPr id="131" name="Shape 131"/>
         <p:cNvGrpSpPr/>
         <p:nvPr/>
       </p:nvGrpSpPr>
@@ -20735,7 +22707,7 @@
       </p:grpSpPr>
       <p:sp>
         <p:nvSpPr>
-          <p:cNvPr id="127" name="Google Shape;127;p17"/>
+          <p:cNvPr id="132" name="Google Shape;132;p17"/>
           <p:cNvSpPr txBox="1"/>
           <p:nvPr/>
         </p:nvSpPr>
@@ -20787,7 +22759,7 @@
       </p:sp>
       <p:sp>
         <p:nvSpPr>
-          <p:cNvPr id="128" name="Google Shape;128;p17"/>
+          <p:cNvPr id="133" name="Google Shape;133;p17"/>
           <p:cNvSpPr txBox="1"/>
           <p:nvPr/>
         </p:nvSpPr>
@@ -20839,7 +22811,7 @@
       </p:sp>
       <p:pic>
         <p:nvPicPr>
-          <p:cNvPr id="129" name="Google Shape;129;p17"/>
+          <p:cNvPr id="134" name="Google Shape;134;p17"/>
           <p:cNvPicPr preferRelativeResize="0"/>
           <p:nvPr/>
         </p:nvPicPr>
@@ -20878,7 +22850,7 @@
   <p:cSld>
     <p:spTree>
       <p:nvGrpSpPr>
-        <p:cNvPr id="133" name="Shape 133"/>
+        <p:cNvPr id="138" name="Shape 138"/>
         <p:cNvGrpSpPr/>
         <p:nvPr/>
       </p:nvGrpSpPr>
@@ -20892,7 +22864,7 @@
       </p:grpSpPr>
       <p:sp>
         <p:nvSpPr>
-          <p:cNvPr id="134" name="Google Shape;134;p18"/>
+          <p:cNvPr id="139" name="Google Shape;139;p18"/>
           <p:cNvSpPr txBox="1"/>
           <p:nvPr/>
         </p:nvSpPr>
@@ -21190,7 +23162,7 @@
       </p:sp>
       <p:sp>
         <p:nvSpPr>
-          <p:cNvPr id="135" name="Google Shape;135;p18"/>
+          <p:cNvPr id="140" name="Google Shape;140;p18"/>
           <p:cNvSpPr txBox="1"/>
           <p:nvPr/>
         </p:nvSpPr>
@@ -21253,7 +23225,7 @@
   <p:cSld>
     <p:spTree>
       <p:nvGrpSpPr>
-        <p:cNvPr id="139" name="Shape 139"/>
+        <p:cNvPr id="144" name="Shape 144"/>
         <p:cNvGrpSpPr/>
         <p:nvPr/>
       </p:nvGrpSpPr>
@@ -21267,7 +23239,7 @@
       </p:grpSpPr>
       <p:sp>
         <p:nvSpPr>
-          <p:cNvPr id="140" name="Google Shape;140;p19"/>
+          <p:cNvPr id="145" name="Google Shape;145;p19"/>
           <p:cNvSpPr txBox="1"/>
           <p:nvPr/>
         </p:nvSpPr>
@@ -21314,14 +23286,14 @@
       </p:sp>
       <p:sp>
         <p:nvSpPr>
-          <p:cNvPr id="141" name="Google Shape;141;p19"/>
+          <p:cNvPr id="146" name="Google Shape;146;p19"/>
           <p:cNvSpPr txBox="1"/>
           <p:nvPr/>
         </p:nvSpPr>
         <p:spPr>
           <a:xfrm>
             <a:off x="682475" y="1163025"/>
-            <a:ext cx="5826000" cy="3848100"/>
+            <a:ext cx="5826000" cy="3417000"/>
           </a:xfrm>
           <a:prstGeom prst="rect">
             <a:avLst/>
@@ -21729,7 +23701,7 @@
             </a:endParaRPr>
           </a:p>
           <a:p>
-            <a:pPr indent="-317500" lvl="2" marL="1371600" rtl="0" algn="l">
+            <a:pPr indent="-317500" lvl="1" marL="914400" rtl="0" algn="l">
               <a:spcBef>
                 <a:spcPts val="0"/>
               </a:spcBef>
@@ -21738,7 +23710,7 @@
               </a:spcAft>
               <a:buSzPts val="1400"/>
               <a:buFont typeface="Lato"/>
-              <a:buChar char="■"/>
+              <a:buChar char="○"/>
             </a:pPr>
             <a:r>
               <a:rPr lang="en-GB">
@@ -21747,7 +23719,7 @@
                 <a:cs typeface="Lato"/>
                 <a:sym typeface="Lato"/>
               </a:rPr>
-              <a:t>Regression</a:t>
+              <a:t>Unsupervised  (X) </a:t>
             </a:r>
             <a:endParaRPr>
               <a:latin typeface="Lato"/>
@@ -21757,7 +23729,7 @@
             </a:endParaRPr>
           </a:p>
           <a:p>
-            <a:pPr indent="-317500" lvl="2" marL="1371600" rtl="0" algn="l">
+            <a:pPr indent="-317500" lvl="1" marL="914400" rtl="0" algn="l">
               <a:spcBef>
                 <a:spcPts val="0"/>
               </a:spcBef>
@@ -21766,7 +23738,7 @@
               </a:spcAft>
               <a:buSzPts val="1400"/>
               <a:buFont typeface="Lato"/>
-              <a:buChar char="■"/>
+              <a:buChar char="○"/>
             </a:pPr>
             <a:r>
               <a:rPr lang="en-GB">
@@ -21775,7 +23747,7 @@
                 <a:cs typeface="Lato"/>
                 <a:sym typeface="Lato"/>
               </a:rPr>
-              <a:t>Classification</a:t>
+              <a:t>Reinforcement learning (Model dynamics , Episodes )</a:t>
             </a:r>
             <a:endParaRPr>
               <a:latin typeface="Lato"/>
@@ -21784,67 +23756,11 @@
               <a:sym typeface="Lato"/>
             </a:endParaRPr>
           </a:p>
-          <a:p>
-            <a:pPr indent="-317500" lvl="1" marL="914400" rtl="0" algn="l">
-              <a:spcBef>
-                <a:spcPts val="0"/>
-              </a:spcBef>
-              <a:spcAft>
-                <a:spcPts val="0"/>
-              </a:spcAft>
-              <a:buSzPts val="1400"/>
-              <a:buFont typeface="Lato"/>
-              <a:buChar char="○"/>
-            </a:pPr>
-            <a:r>
-              <a:rPr lang="en-GB">
-                <a:latin typeface="Lato"/>
-                <a:ea typeface="Lato"/>
-                <a:cs typeface="Lato"/>
-                <a:sym typeface="Lato"/>
-              </a:rPr>
-              <a:t>Unsupervised  (X) </a:t>
-            </a:r>
-            <a:endParaRPr>
-              <a:latin typeface="Lato"/>
-              <a:ea typeface="Lato"/>
-              <a:cs typeface="Lato"/>
-              <a:sym typeface="Lato"/>
-            </a:endParaRPr>
-          </a:p>
-          <a:p>
-            <a:pPr indent="-317500" lvl="1" marL="914400" rtl="0" algn="l">
-              <a:spcBef>
-                <a:spcPts val="0"/>
-              </a:spcBef>
-              <a:spcAft>
-                <a:spcPts val="0"/>
-              </a:spcAft>
-              <a:buSzPts val="1400"/>
-              <a:buFont typeface="Lato"/>
-              <a:buChar char="○"/>
-            </a:pPr>
-            <a:r>
-              <a:rPr lang="en-GB">
-                <a:latin typeface="Lato"/>
-                <a:ea typeface="Lato"/>
-                <a:cs typeface="Lato"/>
-                <a:sym typeface="Lato"/>
-              </a:rPr>
-              <a:t>Reinforcement learning (Model dynamics , Sample Episodes )</a:t>
-            </a:r>
-            <a:endParaRPr>
-              <a:latin typeface="Lato"/>
-              <a:ea typeface="Lato"/>
-              <a:cs typeface="Lato"/>
-              <a:sym typeface="Lato"/>
-            </a:endParaRPr>
-          </a:p>
         </p:txBody>
       </p:sp>
       <p:sp>
         <p:nvSpPr>
-          <p:cNvPr id="142" name="Google Shape;142;p19"/>
+          <p:cNvPr id="147" name="Google Shape;147;p19"/>
           <p:cNvSpPr txBox="1"/>
           <p:nvPr/>
         </p:nvSpPr>
@@ -22011,7 +23927,7 @@
   <p:cSld>
     <p:spTree>
       <p:nvGrpSpPr>
-        <p:cNvPr id="146" name="Shape 146"/>
+        <p:cNvPr id="151" name="Shape 151"/>
         <p:cNvGrpSpPr/>
         <p:nvPr/>
       </p:nvGrpSpPr>
@@ -22025,7 +23941,7 @@
       </p:grpSpPr>
       <p:sp>
         <p:nvSpPr>
-          <p:cNvPr id="147" name="Google Shape;147;p20"/>
+          <p:cNvPr id="152" name="Google Shape;152;p20"/>
           <p:cNvSpPr txBox="1"/>
           <p:nvPr/>
         </p:nvSpPr>
@@ -22095,7 +24011,7 @@
       </p:sp>
       <p:sp>
         <p:nvSpPr>
-          <p:cNvPr id="148" name="Google Shape;148;p20"/>
+          <p:cNvPr id="153" name="Google Shape;153;p20"/>
           <p:cNvSpPr txBox="1"/>
           <p:nvPr/>
         </p:nvSpPr>
@@ -22142,7 +24058,7 @@
       </p:sp>
       <p:sp>
         <p:nvSpPr>
-          <p:cNvPr id="149" name="Google Shape;149;p20"/>
+          <p:cNvPr id="154" name="Google Shape;154;p20"/>
           <p:cNvSpPr txBox="1"/>
           <p:nvPr/>
         </p:nvSpPr>
@@ -22374,7 +24290,7 @@
                 <a:cs typeface="Lato"/>
                 <a:sym typeface="Lato"/>
               </a:rPr>
-              <a:t>Regulazer</a:t>
+              <a:t>Regularizer</a:t>
             </a:r>
             <a:endParaRPr>
               <a:latin typeface="Lato"/>
@@ -22398,7 +24314,7 @@
   <p:cSld>
     <p:spTree>
       <p:nvGrpSpPr>
-        <p:cNvPr id="153" name="Shape 153"/>
+        <p:cNvPr id="158" name="Shape 158"/>
         <p:cNvGrpSpPr/>
         <p:nvPr/>
       </p:nvGrpSpPr>
@@ -22412,7 +24328,7 @@
       </p:grpSpPr>
       <p:sp>
         <p:nvSpPr>
-          <p:cNvPr id="154" name="Google Shape;154;p21"/>
+          <p:cNvPr id="159" name="Google Shape;159;p21"/>
           <p:cNvSpPr txBox="1"/>
           <p:nvPr/>
         </p:nvSpPr>
@@ -22482,7 +24398,7 @@
       </p:sp>
       <p:sp>
         <p:nvSpPr>
-          <p:cNvPr id="155" name="Google Shape;155;p21"/>
+          <p:cNvPr id="160" name="Google Shape;160;p21"/>
           <p:cNvSpPr txBox="1"/>
           <p:nvPr/>
         </p:nvSpPr>
@@ -22529,7 +24445,7 @@
       </p:sp>
       <p:sp>
         <p:nvSpPr>
-          <p:cNvPr id="156" name="Google Shape;156;p21"/>
+          <p:cNvPr id="161" name="Google Shape;161;p21"/>
           <p:cNvSpPr txBox="1"/>
           <p:nvPr/>
         </p:nvSpPr>
@@ -22581,7 +24497,7 @@
       </p:sp>
       <p:graphicFrame>
         <p:nvGraphicFramePr>
-          <p:cNvPr id="157" name="Google Shape;157;p21"/>
+          <p:cNvPr id="162" name="Google Shape;162;p21"/>
           <p:cNvGraphicFramePr/>
           <p:nvPr/>
         </p:nvGraphicFramePr>
@@ -22594,7 +24510,7 @@
             <a:tbl>
               <a:tblPr>
                 <a:noFill/>
-                <a:tableStyleId>{CB5222EA-045A-4E62-9D21-629A3CB17284}</a:tableStyleId>
+                <a:tableStyleId>{034C4274-928E-4F9E-9D94-88D78D8ED0A7}</a:tableStyleId>
               </a:tblPr>
               <a:tblGrid>
                 <a:gridCol w="1121400"/>
@@ -23031,7 +24947,7 @@
       </p:graphicFrame>
       <p:pic>
         <p:nvPicPr>
-          <p:cNvPr id="158" name="Google Shape;158;p21"/>
+          <p:cNvPr id="163" name="Google Shape;163;p21"/>
           <p:cNvPicPr preferRelativeResize="0"/>
           <p:nvPr/>
         </p:nvPicPr>
